--- a/deliverables/presentation.pptx
+++ b/deliverables/presentation.pptx
@@ -528,7 +528,7 @@
                   <a:cs typeface="+mn-cs"/>
                 </a:defRPr>
               </a:pPr>
-              <a:endParaRPr lang="en-DE"/>
+              <a:endParaRPr lang="en-GB"/>
             </a:p>
           </c:txPr>
         </c:title>
@@ -1026,7 +1026,7 @@
                   <a:cs typeface="+mn-cs"/>
                 </a:defRPr>
               </a:pPr>
-              <a:endParaRPr lang="en-DE"/>
+              <a:endParaRPr lang="en-GB"/>
             </a:p>
           </c:txPr>
         </c:title>
@@ -9741,7 +9741,7 @@
           <a:p>
             <a:fld id="{5EDCA2B6-52D6-DD40-AC41-D11F4BF1A7C4}" type="datetimeFigureOut">
               <a:rPr lang="en-GB" smtClean="0"/>
-              <a:t>30/05/2025</a:t>
+              <a:t>09/06/2025</a:t>
             </a:fld>
             <a:endParaRPr lang="en-GB"/>
           </a:p>
@@ -10362,7 +10362,7 @@
           <a:p>
             <a:fld id="{4AAD347D-5ACD-4C99-B74B-A9C85AD731AF}" type="datetimeFigureOut">
               <a:rPr lang="en-US" dirty="0"/>
-              <a:t>5/30/25</a:t>
+              <a:t>6/9/25</a:t>
             </a:fld>
             <a:endParaRPr lang="en-US" dirty="0"/>
           </a:p>
@@ -10632,7 +10632,7 @@
           <a:p>
             <a:fld id="{4509A250-FF31-4206-8172-F9D3106AACB1}" type="datetimeFigureOut">
               <a:rPr lang="en-US" dirty="0"/>
-              <a:t>5/30/25</a:t>
+              <a:t>6/9/25</a:t>
             </a:fld>
             <a:endParaRPr lang="en-US" dirty="0"/>
           </a:p>
@@ -10821,7 +10821,7 @@
           <a:p>
             <a:fld id="{4509A250-FF31-4206-8172-F9D3106AACB1}" type="datetimeFigureOut">
               <a:rPr lang="en-US" dirty="0"/>
-              <a:t>5/30/25</a:t>
+              <a:t>6/9/25</a:t>
             </a:fld>
             <a:endParaRPr lang="en-US" dirty="0"/>
           </a:p>
@@ -11089,7 +11089,7 @@
           <a:p>
             <a:fld id="{4509A250-FF31-4206-8172-F9D3106AACB1}" type="datetimeFigureOut">
               <a:rPr lang="en-US" dirty="0"/>
-              <a:t>5/30/25</a:t>
+              <a:t>6/9/25</a:t>
             </a:fld>
             <a:endParaRPr lang="en-US" dirty="0"/>
           </a:p>
@@ -11425,7 +11425,7 @@
           <a:p>
             <a:fld id="{4509A250-FF31-4206-8172-F9D3106AACB1}" type="datetimeFigureOut">
               <a:rPr lang="en-US" dirty="0"/>
-              <a:t>5/30/25</a:t>
+              <a:t>6/9/25</a:t>
             </a:fld>
             <a:endParaRPr lang="en-US" dirty="0"/>
           </a:p>
@@ -12043,7 +12043,7 @@
           <a:p>
             <a:fld id="{4509A250-FF31-4206-8172-F9D3106AACB1}" type="datetimeFigureOut">
               <a:rPr lang="en-US" dirty="0"/>
-              <a:t>5/30/25</a:t>
+              <a:t>6/9/25</a:t>
             </a:fld>
             <a:endParaRPr lang="en-US" dirty="0"/>
           </a:p>
@@ -12898,7 +12898,7 @@
           <a:p>
             <a:fld id="{4509A250-FF31-4206-8172-F9D3106AACB1}" type="datetimeFigureOut">
               <a:rPr lang="en-US" dirty="0"/>
-              <a:t>5/30/25</a:t>
+              <a:t>6/9/25</a:t>
             </a:fld>
             <a:endParaRPr lang="en-US" dirty="0"/>
           </a:p>
@@ -13063,7 +13063,7 @@
           <a:p>
             <a:fld id="{4509A250-FF31-4206-8172-F9D3106AACB1}" type="datetimeFigureOut">
               <a:rPr lang="en-US" dirty="0"/>
-              <a:t>5/30/25</a:t>
+              <a:t>6/9/25</a:t>
             </a:fld>
             <a:endParaRPr lang="en-US" dirty="0"/>
           </a:p>
@@ -13238,7 +13238,7 @@
           <a:p>
             <a:fld id="{4509A250-FF31-4206-8172-F9D3106AACB1}" type="datetimeFigureOut">
               <a:rPr lang="en-US" dirty="0"/>
-              <a:t>5/30/25</a:t>
+              <a:t>6/9/25</a:t>
             </a:fld>
             <a:endParaRPr lang="en-US" dirty="0"/>
           </a:p>
@@ -13403,7 +13403,7 @@
           <a:p>
             <a:fld id="{4509A250-FF31-4206-8172-F9D3106AACB1}" type="datetimeFigureOut">
               <a:rPr lang="en-US" dirty="0"/>
-              <a:t>5/30/25</a:t>
+              <a:t>6/9/25</a:t>
             </a:fld>
             <a:endParaRPr lang="en-US" dirty="0"/>
           </a:p>
@@ -13645,7 +13645,7 @@
           <a:p>
             <a:fld id="{9796027F-7875-4030-9381-8BD8C4F21935}" type="datetimeFigureOut">
               <a:rPr lang="en-US" dirty="0"/>
-              <a:t>5/30/25</a:t>
+              <a:t>6/9/25</a:t>
             </a:fld>
             <a:endParaRPr lang="en-US" dirty="0"/>
           </a:p>
@@ -13932,7 +13932,7 @@
           <a:p>
             <a:fld id="{9796027F-7875-4030-9381-8BD8C4F21935}" type="datetimeFigureOut">
               <a:rPr lang="en-US" dirty="0"/>
-              <a:t>5/30/25</a:t>
+              <a:t>6/9/25</a:t>
             </a:fld>
             <a:endParaRPr lang="en-US" dirty="0"/>
           </a:p>
@@ -14371,7 +14371,7 @@
           <a:p>
             <a:fld id="{9796027F-7875-4030-9381-8BD8C4F21935}" type="datetimeFigureOut">
               <a:rPr lang="en-US" dirty="0"/>
-              <a:t>5/30/25</a:t>
+              <a:t>6/9/25</a:t>
             </a:fld>
             <a:endParaRPr lang="en-US" dirty="0"/>
           </a:p>
@@ -14484,7 +14484,7 @@
           <a:p>
             <a:fld id="{4509A250-FF31-4206-8172-F9D3106AACB1}" type="datetimeFigureOut">
               <a:rPr lang="en-US" dirty="0"/>
-              <a:t>5/30/25</a:t>
+              <a:t>6/9/25</a:t>
             </a:fld>
             <a:endParaRPr lang="en-US" dirty="0"/>
           </a:p>
@@ -14574,7 +14574,7 @@
           <a:p>
             <a:fld id="{4509A250-FF31-4206-8172-F9D3106AACB1}" type="datetimeFigureOut">
               <a:rPr lang="en-US" dirty="0"/>
-              <a:t>5/30/25</a:t>
+              <a:t>6/9/25</a:t>
             </a:fld>
             <a:endParaRPr lang="en-US" dirty="0"/>
           </a:p>
@@ -14848,7 +14848,7 @@
           <a:p>
             <a:fld id="{4509A250-FF31-4206-8172-F9D3106AACB1}" type="datetimeFigureOut">
               <a:rPr lang="en-US" dirty="0"/>
-              <a:t>5/30/25</a:t>
+              <a:t>6/9/25</a:t>
             </a:fld>
             <a:endParaRPr lang="en-US" dirty="0"/>
           </a:p>
@@ -15118,7 +15118,7 @@
           <a:p>
             <a:fld id="{4509A250-FF31-4206-8172-F9D3106AACB1}" type="datetimeFigureOut">
               <a:rPr lang="en-US" dirty="0"/>
-              <a:t>5/30/25</a:t>
+              <a:t>6/9/25</a:t>
             </a:fld>
             <a:endParaRPr lang="en-US" dirty="0"/>
           </a:p>
@@ -15542,7 +15542,7 @@
           <a:p>
             <a:fld id="{4AAD347D-5ACD-4C99-B74B-A9C85AD731AF}" type="datetimeFigureOut">
               <a:rPr lang="en-US" dirty="0"/>
-              <a:t>5/30/25</a:t>
+              <a:t>6/9/25</a:t>
             </a:fld>
             <a:endParaRPr lang="en-US" dirty="0"/>
           </a:p>
@@ -19486,8 +19486,27 @@
                 <a:latin typeface="Heiti SC Medium" pitchFamily="2" charset="-128"/>
                 <a:ea typeface="Heiti SC Medium" pitchFamily="2" charset="-128"/>
               </a:rPr>
-              <a:t>Rental durations ranged from same-day returns to a maximum of 10, with an average duration of 5 days.</a:t>
+              <a:t>Rental durations ranged from same-day returns to a maximum of 10, with an average duration of 5 days across all rental terms, indicating limited variation in customer </a:t>
             </a:r>
+            <a:r>
+              <a:rPr lang="en-GB" sz="1400">
+                <a:solidFill>
+                  <a:srgbClr val="000000"/>
+                </a:solidFill>
+                <a:effectLst/>
+                <a:latin typeface="Heiti SC Medium" pitchFamily="2" charset="-128"/>
+                <a:ea typeface="Heiti SC Medium" pitchFamily="2" charset="-128"/>
+              </a:rPr>
+              <a:t>return behaviour.</a:t>
+            </a:r>
+            <a:endParaRPr lang="en-GB" sz="1400" dirty="0">
+              <a:solidFill>
+                <a:srgbClr val="000000"/>
+              </a:solidFill>
+              <a:effectLst/>
+              <a:latin typeface="Heiti SC Medium" pitchFamily="2" charset="-128"/>
+              <a:ea typeface="Heiti SC Medium" pitchFamily="2" charset="-128"/>
+            </a:endParaRPr>
           </a:p>
           <a:p>
             <a:pPr>
@@ -19656,13 +19675,6 @@
               </a:rPr>
               <a:t>Summary</a:t>
             </a:r>
-            <a:endParaRPr lang="en-US" sz="5600" b="0" i="0" kern="1200" dirty="0">
-              <a:solidFill>
-                <a:schemeClr val="tx2"/>
-              </a:solidFill>
-              <a:latin typeface="Heiti SC Medium" pitchFamily="2" charset="-128"/>
-              <a:ea typeface="Heiti SC Medium" pitchFamily="2" charset="-128"/>
-            </a:endParaRPr>
           </a:p>
         </p:txBody>
       </p:sp>
@@ -21133,13 +21145,6 @@
               </a:rPr>
               <a:t>Objective</a:t>
             </a:r>
-            <a:endParaRPr lang="en-US" sz="4200" b="0" i="0" kern="1200" dirty="0">
-              <a:solidFill>
-                <a:srgbClr val="FFFFFF"/>
-              </a:solidFill>
-              <a:latin typeface="Heiti SC Medium" pitchFamily="2" charset="-128"/>
-              <a:ea typeface="Heiti SC Medium" pitchFamily="2" charset="-128"/>
-            </a:endParaRPr>
           </a:p>
         </p:txBody>
       </p:sp>
@@ -21176,14 +21181,7 @@
                 <a:latin typeface="Heiti SC Medium" pitchFamily="2" charset="-128"/>
                 <a:ea typeface="Heiti SC Medium" pitchFamily="2" charset="-128"/>
               </a:rPr>
-              <a:t>Provide data-driven insights derived </a:t>
-            </a:r>
-            <a:r>
-              <a:rPr lang="en-US" dirty="0">
-                <a:latin typeface="Heiti SC Medium" pitchFamily="2" charset="-128"/>
-                <a:ea typeface="Heiti SC Medium" pitchFamily="2" charset="-128"/>
-              </a:rPr>
-              <a:t>from the existing database to address business questions posed by Management.</a:t>
+              <a:t>Provide data-driven insights derived from the existing database to address business questions posed by Management.</a:t>
             </a:r>
           </a:p>
           <a:p>
@@ -27973,10 +27971,10 @@
       </p:sp>
       <p:graphicFrame>
         <p:nvGraphicFramePr>
-          <p:cNvPr id="3" name="Table 2">
+          <p:cNvPr id="5" name="Table 4">
             <a:extLst>
               <a:ext uri="{FF2B5EF4-FFF2-40B4-BE49-F238E27FC236}">
-                <a16:creationId xmlns:a16="http://schemas.microsoft.com/office/drawing/2014/main" id="{DDAFFDBF-0581-2086-0855-0235EFFDD8A1}"/>
+                <a16:creationId xmlns:a16="http://schemas.microsoft.com/office/drawing/2014/main" id="{DAEE623A-1741-16CB-2EAB-CA49EA12BC21}"/>
               </a:ext>
             </a:extLst>
           </p:cNvPr>
@@ -27986,53 +27984,68 @@
           <p:nvPr>
             <p:extLst>
               <p:ext uri="{D42A27DB-BD31-4B8C-83A1-F6EECF244321}">
-                <p14:modId xmlns:p14="http://schemas.microsoft.com/office/powerpoint/2010/main" val="2042229786"/>
+                <p14:modId xmlns:p14="http://schemas.microsoft.com/office/powerpoint/2010/main" val="281761112"/>
               </p:ext>
             </p:extLst>
           </p:nvPr>
         </p:nvGraphicFramePr>
         <p:xfrm>
-          <a:off x="1828800" y="3051937"/>
-          <a:ext cx="8745321" cy="2516192"/>
+          <a:off x="779560" y="3076301"/>
+          <a:ext cx="10779480" cy="2865120"/>
         </p:xfrm>
         <a:graphic>
           <a:graphicData uri="http://schemas.openxmlformats.org/drawingml/2006/table">
             <a:tbl>
               <a:tblPr firstRow="1" bandRow="1">
-                <a:effectLst>
-                  <a:outerShdw blurRad="50800" dist="38100" dir="2700000" algn="tl" rotWithShape="0">
-                    <a:prstClr val="black">
-                      <a:alpha val="40000"/>
-                    </a:prstClr>
-                  </a:outerShdw>
-                </a:effectLst>
                 <a:tableStyleId>{5C22544A-7EE6-4342-B048-85BDC9FD1C3A}</a:tableStyleId>
               </a:tblPr>
               <a:tblGrid>
-                <a:gridCol w="4361483">
+                <a:gridCol w="2155896">
                   <a:extLst>
                     <a:ext uri="{9D8B030D-6E8A-4147-A177-3AD203B41FA5}">
-                      <a16:colId xmlns:a16="http://schemas.microsoft.com/office/drawing/2014/main" val="606972984"/>
+                      <a16:colId xmlns:a16="http://schemas.microsoft.com/office/drawing/2014/main" val="3322826640"/>
                     </a:ext>
                   </a:extLst>
                 </a:gridCol>
-                <a:gridCol w="4383838">
+                <a:gridCol w="2155896">
                   <a:extLst>
                     <a:ext uri="{9D8B030D-6E8A-4147-A177-3AD203B41FA5}">
-                      <a16:colId xmlns:a16="http://schemas.microsoft.com/office/drawing/2014/main" val="4040360446"/>
+                      <a16:colId xmlns:a16="http://schemas.microsoft.com/office/drawing/2014/main" val="2665431035"/>
+                    </a:ext>
+                  </a:extLst>
+                </a:gridCol>
+                <a:gridCol w="2155896">
+                  <a:extLst>
+                    <a:ext uri="{9D8B030D-6E8A-4147-A177-3AD203B41FA5}">
+                      <a16:colId xmlns:a16="http://schemas.microsoft.com/office/drawing/2014/main" val="460635444"/>
+                    </a:ext>
+                  </a:extLst>
+                </a:gridCol>
+                <a:gridCol w="2155896">
+                  <a:extLst>
+                    <a:ext uri="{9D8B030D-6E8A-4147-A177-3AD203B41FA5}">
+                      <a16:colId xmlns:a16="http://schemas.microsoft.com/office/drawing/2014/main" val="4281126450"/>
+                    </a:ext>
+                  </a:extLst>
+                </a:gridCol>
+                <a:gridCol w="2155896">
+                  <a:extLst>
+                    <a:ext uri="{9D8B030D-6E8A-4147-A177-3AD203B41FA5}">
+                      <a16:colId xmlns:a16="http://schemas.microsoft.com/office/drawing/2014/main" val="1805081860"/>
                     </a:ext>
                   </a:extLst>
                 </a:gridCol>
               </a:tblGrid>
-              <a:tr h="629048">
+              <a:tr h="370840">
                 <a:tc>
                   <a:txBody>
                     <a:bodyPr/>
                     <a:lstStyle/>
                     <a:p>
+                      <a:pPr algn="ctr"/>
                       <a:r>
-                        <a:rPr lang="en-US" sz="1600" b="0" dirty="0"/>
-                        <a:t>Metric</a:t>
+                        <a:rPr lang="en-GB" dirty="0"/>
+                        <a:t>Rental Duration (days)</a:t>
                       </a:r>
                     </a:p>
                   </a:txBody>
@@ -28043,10 +28056,52 @@
                     <a:bodyPr/>
                     <a:lstStyle/>
                     <a:p>
-                      <a:pPr algn="r"/>
+                      <a:pPr algn="ctr"/>
                       <a:r>
-                        <a:rPr lang="en-US" sz="1600" b="0" dirty="0"/>
-                        <a:t>Rental Duration (Days)</a:t>
+                        <a:rPr lang="en-GB" dirty="0"/>
+                        <a:t>Number of Transactions</a:t>
+                      </a:r>
+                    </a:p>
+                  </a:txBody>
+                  <a:tcPr/>
+                </a:tc>
+                <a:tc>
+                  <a:txBody>
+                    <a:bodyPr/>
+                    <a:lstStyle/>
+                    <a:p>
+                      <a:pPr algn="ctr"/>
+                      <a:r>
+                        <a:rPr lang="en-GB" dirty="0"/>
+                        <a:t>Min Actual Duration</a:t>
+                      </a:r>
+                    </a:p>
+                  </a:txBody>
+                  <a:tcPr/>
+                </a:tc>
+                <a:tc>
+                  <a:txBody>
+                    <a:bodyPr/>
+                    <a:lstStyle/>
+                    <a:p>
+                      <a:pPr algn="ctr"/>
+                      <a:r>
+                        <a:rPr lang="en-GB" dirty="0"/>
+                        <a:t>Max Actual Duration</a:t>
+                      </a:r>
+                    </a:p>
+                  </a:txBody>
+                  <a:tcPr/>
+                </a:tc>
+                <a:tc>
+                  <a:txBody>
+                    <a:bodyPr/>
+                    <a:lstStyle/>
+                    <a:p>
+                      <a:pPr algn="ctr"/>
+                      <a:r>
+                        <a:rPr lang="en-GB" dirty="0"/>
+                        <a:t>Average Actual Duration</a:t>
                       </a:r>
                     </a:p>
                   </a:txBody>
@@ -28054,133 +28109,469 @@
                 </a:tc>
                 <a:extLst>
                   <a:ext uri="{0D108BD9-81ED-4DB2-BD59-A6C34878D82A}">
-                    <a16:rowId xmlns:a16="http://schemas.microsoft.com/office/drawing/2014/main" val="554498716"/>
+                    <a16:rowId xmlns:a16="http://schemas.microsoft.com/office/drawing/2014/main" val="3399246211"/>
                   </a:ext>
                 </a:extLst>
               </a:tr>
-              <a:tr h="629048">
+              <a:tr h="370840">
                 <a:tc>
                   <a:txBody>
                     <a:bodyPr/>
                     <a:lstStyle/>
                     <a:p>
+                      <a:pPr algn="ctr"/>
                       <a:r>
-                        <a:rPr lang="en-US" sz="1600" dirty="0"/>
-                        <a:t>Minimum</a:t>
+                        <a:rPr lang="en-GB" dirty="0"/>
+                        <a:t>3</a:t>
                       </a:r>
                     </a:p>
                   </a:txBody>
-                  <a:tcPr>
-                    <a:solidFill>
-                      <a:schemeClr val="bg2"/>
-                    </a:solidFill>
-                  </a:tcPr>
+                  <a:tcPr/>
                 </a:tc>
                 <a:tc>
                   <a:txBody>
                     <a:bodyPr/>
                     <a:lstStyle/>
                     <a:p>
-                      <a:pPr algn="r"/>
+                      <a:pPr algn="ctr"/>
                       <a:r>
-                        <a:rPr lang="en-US" sz="1600" dirty="0"/>
-                        <a:t>0</a:t>
+                        <a:rPr lang="en-GB" dirty="0"/>
+                        <a:t>3 366</a:t>
                       </a:r>
                     </a:p>
                   </a:txBody>
-                  <a:tcPr>
-                    <a:solidFill>
-                      <a:schemeClr val="bg2"/>
-                    </a:solidFill>
-                  </a:tcPr>
-                </a:tc>
-                <a:extLst>
-                  <a:ext uri="{0D108BD9-81ED-4DB2-BD59-A6C34878D82A}">
-                    <a16:rowId xmlns:a16="http://schemas.microsoft.com/office/drawing/2014/main" val="1209512680"/>
-                  </a:ext>
-                </a:extLst>
-              </a:tr>
-              <a:tr h="629048">
-                <a:tc>
-                  <a:txBody>
-                    <a:bodyPr/>
-                    <a:lstStyle/>
-                    <a:p>
-                      <a:r>
-                        <a:rPr lang="en-US" sz="1600" dirty="0"/>
-                        <a:t>Maximum</a:t>
-                      </a:r>
-                    </a:p>
-                  </a:txBody>
-                  <a:tcPr>
-                    <a:solidFill>
-                      <a:schemeClr val="bg1"/>
-                    </a:solidFill>
-                  </a:tcPr>
+                  <a:tcPr/>
                 </a:tc>
                 <a:tc>
                   <a:txBody>
                     <a:bodyPr/>
                     <a:lstStyle/>
                     <a:p>
-                      <a:pPr algn="r"/>
+                      <a:pPr algn="ctr"/>
                       <a:r>
-                        <a:rPr lang="en-US" sz="1600" dirty="0"/>
-                        <a:t>10,00</a:t>
+                        <a:rPr lang="en-GB" dirty="0"/>
+                        <a:t>0</a:t>
                       </a:r>
                     </a:p>
                   </a:txBody>
-                  <a:tcPr>
-                    <a:solidFill>
-                      <a:schemeClr val="bg1"/>
-                    </a:solidFill>
-                  </a:tcPr>
-                </a:tc>
-                <a:extLst>
-                  <a:ext uri="{0D108BD9-81ED-4DB2-BD59-A6C34878D82A}">
-                    <a16:rowId xmlns:a16="http://schemas.microsoft.com/office/drawing/2014/main" val="3357101190"/>
-                  </a:ext>
-                </a:extLst>
-              </a:tr>
-              <a:tr h="629048">
-                <a:tc>
-                  <a:txBody>
-                    <a:bodyPr/>
-                    <a:lstStyle/>
-                    <a:p>
-                      <a:r>
-                        <a:rPr lang="en-US" sz="1600" dirty="0"/>
-                        <a:t>Average</a:t>
-                      </a:r>
-                    </a:p>
-                  </a:txBody>
-                  <a:tcPr>
-                    <a:solidFill>
-                      <a:schemeClr val="bg2"/>
-                    </a:solidFill>
-                  </a:tcPr>
+                  <a:tcPr/>
                 </a:tc>
                 <a:tc>
                   <a:txBody>
                     <a:bodyPr/>
                     <a:lstStyle/>
                     <a:p>
-                      <a:pPr algn="r"/>
+                      <a:pPr algn="ctr"/>
                       <a:r>
-                        <a:rPr lang="en-US" sz="1600" dirty="0"/>
-                        <a:t>5,06</a:t>
+                        <a:rPr lang="en-GB" dirty="0"/>
+                        <a:t>10</a:t>
                       </a:r>
                     </a:p>
                   </a:txBody>
-                  <a:tcPr>
-                    <a:solidFill>
-                      <a:schemeClr val="bg2"/>
-                    </a:solidFill>
-                  </a:tcPr>
+                  <a:tcPr/>
+                </a:tc>
+                <a:tc>
+                  <a:txBody>
+                    <a:bodyPr/>
+                    <a:lstStyle/>
+                    <a:p>
+                      <a:pPr algn="ctr"/>
+                      <a:r>
+                        <a:rPr lang="en-GB" dirty="0"/>
+                        <a:t>5</a:t>
+                      </a:r>
+                    </a:p>
+                  </a:txBody>
+                  <a:tcPr/>
                 </a:tc>
                 <a:extLst>
                   <a:ext uri="{0D108BD9-81ED-4DB2-BD59-A6C34878D82A}">
-                    <a16:rowId xmlns:a16="http://schemas.microsoft.com/office/drawing/2014/main" val="3999776388"/>
+                    <a16:rowId xmlns:a16="http://schemas.microsoft.com/office/drawing/2014/main" val="2496633766"/>
+                  </a:ext>
+                </a:extLst>
+              </a:tr>
+              <a:tr h="370840">
+                <a:tc>
+                  <a:txBody>
+                    <a:bodyPr/>
+                    <a:lstStyle/>
+                    <a:p>
+                      <a:pPr algn="ctr"/>
+                      <a:r>
+                        <a:rPr lang="en-GB" dirty="0"/>
+                        <a:t>4</a:t>
+                      </a:r>
+                    </a:p>
+                  </a:txBody>
+                  <a:tcPr/>
+                </a:tc>
+                <a:tc>
+                  <a:txBody>
+                    <a:bodyPr/>
+                    <a:lstStyle/>
+                    <a:p>
+                      <a:pPr algn="ctr"/>
+                      <a:r>
+                        <a:rPr lang="en-GB" dirty="0"/>
+                        <a:t>3 213</a:t>
+                      </a:r>
+                    </a:p>
+                  </a:txBody>
+                  <a:tcPr/>
+                </a:tc>
+                <a:tc>
+                  <a:txBody>
+                    <a:bodyPr/>
+                    <a:lstStyle/>
+                    <a:p>
+                      <a:pPr algn="ctr"/>
+                      <a:r>
+                        <a:rPr lang="en-GB" dirty="0"/>
+                        <a:t>0</a:t>
+                      </a:r>
+                    </a:p>
+                  </a:txBody>
+                  <a:tcPr/>
+                </a:tc>
+                <a:tc>
+                  <a:txBody>
+                    <a:bodyPr/>
+                    <a:lstStyle/>
+                    <a:p>
+                      <a:pPr algn="ctr"/>
+                      <a:r>
+                        <a:rPr lang="en-GB" dirty="0"/>
+                        <a:t>10</a:t>
+                      </a:r>
+                    </a:p>
+                  </a:txBody>
+                  <a:tcPr/>
+                </a:tc>
+                <a:tc>
+                  <a:txBody>
+                    <a:bodyPr/>
+                    <a:lstStyle/>
+                    <a:p>
+                      <a:pPr algn="ctr"/>
+                      <a:r>
+                        <a:rPr lang="en-GB" dirty="0"/>
+                        <a:t>5</a:t>
+                      </a:r>
+                    </a:p>
+                  </a:txBody>
+                  <a:tcPr/>
+                </a:tc>
+                <a:extLst>
+                  <a:ext uri="{0D108BD9-81ED-4DB2-BD59-A6C34878D82A}">
+                    <a16:rowId xmlns:a16="http://schemas.microsoft.com/office/drawing/2014/main" val="596067685"/>
+                  </a:ext>
+                </a:extLst>
+              </a:tr>
+              <a:tr h="370840">
+                <a:tc>
+                  <a:txBody>
+                    <a:bodyPr/>
+                    <a:lstStyle/>
+                    <a:p>
+                      <a:pPr algn="ctr"/>
+                      <a:r>
+                        <a:rPr lang="en-GB" dirty="0"/>
+                        <a:t>5</a:t>
+                      </a:r>
+                    </a:p>
+                  </a:txBody>
+                  <a:tcPr/>
+                </a:tc>
+                <a:tc>
+                  <a:txBody>
+                    <a:bodyPr/>
+                    <a:lstStyle/>
+                    <a:p>
+                      <a:pPr algn="ctr"/>
+                      <a:r>
+                        <a:rPr lang="en-GB" dirty="0"/>
+                        <a:t>3 132</a:t>
+                      </a:r>
+                    </a:p>
+                  </a:txBody>
+                  <a:tcPr/>
+                </a:tc>
+                <a:tc>
+                  <a:txBody>
+                    <a:bodyPr/>
+                    <a:lstStyle/>
+                    <a:p>
+                      <a:pPr algn="ctr"/>
+                      <a:r>
+                        <a:rPr lang="en-GB" dirty="0"/>
+                        <a:t>0</a:t>
+                      </a:r>
+                    </a:p>
+                  </a:txBody>
+                  <a:tcPr/>
+                </a:tc>
+                <a:tc>
+                  <a:txBody>
+                    <a:bodyPr/>
+                    <a:lstStyle/>
+                    <a:p>
+                      <a:pPr algn="ctr"/>
+                      <a:r>
+                        <a:rPr lang="en-GB" dirty="0"/>
+                        <a:t>10</a:t>
+                      </a:r>
+                    </a:p>
+                  </a:txBody>
+                  <a:tcPr/>
+                </a:tc>
+                <a:tc>
+                  <a:txBody>
+                    <a:bodyPr/>
+                    <a:lstStyle/>
+                    <a:p>
+                      <a:pPr algn="ctr"/>
+                      <a:r>
+                        <a:rPr lang="en-GB" dirty="0"/>
+                        <a:t>5</a:t>
+                      </a:r>
+                    </a:p>
+                  </a:txBody>
+                  <a:tcPr/>
+                </a:tc>
+                <a:extLst>
+                  <a:ext uri="{0D108BD9-81ED-4DB2-BD59-A6C34878D82A}">
+                    <a16:rowId xmlns:a16="http://schemas.microsoft.com/office/drawing/2014/main" val="1983416968"/>
+                  </a:ext>
+                </a:extLst>
+              </a:tr>
+              <a:tr h="370840">
+                <a:tc>
+                  <a:txBody>
+                    <a:bodyPr/>
+                    <a:lstStyle/>
+                    <a:p>
+                      <a:pPr algn="ctr"/>
+                      <a:r>
+                        <a:rPr lang="en-GB" dirty="0"/>
+                        <a:t>6</a:t>
+                      </a:r>
+                    </a:p>
+                  </a:txBody>
+                  <a:tcPr/>
+                </a:tc>
+                <a:tc>
+                  <a:txBody>
+                    <a:bodyPr/>
+                    <a:lstStyle/>
+                    <a:p>
+                      <a:pPr algn="ctr"/>
+                      <a:r>
+                        <a:rPr lang="en-GB" dirty="0"/>
+                        <a:t>3 352</a:t>
+                      </a:r>
+                    </a:p>
+                  </a:txBody>
+                  <a:tcPr/>
+                </a:tc>
+                <a:tc>
+                  <a:txBody>
+                    <a:bodyPr/>
+                    <a:lstStyle/>
+                    <a:p>
+                      <a:pPr algn="ctr"/>
+                      <a:r>
+                        <a:rPr lang="en-GB" dirty="0"/>
+                        <a:t>0</a:t>
+                      </a:r>
+                    </a:p>
+                  </a:txBody>
+                  <a:tcPr/>
+                </a:tc>
+                <a:tc>
+                  <a:txBody>
+                    <a:bodyPr/>
+                    <a:lstStyle/>
+                    <a:p>
+                      <a:pPr algn="ctr"/>
+                      <a:r>
+                        <a:rPr lang="en-GB" dirty="0"/>
+                        <a:t>10</a:t>
+                      </a:r>
+                    </a:p>
+                  </a:txBody>
+                  <a:tcPr/>
+                </a:tc>
+                <a:tc>
+                  <a:txBody>
+                    <a:bodyPr/>
+                    <a:lstStyle/>
+                    <a:p>
+                      <a:pPr algn="ctr"/>
+                      <a:r>
+                        <a:rPr lang="en-GB" dirty="0"/>
+                        <a:t>5</a:t>
+                      </a:r>
+                    </a:p>
+                  </a:txBody>
+                  <a:tcPr/>
+                </a:tc>
+                <a:extLst>
+                  <a:ext uri="{0D108BD9-81ED-4DB2-BD59-A6C34878D82A}">
+                    <a16:rowId xmlns:a16="http://schemas.microsoft.com/office/drawing/2014/main" val="793076623"/>
+                  </a:ext>
+                </a:extLst>
+              </a:tr>
+              <a:tr h="370840">
+                <a:tc>
+                  <a:txBody>
+                    <a:bodyPr/>
+                    <a:lstStyle/>
+                    <a:p>
+                      <a:pPr algn="ctr"/>
+                      <a:r>
+                        <a:rPr lang="en-GB" dirty="0"/>
+                        <a:t>7</a:t>
+                      </a:r>
+                    </a:p>
+                  </a:txBody>
+                  <a:tcPr/>
+                </a:tc>
+                <a:tc>
+                  <a:txBody>
+                    <a:bodyPr/>
+                    <a:lstStyle/>
+                    <a:p>
+                      <a:pPr algn="ctr"/>
+                      <a:r>
+                        <a:rPr lang="en-GB" dirty="0"/>
+                        <a:t>2 798</a:t>
+                      </a:r>
+                    </a:p>
+                  </a:txBody>
+                  <a:tcPr/>
+                </a:tc>
+                <a:tc>
+                  <a:txBody>
+                    <a:bodyPr/>
+                    <a:lstStyle/>
+                    <a:p>
+                      <a:pPr algn="ctr"/>
+                      <a:r>
+                        <a:rPr lang="en-GB" dirty="0"/>
+                        <a:t>0</a:t>
+                      </a:r>
+                    </a:p>
+                  </a:txBody>
+                  <a:tcPr/>
+                </a:tc>
+                <a:tc>
+                  <a:txBody>
+                    <a:bodyPr/>
+                    <a:lstStyle/>
+                    <a:p>
+                      <a:pPr algn="ctr"/>
+                      <a:r>
+                        <a:rPr lang="en-GB" dirty="0"/>
+                        <a:t>10</a:t>
+                      </a:r>
+                    </a:p>
+                  </a:txBody>
+                  <a:tcPr/>
+                </a:tc>
+                <a:tc>
+                  <a:txBody>
+                    <a:bodyPr/>
+                    <a:lstStyle/>
+                    <a:p>
+                      <a:pPr algn="ctr"/>
+                      <a:r>
+                        <a:rPr lang="en-GB" dirty="0"/>
+                        <a:t>5</a:t>
+                      </a:r>
+                    </a:p>
+                  </a:txBody>
+                  <a:tcPr/>
+                </a:tc>
+                <a:extLst>
+                  <a:ext uri="{0D108BD9-81ED-4DB2-BD59-A6C34878D82A}">
+                    <a16:rowId xmlns:a16="http://schemas.microsoft.com/office/drawing/2014/main" val="3994573328"/>
+                  </a:ext>
+                </a:extLst>
+              </a:tr>
+              <a:tr h="370840">
+                <a:tc>
+                  <a:txBody>
+                    <a:bodyPr/>
+                    <a:lstStyle/>
+                    <a:p>
+                      <a:pPr algn="ctr"/>
+                      <a:r>
+                        <a:rPr lang="en-GB" dirty="0"/>
+                        <a:t>All</a:t>
+                      </a:r>
+                    </a:p>
+                  </a:txBody>
+                  <a:tcPr/>
+                </a:tc>
+                <a:tc>
+                  <a:txBody>
+                    <a:bodyPr/>
+                    <a:lstStyle/>
+                    <a:p>
+                      <a:pPr algn="ctr"/>
+                      <a:r>
+                        <a:rPr lang="en-GB" dirty="0"/>
+                        <a:t>15 861</a:t>
+                      </a:r>
+                    </a:p>
+                  </a:txBody>
+                  <a:tcPr/>
+                </a:tc>
+                <a:tc>
+                  <a:txBody>
+                    <a:bodyPr/>
+                    <a:lstStyle/>
+                    <a:p>
+                      <a:pPr algn="ctr"/>
+                      <a:r>
+                        <a:rPr lang="en-GB" dirty="0"/>
+                        <a:t>0</a:t>
+                      </a:r>
+                    </a:p>
+                  </a:txBody>
+                  <a:tcPr/>
+                </a:tc>
+                <a:tc>
+                  <a:txBody>
+                    <a:bodyPr/>
+                    <a:lstStyle/>
+                    <a:p>
+                      <a:pPr algn="ctr"/>
+                      <a:r>
+                        <a:rPr lang="en-GB" dirty="0"/>
+                        <a:t>10</a:t>
+                      </a:r>
+                    </a:p>
+                  </a:txBody>
+                  <a:tcPr/>
+                </a:tc>
+                <a:tc>
+                  <a:txBody>
+                    <a:bodyPr/>
+                    <a:lstStyle/>
+                    <a:p>
+                      <a:pPr algn="ctr"/>
+                      <a:r>
+                        <a:rPr lang="en-GB" dirty="0"/>
+                        <a:t>5</a:t>
+                      </a:r>
+                    </a:p>
+                  </a:txBody>
+                  <a:tcPr/>
+                </a:tc>
+                <a:extLst>
+                  <a:ext uri="{0D108BD9-81ED-4DB2-BD59-A6C34878D82A}">
+                    <a16:rowId xmlns:a16="http://schemas.microsoft.com/office/drawing/2014/main" val="3725237105"/>
                   </a:ext>
                 </a:extLst>
               </a:tr>

--- a/deliverables/presentation.pptx
+++ b/deliverables/presentation.pptx
@@ -374,20 +374,6 @@
         </c:scaling>
         <c:delete val="0"/>
         <c:axPos val="l"/>
-        <c:majorGridlines>
-          <c:spPr>
-            <a:ln w="9525" cap="flat" cmpd="sng" algn="ctr">
-              <a:solidFill>
-                <a:schemeClr val="dk1">
-                  <a:lumMod val="15000"/>
-                  <a:lumOff val="85000"/>
-                </a:schemeClr>
-              </a:solidFill>
-              <a:round/>
-            </a:ln>
-            <a:effectLst/>
-          </c:spPr>
-        </c:majorGridlines>
         <c:numFmt formatCode="General" sourceLinked="1"/>
         <c:majorTickMark val="none"/>
         <c:minorTickMark val="none"/>
@@ -439,20 +425,6 @@
         </c:scaling>
         <c:delete val="0"/>
         <c:axPos val="b"/>
-        <c:majorGridlines>
-          <c:spPr>
-            <a:ln w="9525" cap="flat" cmpd="sng" algn="ctr">
-              <a:solidFill>
-                <a:schemeClr val="dk1">
-                  <a:lumMod val="15000"/>
-                  <a:lumOff val="85000"/>
-                </a:schemeClr>
-              </a:solidFill>
-              <a:round/>
-            </a:ln>
-            <a:effectLst/>
-          </c:spPr>
-        </c:majorGridlines>
         <c:title>
           <c:tx>
             <c:rich>
@@ -863,20 +835,6 @@
         </c:scaling>
         <c:delete val="0"/>
         <c:axPos val="l"/>
-        <c:majorGridlines>
-          <c:spPr>
-            <a:ln w="0" cap="flat" cmpd="sng" algn="ctr">
-              <a:solidFill>
-                <a:schemeClr val="dk1">
-                  <a:lumMod val="15000"/>
-                  <a:lumOff val="85000"/>
-                </a:schemeClr>
-              </a:solidFill>
-              <a:round/>
-            </a:ln>
-            <a:effectLst/>
-          </c:spPr>
-        </c:majorGridlines>
         <c:numFmt formatCode="General" sourceLinked="1"/>
         <c:majorTickMark val="none"/>
         <c:minorTickMark val="none"/>
@@ -930,20 +888,6 @@
         </c:scaling>
         <c:delete val="0"/>
         <c:axPos val="b"/>
-        <c:majorGridlines>
-          <c:spPr>
-            <a:ln w="9525" cap="flat" cmpd="sng" algn="ctr">
-              <a:solidFill>
-                <a:schemeClr val="dk1">
-                  <a:lumMod val="15000"/>
-                  <a:lumOff val="85000"/>
-                </a:schemeClr>
-              </a:solidFill>
-              <a:round/>
-            </a:ln>
-            <a:effectLst/>
-          </c:spPr>
-        </c:majorGridlines>
         <c:title>
           <c:tx>
             <c:rich>
@@ -1223,6 +1167,61 @@
             <a:effectLst/>
           </c:spPr>
           <c:invertIfNegative val="0"/>
+          <c:dLbls>
+            <c:spPr>
+              <a:noFill/>
+              <a:ln>
+                <a:noFill/>
+              </a:ln>
+              <a:effectLst/>
+            </c:spPr>
+            <c:txPr>
+              <a:bodyPr rot="0" spcFirstLastPara="1" vertOverflow="ellipsis" vert="horz" wrap="square" lIns="38100" tIns="19050" rIns="38100" bIns="19050" anchor="ctr" anchorCtr="1">
+                <a:spAutoFit/>
+              </a:bodyPr>
+              <a:lstStyle/>
+              <a:p>
+                <a:pPr>
+                  <a:defRPr sz="1197" b="0" i="0" u="none" strike="noStrike" kern="1200" baseline="0">
+                    <a:solidFill>
+                      <a:schemeClr val="bg1"/>
+                    </a:solidFill>
+                    <a:latin typeface="+mn-lt"/>
+                    <a:ea typeface="+mn-ea"/>
+                    <a:cs typeface="+mn-cs"/>
+                  </a:defRPr>
+                </a:pPr>
+                <a:endParaRPr lang="en-DE"/>
+              </a:p>
+            </c:txPr>
+            <c:dLblPos val="inBase"/>
+            <c:showLegendKey val="0"/>
+            <c:showVal val="1"/>
+            <c:showCatName val="0"/>
+            <c:showSerName val="0"/>
+            <c:showPercent val="0"/>
+            <c:showBubbleSize val="0"/>
+            <c:showLeaderLines val="0"/>
+            <c:extLst>
+              <c:ext xmlns:c15="http://schemas.microsoft.com/office/drawing/2012/chart" uri="{CE6537A1-D6FC-4f65-9D91-7224C49458BB}">
+                <c15:showLeaderLines val="1"/>
+                <c15:leaderLines>
+                  <c:spPr>
+                    <a:ln w="9525" cap="flat" cmpd="sng" algn="ctr">
+                      <a:solidFill>
+                        <a:schemeClr val="dk1">
+                          <a:lumMod val="35000"/>
+                          <a:lumOff val="65000"/>
+                        </a:schemeClr>
+                      </a:solidFill>
+                      <a:round/>
+                    </a:ln>
+                    <a:effectLst/>
+                  </c:spPr>
+                </c15:leaderLines>
+              </c:ext>
+            </c:extLst>
+          </c:dLbls>
           <c:cat>
             <c:strRef>
               <c:f>Sheet1!$A$2:$A$6</c:f>
@@ -1235,13 +1234,13 @@
                   <c:v>Europe</c:v>
                 </c:pt>
                 <c:pt idx="2">
-                  <c:v>Latin America</c:v>
+                  <c:v>Middle East and Africa</c:v>
                 </c:pt>
                 <c:pt idx="3">
                   <c:v>North America</c:v>
                 </c:pt>
                 <c:pt idx="4">
-                  <c:v>Middle East and Africa</c:v>
+                  <c:v>Latin America</c:v>
                 </c:pt>
               </c:strCache>
             </c:strRef>
@@ -1259,13 +1258,13 @@
                   <c:v>109</c:v>
                 </c:pt>
                 <c:pt idx="2">
-                  <c:v>73</c:v>
+                  <c:v>106</c:v>
                 </c:pt>
                 <c:pt idx="3">
-                  <c:v>106</c:v>
+                  <c:v>76</c:v>
                 </c:pt>
                 <c:pt idx="4">
-                  <c:v>76</c:v>
+                  <c:v>73</c:v>
                 </c:pt>
               </c:numCache>
             </c:numRef>
@@ -1317,6 +1316,147 @@
           <c:marker>
             <c:symbol val="none"/>
           </c:marker>
+          <c:dLbls>
+            <c:dLbl>
+              <c:idx val="0"/>
+              <c:showLegendKey val="0"/>
+              <c:showVal val="1"/>
+              <c:showCatName val="0"/>
+              <c:showSerName val="0"/>
+              <c:showPercent val="0"/>
+              <c:showBubbleSize val="0"/>
+              <c:separator>, </c:separator>
+              <c:extLst>
+                <c:ext xmlns:c15="http://schemas.microsoft.com/office/drawing/2012/chart" uri="{CE6537A1-D6FC-4f65-9D91-7224C49458BB}"/>
+                <c:ext xmlns:c16="http://schemas.microsoft.com/office/drawing/2014/chart" uri="{C3380CC4-5D6E-409C-BE32-E72D297353CC}">
+                  <c16:uniqueId val="{00000002-0A7A-9740-B24C-7B633CA57583}"/>
+                </c:ext>
+              </c:extLst>
+            </c:dLbl>
+            <c:dLbl>
+              <c:idx val="1"/>
+              <c:showLegendKey val="0"/>
+              <c:showVal val="1"/>
+              <c:showCatName val="0"/>
+              <c:showSerName val="0"/>
+              <c:showPercent val="0"/>
+              <c:showBubbleSize val="0"/>
+              <c:separator>, </c:separator>
+              <c:extLst>
+                <c:ext xmlns:c15="http://schemas.microsoft.com/office/drawing/2012/chart" uri="{CE6537A1-D6FC-4f65-9D91-7224C49458BB}"/>
+                <c:ext xmlns:c16="http://schemas.microsoft.com/office/drawing/2014/chart" uri="{C3380CC4-5D6E-409C-BE32-E72D297353CC}">
+                  <c16:uniqueId val="{00000003-0A7A-9740-B24C-7B633CA57583}"/>
+                </c:ext>
+              </c:extLst>
+            </c:dLbl>
+            <c:dLbl>
+              <c:idx val="2"/>
+              <c:showLegendKey val="0"/>
+              <c:showVal val="1"/>
+              <c:showCatName val="0"/>
+              <c:showSerName val="0"/>
+              <c:showPercent val="0"/>
+              <c:showBubbleSize val="0"/>
+              <c:separator>, </c:separator>
+              <c:extLst>
+                <c:ext xmlns:c15="http://schemas.microsoft.com/office/drawing/2012/chart" uri="{CE6537A1-D6FC-4f65-9D91-7224C49458BB}"/>
+                <c:ext xmlns:c16="http://schemas.microsoft.com/office/drawing/2014/chart" uri="{C3380CC4-5D6E-409C-BE32-E72D297353CC}">
+                  <c16:uniqueId val="{00000000-0A7A-9740-B24C-7B633CA57583}"/>
+                </c:ext>
+              </c:extLst>
+            </c:dLbl>
+            <c:dLbl>
+              <c:idx val="3"/>
+              <c:showLegendKey val="0"/>
+              <c:showVal val="1"/>
+              <c:showCatName val="0"/>
+              <c:showSerName val="0"/>
+              <c:showPercent val="0"/>
+              <c:showBubbleSize val="0"/>
+              <c:separator>, </c:separator>
+              <c:extLst>
+                <c:ext xmlns:c15="http://schemas.microsoft.com/office/drawing/2012/chart" uri="{CE6537A1-D6FC-4f65-9D91-7224C49458BB}"/>
+                <c:ext xmlns:c16="http://schemas.microsoft.com/office/drawing/2014/chart" uri="{C3380CC4-5D6E-409C-BE32-E72D297353CC}">
+                  <c16:uniqueId val="{00000004-0A7A-9740-B24C-7B633CA57583}"/>
+                </c:ext>
+              </c:extLst>
+            </c:dLbl>
+            <c:dLbl>
+              <c:idx val="4"/>
+              <c:showLegendKey val="0"/>
+              <c:showVal val="1"/>
+              <c:showCatName val="0"/>
+              <c:showSerName val="0"/>
+              <c:showPercent val="0"/>
+              <c:showBubbleSize val="0"/>
+              <c:separator>, </c:separator>
+              <c:extLst>
+                <c:ext xmlns:c15="http://schemas.microsoft.com/office/drawing/2012/chart" uri="{CE6537A1-D6FC-4f65-9D91-7224C49458BB}"/>
+                <c:ext xmlns:c16="http://schemas.microsoft.com/office/drawing/2014/chart" uri="{C3380CC4-5D6E-409C-BE32-E72D297353CC}">
+                  <c16:uniqueId val="{00000005-0A7A-9740-B24C-7B633CA57583}"/>
+                </c:ext>
+              </c:extLst>
+            </c:dLbl>
+            <c:numFmt formatCode="#,##0" sourceLinked="0"/>
+            <c:spPr>
+              <a:solidFill>
+                <a:prstClr val="white"/>
+              </a:solidFill>
+              <a:ln>
+                <a:solidFill>
+                  <a:prstClr val="black">
+                    <a:lumMod val="25000"/>
+                    <a:lumOff val="75000"/>
+                  </a:prstClr>
+                </a:solidFill>
+              </a:ln>
+              <a:effectLst/>
+            </c:spPr>
+            <c:txPr>
+              <a:bodyPr rot="0" spcFirstLastPara="1" vertOverflow="clip" horzOverflow="clip" vert="horz" wrap="square" lIns="38100" tIns="19050" rIns="38100" bIns="19050" anchor="ctr" anchorCtr="1">
+                <a:spAutoFit/>
+              </a:bodyPr>
+              <a:lstStyle/>
+              <a:p>
+                <a:pPr>
+                  <a:defRPr sz="1197" b="0" i="0" u="none" strike="noStrike" kern="1200" baseline="0">
+                    <a:solidFill>
+                      <a:schemeClr val="dk1">
+                        <a:lumMod val="65000"/>
+                        <a:lumOff val="35000"/>
+                      </a:schemeClr>
+                    </a:solidFill>
+                    <a:latin typeface="+mn-lt"/>
+                    <a:ea typeface="+mn-ea"/>
+                    <a:cs typeface="+mn-cs"/>
+                  </a:defRPr>
+                </a:pPr>
+                <a:endParaRPr lang="en-DE"/>
+              </a:p>
+            </c:txPr>
+            <c:showLegendKey val="0"/>
+            <c:showVal val="1"/>
+            <c:showCatName val="1"/>
+            <c:showSerName val="0"/>
+            <c:showPercent val="0"/>
+            <c:showBubbleSize val="0"/>
+            <c:separator>, </c:separator>
+            <c:showLeaderLines val="0"/>
+            <c:extLst>
+              <c:ext xmlns:c15="http://schemas.microsoft.com/office/drawing/2012/chart" uri="{CE6537A1-D6FC-4f65-9D91-7224C49458BB}">
+                <c15:spPr xmlns:c15="http://schemas.microsoft.com/office/drawing/2012/chart">
+                  <a:prstGeom prst="wedgeRectCallout">
+                    <a:avLst/>
+                  </a:prstGeom>
+                  <a:noFill/>
+                  <a:ln>
+                    <a:noFill/>
+                  </a:ln>
+                </c15:spPr>
+                <c15:showLeaderLines val="0"/>
+              </c:ext>
+            </c:extLst>
+          </c:dLbls>
           <c:cat>
             <c:strRef>
               <c:f>Sheet1!$A$2:$A$6</c:f>
@@ -1329,13 +1469,13 @@
                   <c:v>Europe</c:v>
                 </c:pt>
                 <c:pt idx="2">
-                  <c:v>Latin America</c:v>
+                  <c:v>Middle East and Africa</c:v>
                 </c:pt>
                 <c:pt idx="3">
                   <c:v>North America</c:v>
                 </c:pt>
                 <c:pt idx="4">
-                  <c:v>Middle East and Africa</c:v>
+                  <c:v>Latin America</c:v>
                 </c:pt>
               </c:strCache>
             </c:strRef>
@@ -1353,13 +1493,13 @@
                   <c:v>12256</c:v>
                 </c:pt>
                 <c:pt idx="2">
-                  <c:v>8096</c:v>
+                  <c:v>11995</c:v>
                 </c:pt>
                 <c:pt idx="3">
-                  <c:v>11995</c:v>
+                  <c:v>8591</c:v>
                 </c:pt>
                 <c:pt idx="4">
-                  <c:v>8591</c:v>
+                  <c:v>8096</c:v>
                 </c:pt>
               </c:numCache>
             </c:numRef>
@@ -17746,7 +17886,7 @@
           <p:nvPr>
             <p:extLst>
               <p:ext uri="{D42A27DB-BD31-4B8C-83A1-F6EECF244321}">
-                <p14:modId xmlns:p14="http://schemas.microsoft.com/office/powerpoint/2010/main" val="733946298"/>
+                <p14:modId xmlns:p14="http://schemas.microsoft.com/office/powerpoint/2010/main" val="3585588018"/>
               </p:ext>
             </p:extLst>
           </p:nvPr>
@@ -19486,27 +19626,8 @@
                 <a:latin typeface="Heiti SC Medium" pitchFamily="2" charset="-128"/>
                 <a:ea typeface="Heiti SC Medium" pitchFamily="2" charset="-128"/>
               </a:rPr>
-              <a:t>Rental durations ranged from same-day returns to a maximum of 10, with an average duration of 5 days across all rental terms, indicating limited variation in customer </a:t>
+              <a:t>Rental durations across all terms ranged from same-day returns to a maximum of 10, with an average duration of 5 days.</a:t>
             </a:r>
-            <a:r>
-              <a:rPr lang="en-GB" sz="1400">
-                <a:solidFill>
-                  <a:srgbClr val="000000"/>
-                </a:solidFill>
-                <a:effectLst/>
-                <a:latin typeface="Heiti SC Medium" pitchFamily="2" charset="-128"/>
-                <a:ea typeface="Heiti SC Medium" pitchFamily="2" charset="-128"/>
-              </a:rPr>
-              <a:t>return behaviour.</a:t>
-            </a:r>
-            <a:endParaRPr lang="en-GB" sz="1400" dirty="0">
-              <a:solidFill>
-                <a:srgbClr val="000000"/>
-              </a:solidFill>
-              <a:effectLst/>
-              <a:latin typeface="Heiti SC Medium" pitchFamily="2" charset="-128"/>
-              <a:ea typeface="Heiti SC Medium" pitchFamily="2" charset="-128"/>
-            </a:endParaRPr>
           </a:p>
           <a:p>
             <a:pPr>
@@ -19620,7 +19741,37 @@
                 <a:latin typeface="Heiti SC Medium" pitchFamily="2" charset="-128"/>
                 <a:ea typeface="Heiti SC Medium" pitchFamily="2" charset="-128"/>
               </a:rPr>
-              <a:t>The Asia-Pacific region emerged as the clear leader in both sales and customer volume.</a:t>
+              <a:t>The Asia-Pacific region emerged as the clear leader </a:t>
+            </a:r>
+            <a:r>
+              <a:rPr lang="en-DE" sz="1400" dirty="0"/>
+              <a:t>¤</a:t>
+            </a:r>
+            <a:r>
+              <a:rPr lang="en-GB" sz="1400" dirty="0">
+                <a:solidFill>
+                  <a:srgbClr val="000000"/>
+                </a:solidFill>
+                <a:effectLst/>
+                <a:latin typeface="Heiti SC Medium" pitchFamily="2" charset="-128"/>
+                <a:ea typeface="Heiti SC Medium" pitchFamily="2" charset="-128"/>
+              </a:rPr>
+              <a:t>26 468 in sales and 235 customers, while Latin America performed the worst selling </a:t>
+            </a:r>
+            <a:r>
+              <a:rPr lang="en-DE" sz="1400" dirty="0"/>
+              <a:t>¤8</a:t>
+            </a:r>
+            <a:r>
+              <a:rPr lang="en-GB" sz="1400" dirty="0">
+                <a:solidFill>
+                  <a:srgbClr val="000000"/>
+                </a:solidFill>
+                <a:effectLst/>
+                <a:latin typeface="Heiti SC Medium" pitchFamily="2" charset="-128"/>
+                <a:ea typeface="Heiti SC Medium" pitchFamily="2" charset="-128"/>
+              </a:rPr>
+              <a:t> 096 from 73 customers.</a:t>
             </a:r>
             <a:endParaRPr lang="en-DE" sz="1400" b="0" dirty="0">
               <a:solidFill>
@@ -26481,7 +26632,7 @@
           <p:nvPr>
             <p:extLst>
               <p:ext uri="{D42A27DB-BD31-4B8C-83A1-F6EECF244321}">
-                <p14:modId xmlns:p14="http://schemas.microsoft.com/office/powerpoint/2010/main" val="2757142340"/>
+                <p14:modId xmlns:p14="http://schemas.microsoft.com/office/powerpoint/2010/main" val="2144584167"/>
               </p:ext>
             </p:extLst>
           </p:nvPr>
@@ -26511,7 +26662,7 @@
           <p:nvPr>
             <p:extLst>
               <p:ext uri="{D42A27DB-BD31-4B8C-83A1-F6EECF244321}">
-                <p14:modId xmlns:p14="http://schemas.microsoft.com/office/powerpoint/2010/main" val="2423019303"/>
+                <p14:modId xmlns:p14="http://schemas.microsoft.com/office/powerpoint/2010/main" val="2311390410"/>
               </p:ext>
             </p:extLst>
           </p:nvPr>
@@ -27346,7 +27497,7 @@
           <a:lstStyle/>
           <a:p>
             <a:r>
-              <a:rPr lang="en-US" sz="4200">
+              <a:rPr lang="en-US" sz="4200" dirty="0">
                 <a:solidFill>
                   <a:schemeClr val="bg1"/>
                 </a:solidFill>
@@ -27356,7 +27507,7 @@
               <a:t>The Analysis</a:t>
             </a:r>
             <a:br>
-              <a:rPr lang="en-US" sz="8000">
+              <a:rPr lang="en-US" sz="8000" dirty="0">
                 <a:solidFill>
                   <a:schemeClr val="bg1"/>
                 </a:solidFill>
@@ -27365,7 +27516,7 @@
               </a:rPr>
             </a:br>
             <a:r>
-              <a:rPr lang="en-US" sz="2000" b="1">
+              <a:rPr lang="en-US" sz="2000" b="1" dirty="0">
                 <a:solidFill>
                   <a:schemeClr val="bg1"/>
                 </a:solidFill>
@@ -27375,7 +27526,7 @@
               <a:t>Question 2:</a:t>
             </a:r>
             <a:r>
-              <a:rPr lang="en-US" sz="2000">
+              <a:rPr lang="en-US" sz="2000" dirty="0">
                 <a:solidFill>
                   <a:schemeClr val="bg1"/>
                 </a:solidFill>
@@ -27385,7 +27536,7 @@
               <a:t> </a:t>
             </a:r>
             <a:r>
-              <a:rPr lang="en-ZA" sz="2000">
+              <a:rPr lang="en-ZA" sz="2000" dirty="0">
                 <a:solidFill>
                   <a:schemeClr val="bg1"/>
                 </a:solidFill>
@@ -27984,14 +28135,14 @@
           <p:nvPr>
             <p:extLst>
               <p:ext uri="{D42A27DB-BD31-4B8C-83A1-F6EECF244321}">
-                <p14:modId xmlns:p14="http://schemas.microsoft.com/office/powerpoint/2010/main" val="281761112"/>
+                <p14:modId xmlns:p14="http://schemas.microsoft.com/office/powerpoint/2010/main" val="428942184"/>
               </p:ext>
             </p:extLst>
           </p:nvPr>
         </p:nvGraphicFramePr>
         <p:xfrm>
-          <a:off x="779560" y="3076301"/>
-          <a:ext cx="10779480" cy="2865120"/>
+          <a:off x="761206" y="2095662"/>
+          <a:ext cx="10779480" cy="2743200"/>
         </p:xfrm>
         <a:graphic>
           <a:graphicData uri="http://schemas.openxmlformats.org/drawingml/2006/table">
@@ -28044,7 +28195,7 @@
                     <a:p>
                       <a:pPr algn="ctr"/>
                       <a:r>
-                        <a:rPr lang="en-GB" dirty="0"/>
+                        <a:rPr lang="en-GB" sz="1400" dirty="0"/>
                         <a:t>Rental Duration (days)</a:t>
                       </a:r>
                     </a:p>
@@ -28058,7 +28209,7 @@
                     <a:p>
                       <a:pPr algn="ctr"/>
                       <a:r>
-                        <a:rPr lang="en-GB" dirty="0"/>
+                        <a:rPr lang="en-GB" sz="1400" dirty="0"/>
                         <a:t>Number of Transactions</a:t>
                       </a:r>
                     </a:p>
@@ -28072,7 +28223,7 @@
                     <a:p>
                       <a:pPr algn="ctr"/>
                       <a:r>
-                        <a:rPr lang="en-GB" dirty="0"/>
+                        <a:rPr lang="en-GB" sz="1400" dirty="0"/>
                         <a:t>Min Actual Duration</a:t>
                       </a:r>
                     </a:p>
@@ -28086,7 +28237,7 @@
                     <a:p>
                       <a:pPr algn="ctr"/>
                       <a:r>
-                        <a:rPr lang="en-GB" dirty="0"/>
+                        <a:rPr lang="en-GB" sz="1400" dirty="0"/>
                         <a:t>Max Actual Duration</a:t>
                       </a:r>
                     </a:p>
@@ -28100,7 +28251,7 @@
                     <a:p>
                       <a:pPr algn="ctr"/>
                       <a:r>
-                        <a:rPr lang="en-GB" dirty="0"/>
+                        <a:rPr lang="en-GB" sz="1400" dirty="0"/>
                         <a:t>Average Actual Duration</a:t>
                       </a:r>
                     </a:p>
@@ -28121,7 +28272,7 @@
                     <a:p>
                       <a:pPr algn="ctr"/>
                       <a:r>
-                        <a:rPr lang="en-GB" dirty="0"/>
+                        <a:rPr lang="en-GB" sz="1400" dirty="0"/>
                         <a:t>3</a:t>
                       </a:r>
                     </a:p>
@@ -28135,7 +28286,7 @@
                     <a:p>
                       <a:pPr algn="ctr"/>
                       <a:r>
-                        <a:rPr lang="en-GB" dirty="0"/>
+                        <a:rPr lang="en-GB" sz="1400" dirty="0"/>
                         <a:t>3 366</a:t>
                       </a:r>
                     </a:p>
@@ -28149,7 +28300,7 @@
                     <a:p>
                       <a:pPr algn="ctr"/>
                       <a:r>
-                        <a:rPr lang="en-GB" dirty="0"/>
+                        <a:rPr lang="en-GB" sz="1400" dirty="0"/>
                         <a:t>0</a:t>
                       </a:r>
                     </a:p>
@@ -28163,7 +28314,7 @@
                     <a:p>
                       <a:pPr algn="ctr"/>
                       <a:r>
-                        <a:rPr lang="en-GB" dirty="0"/>
+                        <a:rPr lang="en-GB" sz="1400" dirty="0"/>
                         <a:t>10</a:t>
                       </a:r>
                     </a:p>
@@ -28177,7 +28328,7 @@
                     <a:p>
                       <a:pPr algn="ctr"/>
                       <a:r>
-                        <a:rPr lang="en-GB" dirty="0"/>
+                        <a:rPr lang="en-GB" sz="1400" dirty="0"/>
                         <a:t>5</a:t>
                       </a:r>
                     </a:p>
@@ -28198,7 +28349,7 @@
                     <a:p>
                       <a:pPr algn="ctr"/>
                       <a:r>
-                        <a:rPr lang="en-GB" dirty="0"/>
+                        <a:rPr lang="en-GB" sz="1400" dirty="0"/>
                         <a:t>4</a:t>
                       </a:r>
                     </a:p>
@@ -28212,7 +28363,7 @@
                     <a:p>
                       <a:pPr algn="ctr"/>
                       <a:r>
-                        <a:rPr lang="en-GB" dirty="0"/>
+                        <a:rPr lang="en-GB" sz="1400" dirty="0"/>
                         <a:t>3 213</a:t>
                       </a:r>
                     </a:p>
@@ -28226,7 +28377,7 @@
                     <a:p>
                       <a:pPr algn="ctr"/>
                       <a:r>
-                        <a:rPr lang="en-GB" dirty="0"/>
+                        <a:rPr lang="en-GB" sz="1400" dirty="0"/>
                         <a:t>0</a:t>
                       </a:r>
                     </a:p>
@@ -28240,7 +28391,7 @@
                     <a:p>
                       <a:pPr algn="ctr"/>
                       <a:r>
-                        <a:rPr lang="en-GB" dirty="0"/>
+                        <a:rPr lang="en-GB" sz="1400" dirty="0"/>
                         <a:t>10</a:t>
                       </a:r>
                     </a:p>
@@ -28254,7 +28405,7 @@
                     <a:p>
                       <a:pPr algn="ctr"/>
                       <a:r>
-                        <a:rPr lang="en-GB" dirty="0"/>
+                        <a:rPr lang="en-GB" sz="1400" dirty="0"/>
                         <a:t>5</a:t>
                       </a:r>
                     </a:p>
@@ -28275,7 +28426,7 @@
                     <a:p>
                       <a:pPr algn="ctr"/>
                       <a:r>
-                        <a:rPr lang="en-GB" dirty="0"/>
+                        <a:rPr lang="en-GB" sz="1400" dirty="0"/>
                         <a:t>5</a:t>
                       </a:r>
                     </a:p>
@@ -28289,7 +28440,7 @@
                     <a:p>
                       <a:pPr algn="ctr"/>
                       <a:r>
-                        <a:rPr lang="en-GB" dirty="0"/>
+                        <a:rPr lang="en-GB" sz="1400" dirty="0"/>
                         <a:t>3 132</a:t>
                       </a:r>
                     </a:p>
@@ -28303,7 +28454,7 @@
                     <a:p>
                       <a:pPr algn="ctr"/>
                       <a:r>
-                        <a:rPr lang="en-GB" dirty="0"/>
+                        <a:rPr lang="en-GB" sz="1400" dirty="0"/>
                         <a:t>0</a:t>
                       </a:r>
                     </a:p>
@@ -28317,7 +28468,7 @@
                     <a:p>
                       <a:pPr algn="ctr"/>
                       <a:r>
-                        <a:rPr lang="en-GB" dirty="0"/>
+                        <a:rPr lang="en-GB" sz="1400" dirty="0"/>
                         <a:t>10</a:t>
                       </a:r>
                     </a:p>
@@ -28331,7 +28482,7 @@
                     <a:p>
                       <a:pPr algn="ctr"/>
                       <a:r>
-                        <a:rPr lang="en-GB" dirty="0"/>
+                        <a:rPr lang="en-GB" sz="1400" dirty="0"/>
                         <a:t>5</a:t>
                       </a:r>
                     </a:p>
@@ -28352,7 +28503,7 @@
                     <a:p>
                       <a:pPr algn="ctr"/>
                       <a:r>
-                        <a:rPr lang="en-GB" dirty="0"/>
+                        <a:rPr lang="en-GB" sz="1400" dirty="0"/>
                         <a:t>6</a:t>
                       </a:r>
                     </a:p>
@@ -28366,7 +28517,7 @@
                     <a:p>
                       <a:pPr algn="ctr"/>
                       <a:r>
-                        <a:rPr lang="en-GB" dirty="0"/>
+                        <a:rPr lang="en-GB" sz="1400" dirty="0"/>
                         <a:t>3 352</a:t>
                       </a:r>
                     </a:p>
@@ -28380,7 +28531,7 @@
                     <a:p>
                       <a:pPr algn="ctr"/>
                       <a:r>
-                        <a:rPr lang="en-GB" dirty="0"/>
+                        <a:rPr lang="en-GB" sz="1400" dirty="0"/>
                         <a:t>0</a:t>
                       </a:r>
                     </a:p>
@@ -28394,7 +28545,7 @@
                     <a:p>
                       <a:pPr algn="ctr"/>
                       <a:r>
-                        <a:rPr lang="en-GB" dirty="0"/>
+                        <a:rPr lang="en-GB" sz="1400" dirty="0"/>
                         <a:t>10</a:t>
                       </a:r>
                     </a:p>
@@ -28408,7 +28559,7 @@
                     <a:p>
                       <a:pPr algn="ctr"/>
                       <a:r>
-                        <a:rPr lang="en-GB" dirty="0"/>
+                        <a:rPr lang="en-GB" sz="1400" dirty="0"/>
                         <a:t>5</a:t>
                       </a:r>
                     </a:p>
@@ -28429,7 +28580,7 @@
                     <a:p>
                       <a:pPr algn="ctr"/>
                       <a:r>
-                        <a:rPr lang="en-GB" dirty="0"/>
+                        <a:rPr lang="en-GB" sz="1400" dirty="0"/>
                         <a:t>7</a:t>
                       </a:r>
                     </a:p>
@@ -28443,7 +28594,7 @@
                     <a:p>
                       <a:pPr algn="ctr"/>
                       <a:r>
-                        <a:rPr lang="en-GB" dirty="0"/>
+                        <a:rPr lang="en-GB" sz="1400" dirty="0"/>
                         <a:t>2 798</a:t>
                       </a:r>
                     </a:p>
@@ -28457,7 +28608,7 @@
                     <a:p>
                       <a:pPr algn="ctr"/>
                       <a:r>
-                        <a:rPr lang="en-GB" dirty="0"/>
+                        <a:rPr lang="en-GB" sz="1400" dirty="0"/>
                         <a:t>0</a:t>
                       </a:r>
                     </a:p>
@@ -28471,7 +28622,7 @@
                     <a:p>
                       <a:pPr algn="ctr"/>
                       <a:r>
-                        <a:rPr lang="en-GB" dirty="0"/>
+                        <a:rPr lang="en-GB" sz="1400" dirty="0"/>
                         <a:t>10</a:t>
                       </a:r>
                     </a:p>
@@ -28485,7 +28636,7 @@
                     <a:p>
                       <a:pPr algn="ctr"/>
                       <a:r>
-                        <a:rPr lang="en-GB" dirty="0"/>
+                        <a:rPr lang="en-GB" sz="1400" dirty="0"/>
                         <a:t>5</a:t>
                       </a:r>
                     </a:p>
@@ -28506,7 +28657,7 @@
                     <a:p>
                       <a:pPr algn="ctr"/>
                       <a:r>
-                        <a:rPr lang="en-GB" dirty="0"/>
+                        <a:rPr lang="en-GB" sz="1400" dirty="0"/>
                         <a:t>All</a:t>
                       </a:r>
                     </a:p>
@@ -28520,7 +28671,7 @@
                     <a:p>
                       <a:pPr algn="ctr"/>
                       <a:r>
-                        <a:rPr lang="en-GB" dirty="0"/>
+                        <a:rPr lang="en-GB" sz="1400" dirty="0"/>
                         <a:t>15 861</a:t>
                       </a:r>
                     </a:p>
@@ -28534,7 +28685,7 @@
                     <a:p>
                       <a:pPr algn="ctr"/>
                       <a:r>
-                        <a:rPr lang="en-GB" dirty="0"/>
+                        <a:rPr lang="en-GB" sz="1400" dirty="0"/>
                         <a:t>0</a:t>
                       </a:r>
                     </a:p>
@@ -28548,7 +28699,7 @@
                     <a:p>
                       <a:pPr algn="ctr"/>
                       <a:r>
-                        <a:rPr lang="en-GB" dirty="0"/>
+                        <a:rPr lang="en-GB" sz="1400" dirty="0"/>
                         <a:t>10</a:t>
                       </a:r>
                     </a:p>
@@ -28562,7 +28713,7 @@
                     <a:p>
                       <a:pPr algn="ctr"/>
                       <a:r>
-                        <a:rPr lang="en-GB" dirty="0"/>
+                        <a:rPr lang="en-GB" sz="1400" dirty="0"/>
                         <a:t>5</a:t>
                       </a:r>
                     </a:p>
@@ -30000,6 +30151,36 @@
           </a:p>
         </p:txBody>
       </p:sp>
+      <p:pic>
+        <p:nvPicPr>
+          <p:cNvPr id="4" name="Picture 3">
+            <a:extLst>
+              <a:ext uri="{FF2B5EF4-FFF2-40B4-BE49-F238E27FC236}">
+                <a16:creationId xmlns:a16="http://schemas.microsoft.com/office/drawing/2014/main" id="{269F2FF3-E5D3-AF35-25EF-93A382A5C71E}"/>
+              </a:ext>
+            </a:extLst>
+          </p:cNvPr>
+          <p:cNvPicPr>
+            <a:picLocks noChangeAspect="1"/>
+          </p:cNvPicPr>
+          <p:nvPr/>
+        </p:nvPicPr>
+        <p:blipFill>
+          <a:blip r:embed="rId6"/>
+          <a:stretch>
+            <a:fillRect/>
+          </a:stretch>
+        </p:blipFill>
+        <p:spPr>
+          <a:xfrm>
+            <a:off x="930394" y="256824"/>
+            <a:ext cx="7075381" cy="4509105"/>
+          </a:xfrm>
+          <a:prstGeom prst="rect">
+            <a:avLst/>
+          </a:prstGeom>
+        </p:spPr>
+      </p:pic>
       <p:graphicFrame>
         <p:nvGraphicFramePr>
           <p:cNvPr id="15" name="Table 14">
@@ -30015,13 +30196,13 @@
           <p:nvPr>
             <p:extLst>
               <p:ext uri="{D42A27DB-BD31-4B8C-83A1-F6EECF244321}">
-                <p14:modId xmlns:p14="http://schemas.microsoft.com/office/powerpoint/2010/main" val="962897253"/>
+                <p14:modId xmlns:p14="http://schemas.microsoft.com/office/powerpoint/2010/main" val="2968758788"/>
               </p:ext>
             </p:extLst>
           </p:nvPr>
         </p:nvGraphicFramePr>
         <p:xfrm>
-          <a:off x="262196" y="873216"/>
+          <a:off x="7812094" y="1222492"/>
           <a:ext cx="2819400" cy="1949450"/>
         </p:xfrm>
         <a:graphic>
@@ -31652,13 +31833,13 @@
           <p:nvPr>
             <p:extLst>
               <p:ext uri="{D42A27DB-BD31-4B8C-83A1-F6EECF244321}">
-                <p14:modId xmlns:p14="http://schemas.microsoft.com/office/powerpoint/2010/main" val="2433855944"/>
+                <p14:modId xmlns:p14="http://schemas.microsoft.com/office/powerpoint/2010/main" val="634416233"/>
               </p:ext>
             </p:extLst>
           </p:nvPr>
         </p:nvGraphicFramePr>
         <p:xfrm>
-          <a:off x="262196" y="2904896"/>
+          <a:off x="7816706" y="3295549"/>
           <a:ext cx="2814788" cy="1949450"/>
         </p:xfrm>
         <a:graphic>
@@ -33335,36 +33516,6 @@
       </p:graphicFrame>
       <p:pic>
         <p:nvPicPr>
-          <p:cNvPr id="4" name="Picture 3">
-            <a:extLst>
-              <a:ext uri="{FF2B5EF4-FFF2-40B4-BE49-F238E27FC236}">
-                <a16:creationId xmlns:a16="http://schemas.microsoft.com/office/drawing/2014/main" id="{269F2FF3-E5D3-AF35-25EF-93A382A5C71E}"/>
-              </a:ext>
-            </a:extLst>
-          </p:cNvPr>
-          <p:cNvPicPr>
-            <a:picLocks noChangeAspect="1"/>
-          </p:cNvPicPr>
-          <p:nvPr/>
-        </p:nvPicPr>
-        <p:blipFill>
-          <a:blip r:embed="rId6"/>
-          <a:stretch>
-            <a:fillRect/>
-          </a:stretch>
-        </p:blipFill>
-        <p:spPr>
-          <a:xfrm>
-            <a:off x="3244926" y="397328"/>
-            <a:ext cx="7075381" cy="4509105"/>
-          </a:xfrm>
-          <a:prstGeom prst="rect">
-            <a:avLst/>
-          </a:prstGeom>
-        </p:spPr>
-      </p:pic>
-      <p:pic>
-        <p:nvPicPr>
           <p:cNvPr id="3" name="Picture 2">
             <a:extLst>
               <a:ext uri="{FF2B5EF4-FFF2-40B4-BE49-F238E27FC236}">
@@ -33385,7 +33536,7 @@
         </p:blipFill>
         <p:spPr>
           <a:xfrm>
-            <a:off x="10018712" y="3654113"/>
+            <a:off x="466211" y="2750351"/>
             <a:ext cx="1238464" cy="1802653"/>
           </a:xfrm>
           <a:prstGeom prst="rect">
@@ -34729,7 +34880,7 @@
         </p:blipFill>
         <p:spPr>
           <a:xfrm>
-            <a:off x="421303" y="283809"/>
+            <a:off x="421303" y="201748"/>
             <a:ext cx="7156807" cy="4593946"/>
           </a:xfrm>
           <a:prstGeom prst="rect">
@@ -34737,432 +34888,6 @@
           </a:prstGeom>
         </p:spPr>
       </p:pic>
-      <p:graphicFrame>
-        <p:nvGraphicFramePr>
-          <p:cNvPr id="14" name="Table 13">
-            <a:extLst>
-              <a:ext uri="{FF2B5EF4-FFF2-40B4-BE49-F238E27FC236}">
-                <a16:creationId xmlns:a16="http://schemas.microsoft.com/office/drawing/2014/main" id="{8389A4A4-E4BE-61E9-24B9-64CF1D78CFC6}"/>
-              </a:ext>
-            </a:extLst>
-          </p:cNvPr>
-          <p:cNvGraphicFramePr>
-            <a:graphicFrameLocks noGrp="1"/>
-          </p:cNvGraphicFramePr>
-          <p:nvPr>
-            <p:extLst>
-              <p:ext uri="{D42A27DB-BD31-4B8C-83A1-F6EECF244321}">
-                <p14:modId xmlns:p14="http://schemas.microsoft.com/office/powerpoint/2010/main" val="73965782"/>
-              </p:ext>
-            </p:extLst>
-          </p:nvPr>
-        </p:nvGraphicFramePr>
-        <p:xfrm>
-          <a:off x="7314946" y="955616"/>
-          <a:ext cx="2705359" cy="1524000"/>
-        </p:xfrm>
-        <a:graphic>
-          <a:graphicData uri="http://schemas.openxmlformats.org/drawingml/2006/table">
-            <a:tbl>
-              <a:tblPr firstRow="1" bandRow="1">
-                <a:effectLst>
-                  <a:outerShdw blurRad="50800" dist="38100" dir="2700000" algn="tl" rotWithShape="0">
-                    <a:prstClr val="black">
-                      <a:alpha val="40000"/>
-                    </a:prstClr>
-                  </a:outerShdw>
-                </a:effectLst>
-                <a:tableStyleId>{5C22544A-7EE6-4342-B048-85BDC9FD1C3A}</a:tableStyleId>
-              </a:tblPr>
-              <a:tblGrid>
-                <a:gridCol w="750327">
-                  <a:extLst>
-                    <a:ext uri="{9D8B030D-6E8A-4147-A177-3AD203B41FA5}">
-                      <a16:colId xmlns:a16="http://schemas.microsoft.com/office/drawing/2014/main" val="1579969653"/>
-                    </a:ext>
-                  </a:extLst>
-                </a:gridCol>
-                <a:gridCol w="977516">
-                  <a:extLst>
-                    <a:ext uri="{9D8B030D-6E8A-4147-A177-3AD203B41FA5}">
-                      <a16:colId xmlns:a16="http://schemas.microsoft.com/office/drawing/2014/main" val="1601174494"/>
-                    </a:ext>
-                  </a:extLst>
-                </a:gridCol>
-                <a:gridCol w="977516">
-                  <a:extLst>
-                    <a:ext uri="{9D8B030D-6E8A-4147-A177-3AD203B41FA5}">
-                      <a16:colId xmlns:a16="http://schemas.microsoft.com/office/drawing/2014/main" val="988118978"/>
-                    </a:ext>
-                  </a:extLst>
-                </a:gridCol>
-              </a:tblGrid>
-              <a:tr h="162184">
-                <a:tc>
-                  <a:txBody>
-                    <a:bodyPr/>
-                    <a:lstStyle/>
-                    <a:p>
-                      <a:r>
-                        <a:rPr lang="en-US" sz="800" b="0" dirty="0"/>
-                        <a:t>Country</a:t>
-                      </a:r>
-                    </a:p>
-                  </a:txBody>
-                  <a:tcPr/>
-                </a:tc>
-                <a:tc>
-                  <a:txBody>
-                    <a:bodyPr/>
-                    <a:lstStyle/>
-                    <a:p>
-                      <a:r>
-                        <a:rPr lang="en-US" sz="800" b="0" dirty="0"/>
-                        <a:t>Number of Customers</a:t>
-                      </a:r>
-                    </a:p>
-                  </a:txBody>
-                  <a:tcPr/>
-                </a:tc>
-                <a:tc>
-                  <a:txBody>
-                    <a:bodyPr/>
-                    <a:lstStyle/>
-                    <a:p>
-                      <a:pPr algn="r"/>
-                      <a:r>
-                        <a:rPr lang="en-US" sz="800" b="0" dirty="0"/>
-                        <a:t>Average CL</a:t>
-                      </a:r>
-                      <a:r>
-                        <a:rPr lang="en-US" sz="800" b="0" dirty="0">
-                          <a:solidFill>
-                            <a:schemeClr val="tx1"/>
-                          </a:solidFill>
-                        </a:rPr>
-                        <a:t>V (</a:t>
-                      </a:r>
-                      <a:r>
-                        <a:rPr lang="en-DE" sz="800" b="0" dirty="0">
-                          <a:solidFill>
-                            <a:schemeClr val="tx1"/>
-                          </a:solidFill>
-                          <a:effectLst/>
-                          <a:latin typeface="Menlo" panose="020B0609030804020204" pitchFamily="49" charset="0"/>
-                        </a:rPr>
-                        <a:t>¤</a:t>
-                      </a:r>
-                      <a:r>
-                        <a:rPr lang="en-DE" sz="800" b="0" kern="1200" dirty="0">
-                          <a:solidFill>
-                            <a:schemeClr val="tx1"/>
-                          </a:solidFill>
-                          <a:effectLst/>
-                          <a:latin typeface="+mn-lt"/>
-                          <a:ea typeface="+mn-ea"/>
-                          <a:cs typeface="+mn-cs"/>
-                        </a:rPr>
-                        <a:t>)</a:t>
-                      </a:r>
-                      <a:r>
-                        <a:rPr lang="en-US" sz="800" b="0" dirty="0">
-                          <a:solidFill>
-                            <a:schemeClr val="tx1"/>
-                          </a:solidFill>
-                          <a:latin typeface="+mn-lt"/>
-                        </a:rPr>
-                        <a:t> </a:t>
-                      </a:r>
-                      <a:endParaRPr lang="en-US" sz="800" b="0" dirty="0">
-                        <a:solidFill>
-                          <a:schemeClr val="tx1"/>
-                        </a:solidFill>
-                      </a:endParaRPr>
-                    </a:p>
-                  </a:txBody>
-                  <a:tcPr/>
-                </a:tc>
-                <a:extLst>
-                  <a:ext uri="{0D108BD9-81ED-4DB2-BD59-A6C34878D82A}">
-                    <a16:rowId xmlns:a16="http://schemas.microsoft.com/office/drawing/2014/main" val="3567471997"/>
-                  </a:ext>
-                </a:extLst>
-              </a:tr>
-              <a:tr h="162184">
-                <a:tc>
-                  <a:txBody>
-                    <a:bodyPr/>
-                    <a:lstStyle/>
-                    <a:p>
-                      <a:r>
-                        <a:rPr lang="en-US" sz="800" b="0" dirty="0"/>
-                        <a:t>Réunion</a:t>
-                      </a:r>
-                    </a:p>
-                  </a:txBody>
-                  <a:tcPr>
-                    <a:solidFill>
-                      <a:schemeClr val="tx1"/>
-                    </a:solidFill>
-                  </a:tcPr>
-                </a:tc>
-                <a:tc>
-                  <a:txBody>
-                    <a:bodyPr/>
-                    <a:lstStyle/>
-                    <a:p>
-                      <a:r>
-                        <a:rPr lang="en-US" sz="800" b="0" dirty="0"/>
-                        <a:t>1</a:t>
-                      </a:r>
-                    </a:p>
-                  </a:txBody>
-                  <a:tcPr>
-                    <a:solidFill>
-                      <a:schemeClr val="tx1"/>
-                    </a:solidFill>
-                  </a:tcPr>
-                </a:tc>
-                <a:tc>
-                  <a:txBody>
-                    <a:bodyPr/>
-                    <a:lstStyle/>
-                    <a:p>
-                      <a:pPr algn="r"/>
-                      <a:r>
-                        <a:rPr lang="en-US" sz="800" b="0" dirty="0"/>
-                        <a:t>216,54</a:t>
-                      </a:r>
-                    </a:p>
-                  </a:txBody>
-                  <a:tcPr>
-                    <a:solidFill>
-                      <a:schemeClr val="tx1"/>
-                    </a:solidFill>
-                  </a:tcPr>
-                </a:tc>
-                <a:extLst>
-                  <a:ext uri="{0D108BD9-81ED-4DB2-BD59-A6C34878D82A}">
-                    <a16:rowId xmlns:a16="http://schemas.microsoft.com/office/drawing/2014/main" val="2105609969"/>
-                  </a:ext>
-                </a:extLst>
-              </a:tr>
-              <a:tr h="162184">
-                <a:tc>
-                  <a:txBody>
-                    <a:bodyPr/>
-                    <a:lstStyle/>
-                    <a:p>
-                      <a:r>
-                        <a:rPr lang="en-US" sz="800" b="0" dirty="0"/>
-                        <a:t>Vatican City</a:t>
-                      </a:r>
-                    </a:p>
-                  </a:txBody>
-                  <a:tcPr/>
-                </a:tc>
-                <a:tc>
-                  <a:txBody>
-                    <a:bodyPr/>
-                    <a:lstStyle/>
-                    <a:p>
-                      <a:r>
-                        <a:rPr lang="en-US" sz="800" b="0" dirty="0"/>
-                        <a:t>1</a:t>
-                      </a:r>
-                    </a:p>
-                  </a:txBody>
-                  <a:tcPr/>
-                </a:tc>
-                <a:tc>
-                  <a:txBody>
-                    <a:bodyPr/>
-                    <a:lstStyle/>
-                    <a:p>
-                      <a:pPr algn="r"/>
-                      <a:r>
-                        <a:rPr lang="en-US" sz="800" b="0" dirty="0"/>
-                        <a:t>152,66</a:t>
-                      </a:r>
-                    </a:p>
-                  </a:txBody>
-                  <a:tcPr/>
-                </a:tc>
-                <a:extLst>
-                  <a:ext uri="{0D108BD9-81ED-4DB2-BD59-A6C34878D82A}">
-                    <a16:rowId xmlns:a16="http://schemas.microsoft.com/office/drawing/2014/main" val="1544709910"/>
-                  </a:ext>
-                </a:extLst>
-              </a:tr>
-              <a:tr h="162184">
-                <a:tc>
-                  <a:txBody>
-                    <a:bodyPr/>
-                    <a:lstStyle/>
-                    <a:p>
-                      <a:r>
-                        <a:rPr lang="en-US" sz="800" b="0" dirty="0"/>
-                        <a:t>Nauru</a:t>
-                      </a:r>
-                    </a:p>
-                  </a:txBody>
-                  <a:tcPr>
-                    <a:solidFill>
-                      <a:schemeClr val="tx1"/>
-                    </a:solidFill>
-                  </a:tcPr>
-                </a:tc>
-                <a:tc>
-                  <a:txBody>
-                    <a:bodyPr/>
-                    <a:lstStyle/>
-                    <a:p>
-                      <a:r>
-                        <a:rPr lang="en-US" sz="800" b="0" dirty="0"/>
-                        <a:t>1</a:t>
-                      </a:r>
-                    </a:p>
-                  </a:txBody>
-                  <a:tcPr>
-                    <a:solidFill>
-                      <a:schemeClr val="tx1"/>
-                    </a:solidFill>
-                  </a:tcPr>
-                </a:tc>
-                <a:tc>
-                  <a:txBody>
-                    <a:bodyPr/>
-                    <a:lstStyle/>
-                    <a:p>
-                      <a:pPr algn="r"/>
-                      <a:r>
-                        <a:rPr lang="en-US" sz="800" b="0" dirty="0"/>
-                        <a:t>148,69</a:t>
-                      </a:r>
-                    </a:p>
-                  </a:txBody>
-                  <a:tcPr>
-                    <a:solidFill>
-                      <a:schemeClr val="tx1"/>
-                    </a:solidFill>
-                  </a:tcPr>
-                </a:tc>
-                <a:extLst>
-                  <a:ext uri="{0D108BD9-81ED-4DB2-BD59-A6C34878D82A}">
-                    <a16:rowId xmlns:a16="http://schemas.microsoft.com/office/drawing/2014/main" val="2496066103"/>
-                  </a:ext>
-                </a:extLst>
-              </a:tr>
-              <a:tr h="162184">
-                <a:tc>
-                  <a:txBody>
-                    <a:bodyPr/>
-                    <a:lstStyle/>
-                    <a:p>
-                      <a:r>
-                        <a:rPr lang="en-US" sz="800" b="0" dirty="0"/>
-                        <a:t>Sweden</a:t>
-                      </a:r>
-                    </a:p>
-                  </a:txBody>
-                  <a:tcPr/>
-                </a:tc>
-                <a:tc>
-                  <a:txBody>
-                    <a:bodyPr/>
-                    <a:lstStyle/>
-                    <a:p>
-                      <a:r>
-                        <a:rPr lang="en-US" sz="800" b="0" dirty="0"/>
-                        <a:t>1</a:t>
-                      </a:r>
-                    </a:p>
-                  </a:txBody>
-                  <a:tcPr/>
-                </a:tc>
-                <a:tc>
-                  <a:txBody>
-                    <a:bodyPr/>
-                    <a:lstStyle/>
-                    <a:p>
-                      <a:pPr algn="r"/>
-                      <a:r>
-                        <a:rPr lang="en-US" sz="800" b="0" dirty="0"/>
-                        <a:t>144,66</a:t>
-                      </a:r>
-                    </a:p>
-                  </a:txBody>
-                  <a:tcPr/>
-                </a:tc>
-                <a:extLst>
-                  <a:ext uri="{0D108BD9-81ED-4DB2-BD59-A6C34878D82A}">
-                    <a16:rowId xmlns:a16="http://schemas.microsoft.com/office/drawing/2014/main" val="2929757859"/>
-                  </a:ext>
-                </a:extLst>
-              </a:tr>
-              <a:tr h="162184">
-                <a:tc>
-                  <a:txBody>
-                    <a:bodyPr/>
-                    <a:lstStyle/>
-                    <a:p>
-                      <a:r>
-                        <a:rPr lang="en-US" sz="800" b="0" dirty="0"/>
-                        <a:t>Hong Kong</a:t>
-                      </a:r>
-                    </a:p>
-                  </a:txBody>
-                  <a:tcPr>
-                    <a:solidFill>
-                      <a:schemeClr val="tx1"/>
-                    </a:solidFill>
-                  </a:tcPr>
-                </a:tc>
-                <a:tc>
-                  <a:txBody>
-                    <a:bodyPr/>
-                    <a:lstStyle/>
-                    <a:p>
-                      <a:r>
-                        <a:rPr lang="en-US" sz="800" b="0" dirty="0"/>
-                        <a:t>1</a:t>
-                      </a:r>
-                    </a:p>
-                  </a:txBody>
-                  <a:tcPr>
-                    <a:solidFill>
-                      <a:schemeClr val="tx1"/>
-                    </a:solidFill>
-                  </a:tcPr>
-                </a:tc>
-                <a:tc>
-                  <a:txBody>
-                    <a:bodyPr/>
-                    <a:lstStyle/>
-                    <a:p>
-                      <a:pPr algn="r"/>
-                      <a:r>
-                        <a:rPr lang="en-US" sz="800" b="0" dirty="0"/>
-                        <a:t>142,70</a:t>
-                      </a:r>
-                    </a:p>
-                  </a:txBody>
-                  <a:tcPr>
-                    <a:solidFill>
-                      <a:schemeClr val="tx1"/>
-                    </a:solidFill>
-                  </a:tcPr>
-                </a:tc>
-                <a:extLst>
-                  <a:ext uri="{0D108BD9-81ED-4DB2-BD59-A6C34878D82A}">
-                    <a16:rowId xmlns:a16="http://schemas.microsoft.com/office/drawing/2014/main" val="2357991727"/>
-                  </a:ext>
-                </a:extLst>
-              </a:tr>
-            </a:tbl>
-          </a:graphicData>
-        </a:graphic>
-      </p:graphicFrame>
       <p:pic>
         <p:nvPicPr>
           <p:cNvPr id="2" name="Picture 1">
@@ -35185,7 +34910,7 @@
         </p:blipFill>
         <p:spPr>
           <a:xfrm>
-            <a:off x="7095512" y="3099017"/>
+            <a:off x="7035885" y="566947"/>
             <a:ext cx="1874938" cy="2020282"/>
           </a:xfrm>
           <a:prstGeom prst="rect">
@@ -35193,6 +34918,569 @@
           </a:prstGeom>
         </p:spPr>
       </p:pic>
+      <p:graphicFrame>
+        <p:nvGraphicFramePr>
+          <p:cNvPr id="3" name="Table 2">
+            <a:extLst>
+              <a:ext uri="{FF2B5EF4-FFF2-40B4-BE49-F238E27FC236}">
+                <a16:creationId xmlns:a16="http://schemas.microsoft.com/office/drawing/2014/main" id="{71F881B0-CCBD-A652-3B86-E5BFCD92A88B}"/>
+              </a:ext>
+            </a:extLst>
+          </p:cNvPr>
+          <p:cNvGraphicFramePr>
+            <a:graphicFrameLocks noGrp="1"/>
+          </p:cNvGraphicFramePr>
+          <p:nvPr>
+            <p:extLst>
+              <p:ext uri="{D42A27DB-BD31-4B8C-83A1-F6EECF244321}">
+                <p14:modId xmlns:p14="http://schemas.microsoft.com/office/powerpoint/2010/main" val="3901083014"/>
+              </p:ext>
+            </p:extLst>
+          </p:nvPr>
+        </p:nvGraphicFramePr>
+        <p:xfrm>
+          <a:off x="7973354" y="1986448"/>
+          <a:ext cx="3291999" cy="2882980"/>
+        </p:xfrm>
+        <a:graphic>
+          <a:graphicData uri="http://schemas.openxmlformats.org/drawingml/2006/table">
+            <a:tbl>
+              <a:tblPr firstRow="1" bandRow="1">
+                <a:tableStyleId>{5C22544A-7EE6-4342-B048-85BDC9FD1C3A}</a:tableStyleId>
+              </a:tblPr>
+              <a:tblGrid>
+                <a:gridCol w="1097333">
+                  <a:extLst>
+                    <a:ext uri="{9D8B030D-6E8A-4147-A177-3AD203B41FA5}">
+                      <a16:colId xmlns:a16="http://schemas.microsoft.com/office/drawing/2014/main" val="2699416747"/>
+                    </a:ext>
+                  </a:extLst>
+                </a:gridCol>
+                <a:gridCol w="1097333">
+                  <a:extLst>
+                    <a:ext uri="{9D8B030D-6E8A-4147-A177-3AD203B41FA5}">
+                      <a16:colId xmlns:a16="http://schemas.microsoft.com/office/drawing/2014/main" val="3769322481"/>
+                    </a:ext>
+                  </a:extLst>
+                </a:gridCol>
+                <a:gridCol w="1097333">
+                  <a:extLst>
+                    <a:ext uri="{9D8B030D-6E8A-4147-A177-3AD203B41FA5}">
+                      <a16:colId xmlns:a16="http://schemas.microsoft.com/office/drawing/2014/main" val="4176750335"/>
+                    </a:ext>
+                  </a:extLst>
+                </a:gridCol>
+              </a:tblGrid>
+              <a:tr h="254770">
+                <a:tc>
+                  <a:txBody>
+                    <a:bodyPr/>
+                    <a:lstStyle/>
+                    <a:p>
+                      <a:r>
+                        <a:rPr lang="en-GB" sz="800" dirty="0"/>
+                        <a:t>Country</a:t>
+                      </a:r>
+                    </a:p>
+                  </a:txBody>
+                  <a:tcPr/>
+                </a:tc>
+                <a:tc>
+                  <a:txBody>
+                    <a:bodyPr/>
+                    <a:lstStyle/>
+                    <a:p>
+                      <a:r>
+                        <a:rPr lang="en-GB" sz="800" dirty="0"/>
+                        <a:t>Number of Customers</a:t>
+                      </a:r>
+                    </a:p>
+                  </a:txBody>
+                  <a:tcPr/>
+                </a:tc>
+                <a:tc>
+                  <a:txBody>
+                    <a:bodyPr/>
+                    <a:lstStyle/>
+                    <a:p>
+                      <a:r>
+                        <a:rPr lang="en-GB" sz="800" dirty="0"/>
+                        <a:t>Average CLV</a:t>
+                      </a:r>
+                    </a:p>
+                  </a:txBody>
+                  <a:tcPr/>
+                </a:tc>
+                <a:extLst>
+                  <a:ext uri="{0D108BD9-81ED-4DB2-BD59-A6C34878D82A}">
+                    <a16:rowId xmlns:a16="http://schemas.microsoft.com/office/drawing/2014/main" val="2989330907"/>
+                  </a:ext>
+                </a:extLst>
+              </a:tr>
+              <a:tr h="254770">
+                <a:tc>
+                  <a:txBody>
+                    <a:bodyPr/>
+                    <a:lstStyle/>
+                    <a:p>
+                      <a:r>
+                        <a:rPr lang="en-GB" sz="800" dirty="0"/>
+                        <a:t>Réunion</a:t>
+                      </a:r>
+                    </a:p>
+                  </a:txBody>
+                  <a:tcPr/>
+                </a:tc>
+                <a:tc>
+                  <a:txBody>
+                    <a:bodyPr/>
+                    <a:lstStyle/>
+                    <a:p>
+                      <a:r>
+                        <a:rPr lang="en-GB" sz="800" dirty="0"/>
+                        <a:t>1</a:t>
+                      </a:r>
+                    </a:p>
+                  </a:txBody>
+                  <a:tcPr/>
+                </a:tc>
+                <a:tc>
+                  <a:txBody>
+                    <a:bodyPr/>
+                    <a:lstStyle/>
+                    <a:p>
+                      <a:r>
+                        <a:rPr lang="en-GB" sz="800" dirty="0"/>
+                        <a:t>216.54</a:t>
+                      </a:r>
+                    </a:p>
+                  </a:txBody>
+                  <a:tcPr/>
+                </a:tc>
+                <a:extLst>
+                  <a:ext uri="{0D108BD9-81ED-4DB2-BD59-A6C34878D82A}">
+                    <a16:rowId xmlns:a16="http://schemas.microsoft.com/office/drawing/2014/main" val="1847537662"/>
+                  </a:ext>
+                </a:extLst>
+              </a:tr>
+              <a:tr h="254770">
+                <a:tc>
+                  <a:txBody>
+                    <a:bodyPr/>
+                    <a:lstStyle/>
+                    <a:p>
+                      <a:r>
+                        <a:rPr lang="en-GB" sz="800" dirty="0"/>
+                        <a:t>Vatican City</a:t>
+                      </a:r>
+                    </a:p>
+                  </a:txBody>
+                  <a:tcPr/>
+                </a:tc>
+                <a:tc>
+                  <a:txBody>
+                    <a:bodyPr/>
+                    <a:lstStyle/>
+                    <a:p>
+                      <a:r>
+                        <a:rPr lang="en-GB" sz="800" dirty="0"/>
+                        <a:t>1</a:t>
+                      </a:r>
+                    </a:p>
+                  </a:txBody>
+                  <a:tcPr/>
+                </a:tc>
+                <a:tc>
+                  <a:txBody>
+                    <a:bodyPr/>
+                    <a:lstStyle/>
+                    <a:p>
+                      <a:r>
+                        <a:rPr lang="en-GB" sz="800" dirty="0"/>
+                        <a:t>152.66</a:t>
+                      </a:r>
+                    </a:p>
+                  </a:txBody>
+                  <a:tcPr/>
+                </a:tc>
+                <a:extLst>
+                  <a:ext uri="{0D108BD9-81ED-4DB2-BD59-A6C34878D82A}">
+                    <a16:rowId xmlns:a16="http://schemas.microsoft.com/office/drawing/2014/main" val="1122293225"/>
+                  </a:ext>
+                </a:extLst>
+              </a:tr>
+              <a:tr h="254770">
+                <a:tc>
+                  <a:txBody>
+                    <a:bodyPr/>
+                    <a:lstStyle/>
+                    <a:p>
+                      <a:r>
+                        <a:rPr lang="en-GB" sz="800" dirty="0"/>
+                        <a:t>Nauru</a:t>
+                      </a:r>
+                    </a:p>
+                  </a:txBody>
+                  <a:tcPr/>
+                </a:tc>
+                <a:tc>
+                  <a:txBody>
+                    <a:bodyPr/>
+                    <a:lstStyle/>
+                    <a:p>
+                      <a:r>
+                        <a:rPr lang="en-GB" sz="800" dirty="0"/>
+                        <a:t>1</a:t>
+                      </a:r>
+                    </a:p>
+                  </a:txBody>
+                  <a:tcPr/>
+                </a:tc>
+                <a:tc>
+                  <a:txBody>
+                    <a:bodyPr/>
+                    <a:lstStyle/>
+                    <a:p>
+                      <a:r>
+                        <a:rPr lang="en-GB" sz="800" dirty="0"/>
+                        <a:t>148.69</a:t>
+                      </a:r>
+                    </a:p>
+                  </a:txBody>
+                  <a:tcPr/>
+                </a:tc>
+                <a:extLst>
+                  <a:ext uri="{0D108BD9-81ED-4DB2-BD59-A6C34878D82A}">
+                    <a16:rowId xmlns:a16="http://schemas.microsoft.com/office/drawing/2014/main" val="2925788127"/>
+                  </a:ext>
+                </a:extLst>
+              </a:tr>
+              <a:tr h="254770">
+                <a:tc>
+                  <a:txBody>
+                    <a:bodyPr/>
+                    <a:lstStyle/>
+                    <a:p>
+                      <a:r>
+                        <a:rPr lang="en-GB" sz="800" dirty="0"/>
+                        <a:t>Sweden</a:t>
+                      </a:r>
+                    </a:p>
+                  </a:txBody>
+                  <a:tcPr/>
+                </a:tc>
+                <a:tc>
+                  <a:txBody>
+                    <a:bodyPr/>
+                    <a:lstStyle/>
+                    <a:p>
+                      <a:r>
+                        <a:rPr lang="en-GB" sz="800" dirty="0"/>
+                        <a:t>1</a:t>
+                      </a:r>
+                    </a:p>
+                  </a:txBody>
+                  <a:tcPr/>
+                </a:tc>
+                <a:tc>
+                  <a:txBody>
+                    <a:bodyPr/>
+                    <a:lstStyle/>
+                    <a:p>
+                      <a:r>
+                        <a:rPr lang="en-GB" sz="800" dirty="0"/>
+                        <a:t>144.66</a:t>
+                      </a:r>
+                    </a:p>
+                  </a:txBody>
+                  <a:tcPr/>
+                </a:tc>
+                <a:extLst>
+                  <a:ext uri="{0D108BD9-81ED-4DB2-BD59-A6C34878D82A}">
+                    <a16:rowId xmlns:a16="http://schemas.microsoft.com/office/drawing/2014/main" val="1457694613"/>
+                  </a:ext>
+                </a:extLst>
+              </a:tr>
+              <a:tr h="254770">
+                <a:tc>
+                  <a:txBody>
+                    <a:bodyPr/>
+                    <a:lstStyle/>
+                    <a:p>
+                      <a:r>
+                        <a:rPr lang="en-GB" sz="800" dirty="0"/>
+                        <a:t>Hong Kong</a:t>
+                      </a:r>
+                    </a:p>
+                  </a:txBody>
+                  <a:tcPr/>
+                </a:tc>
+                <a:tc>
+                  <a:txBody>
+                    <a:bodyPr/>
+                    <a:lstStyle/>
+                    <a:p>
+                      <a:r>
+                        <a:rPr lang="en-GB" sz="800" dirty="0"/>
+                        <a:t>1</a:t>
+                      </a:r>
+                    </a:p>
+                  </a:txBody>
+                  <a:tcPr/>
+                </a:tc>
+                <a:tc>
+                  <a:txBody>
+                    <a:bodyPr/>
+                    <a:lstStyle/>
+                    <a:p>
+                      <a:r>
+                        <a:rPr lang="en-GB" sz="800" dirty="0"/>
+                        <a:t>142.70</a:t>
+                      </a:r>
+                    </a:p>
+                  </a:txBody>
+                  <a:tcPr/>
+                </a:tc>
+                <a:extLst>
+                  <a:ext uri="{0D108BD9-81ED-4DB2-BD59-A6C34878D82A}">
+                    <a16:rowId xmlns:a16="http://schemas.microsoft.com/office/drawing/2014/main" val="2333945398"/>
+                  </a:ext>
+                </a:extLst>
+              </a:tr>
+              <a:tr h="254770">
+                <a:tc>
+                  <a:txBody>
+                    <a:bodyPr/>
+                    <a:lstStyle/>
+                    <a:p>
+                      <a:r>
+                        <a:rPr lang="en-GB" sz="800" dirty="0"/>
+                        <a:t>Thailand</a:t>
+                      </a:r>
+                    </a:p>
+                  </a:txBody>
+                  <a:tcPr/>
+                </a:tc>
+                <a:tc>
+                  <a:txBody>
+                    <a:bodyPr/>
+                    <a:lstStyle/>
+                    <a:p>
+                      <a:r>
+                        <a:rPr lang="en-GB" sz="800" dirty="0"/>
+                        <a:t>3</a:t>
+                      </a:r>
+                    </a:p>
+                  </a:txBody>
+                  <a:tcPr/>
+                </a:tc>
+                <a:tc>
+                  <a:txBody>
+                    <a:bodyPr/>
+                    <a:lstStyle/>
+                    <a:p>
+                      <a:r>
+                        <a:rPr lang="en-GB" sz="800" dirty="0"/>
+                        <a:t>139.68</a:t>
+                      </a:r>
+                    </a:p>
+                  </a:txBody>
+                  <a:tcPr/>
+                </a:tc>
+                <a:extLst>
+                  <a:ext uri="{0D108BD9-81ED-4DB2-BD59-A6C34878D82A}">
+                    <a16:rowId xmlns:a16="http://schemas.microsoft.com/office/drawing/2014/main" val="1298350765"/>
+                  </a:ext>
+                </a:extLst>
+              </a:tr>
+              <a:tr h="254770">
+                <a:tc>
+                  <a:txBody>
+                    <a:bodyPr/>
+                    <a:lstStyle/>
+                    <a:p>
+                      <a:r>
+                        <a:rPr lang="en-GB" sz="800" dirty="0"/>
+                        <a:t>Belarus</a:t>
+                      </a:r>
+                    </a:p>
+                  </a:txBody>
+                  <a:tcPr/>
+                </a:tc>
+                <a:tc>
+                  <a:txBody>
+                    <a:bodyPr/>
+                    <a:lstStyle/>
+                    <a:p>
+                      <a:r>
+                        <a:rPr lang="en-GB" sz="800" dirty="0"/>
+                        <a:t>2</a:t>
+                      </a:r>
+                    </a:p>
+                  </a:txBody>
+                  <a:tcPr/>
+                </a:tc>
+                <a:tc>
+                  <a:txBody>
+                    <a:bodyPr/>
+                    <a:lstStyle/>
+                    <a:p>
+                      <a:r>
+                        <a:rPr lang="en-GB" sz="800" dirty="0"/>
+                        <a:t>138.67</a:t>
+                      </a:r>
+                    </a:p>
+                  </a:txBody>
+                  <a:tcPr/>
+                </a:tc>
+                <a:extLst>
+                  <a:ext uri="{0D108BD9-81ED-4DB2-BD59-A6C34878D82A}">
+                    <a16:rowId xmlns:a16="http://schemas.microsoft.com/office/drawing/2014/main" val="3457146573"/>
+                  </a:ext>
+                </a:extLst>
+              </a:tr>
+              <a:tr h="254770">
+                <a:tc>
+                  <a:txBody>
+                    <a:bodyPr/>
+                    <a:lstStyle/>
+                    <a:p>
+                      <a:r>
+                        <a:rPr lang="en-GB" sz="800" dirty="0"/>
+                        <a:t>Greenland</a:t>
+                      </a:r>
+                    </a:p>
+                  </a:txBody>
+                  <a:tcPr/>
+                </a:tc>
+                <a:tc>
+                  <a:txBody>
+                    <a:bodyPr/>
+                    <a:lstStyle/>
+                    <a:p>
+                      <a:r>
+                        <a:rPr lang="en-GB" sz="800" dirty="0"/>
+                        <a:t>1</a:t>
+                      </a:r>
+                    </a:p>
+                  </a:txBody>
+                  <a:tcPr/>
+                </a:tc>
+                <a:tc>
+                  <a:txBody>
+                    <a:bodyPr/>
+                    <a:lstStyle/>
+                    <a:p>
+                      <a:r>
+                        <a:rPr lang="en-GB" sz="800" dirty="0"/>
+                        <a:t>137.66</a:t>
+                      </a:r>
+                    </a:p>
+                  </a:txBody>
+                  <a:tcPr/>
+                </a:tc>
+                <a:extLst>
+                  <a:ext uri="{0D108BD9-81ED-4DB2-BD59-A6C34878D82A}">
+                    <a16:rowId xmlns:a16="http://schemas.microsoft.com/office/drawing/2014/main" val="3078074812"/>
+                  </a:ext>
+                </a:extLst>
+              </a:tr>
+              <a:tr h="254770">
+                <a:tc>
+                  <a:txBody>
+                    <a:bodyPr/>
+                    <a:lstStyle/>
+                    <a:p>
+                      <a:r>
+                        <a:rPr lang="en-GB" sz="800" dirty="0"/>
+                        <a:t>Turkmenistan</a:t>
+                      </a:r>
+                    </a:p>
+                  </a:txBody>
+                  <a:tcPr/>
+                </a:tc>
+                <a:tc>
+                  <a:txBody>
+                    <a:bodyPr/>
+                    <a:lstStyle/>
+                    <a:p>
+                      <a:r>
+                        <a:rPr lang="en-GB" sz="800" dirty="0"/>
+                        <a:t>1</a:t>
+                      </a:r>
+                    </a:p>
+                  </a:txBody>
+                  <a:tcPr/>
+                </a:tc>
+                <a:tc>
+                  <a:txBody>
+                    <a:bodyPr/>
+                    <a:lstStyle/>
+                    <a:p>
+                      <a:r>
+                        <a:rPr lang="en-GB" sz="800" dirty="0"/>
+                        <a:t>136.73</a:t>
+                      </a:r>
+                    </a:p>
+                  </a:txBody>
+                  <a:tcPr/>
+                </a:tc>
+                <a:extLst>
+                  <a:ext uri="{0D108BD9-81ED-4DB2-BD59-A6C34878D82A}">
+                    <a16:rowId xmlns:a16="http://schemas.microsoft.com/office/drawing/2014/main" val="1522881426"/>
+                  </a:ext>
+                </a:extLst>
+              </a:tr>
+              <a:tr h="254770">
+                <a:tc>
+                  <a:txBody>
+                    <a:bodyPr/>
+                    <a:lstStyle/>
+                    <a:p>
+                      <a:r>
+                        <a:rPr lang="en-GB" sz="800" dirty="0"/>
+                        <a:t>Chad</a:t>
+                      </a:r>
+                    </a:p>
+                  </a:txBody>
+                  <a:tcPr/>
+                </a:tc>
+                <a:tc>
+                  <a:txBody>
+                    <a:bodyPr/>
+                    <a:lstStyle/>
+                    <a:p>
+                      <a:r>
+                        <a:rPr lang="en-GB" sz="800" dirty="0"/>
+                        <a:t>1</a:t>
+                      </a:r>
+                    </a:p>
+                  </a:txBody>
+                  <a:tcPr/>
+                </a:tc>
+                <a:tc>
+                  <a:txBody>
+                    <a:bodyPr/>
+                    <a:lstStyle/>
+                    <a:p>
+                      <a:r>
+                        <a:rPr lang="en-GB" sz="800" dirty="0"/>
+                        <a:t>135.68</a:t>
+                      </a:r>
+                    </a:p>
+                  </a:txBody>
+                  <a:tcPr/>
+                </a:tc>
+                <a:extLst>
+                  <a:ext uri="{0D108BD9-81ED-4DB2-BD59-A6C34878D82A}">
+                    <a16:rowId xmlns:a16="http://schemas.microsoft.com/office/drawing/2014/main" val="2627040293"/>
+                  </a:ext>
+                </a:extLst>
+              </a:tr>
+            </a:tbl>
+          </a:graphicData>
+        </a:graphic>
+      </p:graphicFrame>
     </p:spTree>
     <p:extLst>
       <p:ext uri="{BB962C8B-B14F-4D97-AF65-F5344CB8AC3E}">

--- a/deliverables/presentation.pptx
+++ b/deliverables/presentation.pptx
@@ -14202,7 +14202,7 @@
           <p:nvPr>
             <p:extLst>
               <p:ext uri="{D42A27DB-BD31-4B8C-83A1-F6EECF244321}">
-                <p14:modId xmlns:p14="http://schemas.microsoft.com/office/powerpoint/2010/main" val="2106555405"/>
+                <p14:modId xmlns:p14="http://schemas.microsoft.com/office/powerpoint/2010/main" val="1933096802"/>
               </p:ext>
             </p:extLst>
           </p:nvPr>
@@ -14240,13 +14240,13 @@
                     <a:lstStyle/>
                     <a:p>
                       <a:r>
-                        <a:rPr lang="en-GB" sz="1200" b="1" dirty="0">
+                        <a:rPr lang="en-GB" sz="1400" b="1" dirty="0">
                           <a:latin typeface="Heiti SC Medium" pitchFamily="2" charset="-128"/>
                           <a:ea typeface="Heiti SC Medium" pitchFamily="2" charset="-128"/>
                         </a:rPr>
                         <a:t>Film Catalogue</a:t>
                       </a:r>
-                      <a:endParaRPr lang="en-GB" sz="1200" b="1" dirty="0">
+                      <a:endParaRPr lang="en-GB" sz="1400" b="1" dirty="0">
                         <a:latin typeface="HEITI SC MEDIUM" pitchFamily="2" charset="-128"/>
                         <a:ea typeface="HEITI SC MEDIUM" pitchFamily="2" charset="-128"/>
                       </a:endParaRPr>
@@ -14277,7 +14277,7 @@
                     <a:lstStyle/>
                     <a:p>
                       <a:r>
-                        <a:rPr lang="en-GB" sz="1200" dirty="0">
+                        <a:rPr lang="en-GB" sz="1400" dirty="0">
                           <a:latin typeface="Heiti SC Medium" pitchFamily="2" charset="-128"/>
                           <a:ea typeface="Heiti SC Medium" pitchFamily="2" charset="-128"/>
                         </a:rPr>
@@ -14294,7 +14294,7 @@
                     <a:p>
                       <a:pPr algn="ctr"/>
                       <a:r>
-                        <a:rPr lang="en-GB" sz="1200" dirty="0">
+                        <a:rPr lang="en-GB" sz="1400" dirty="0">
                           <a:latin typeface="Heiti SC Medium" pitchFamily="2" charset="-128"/>
                           <a:ea typeface="Heiti SC Medium" pitchFamily="2" charset="-128"/>
                         </a:rPr>
@@ -14317,7 +14317,7 @@
                     <a:lstStyle/>
                     <a:p>
                       <a:r>
-                        <a:rPr lang="en-GB" sz="1200" dirty="0">
+                        <a:rPr lang="en-GB" sz="1400" dirty="0">
                           <a:latin typeface="Heiti SC Medium" pitchFamily="2" charset="-128"/>
                           <a:ea typeface="Heiti SC Medium" pitchFamily="2" charset="-128"/>
                         </a:rPr>
@@ -14334,7 +14334,7 @@
                     <a:p>
                       <a:pPr algn="ctr"/>
                       <a:r>
-                        <a:rPr lang="en-GB" sz="1200" dirty="0">
+                        <a:rPr lang="en-GB" sz="1400" dirty="0">
                           <a:latin typeface="Heiti SC Medium" pitchFamily="2" charset="-128"/>
                           <a:ea typeface="Heiti SC Medium" pitchFamily="2" charset="-128"/>
                         </a:rPr>
@@ -14357,7 +14357,7 @@
                     <a:lstStyle/>
                     <a:p>
                       <a:r>
-                        <a:rPr lang="en-GB" sz="1200" dirty="0">
+                        <a:rPr lang="en-GB" sz="1400" dirty="0">
                           <a:latin typeface="Heiti SC Medium" pitchFamily="2" charset="-128"/>
                           <a:ea typeface="Heiti SC Medium" pitchFamily="2" charset="-128"/>
                         </a:rPr>
@@ -14374,7 +14374,7 @@
                     <a:p>
                       <a:pPr algn="ctr"/>
                       <a:r>
-                        <a:rPr lang="en-GB" sz="1200" dirty="0">
+                        <a:rPr lang="en-GB" sz="1400" dirty="0">
                           <a:latin typeface="Heiti SC Medium" pitchFamily="2" charset="-128"/>
                           <a:ea typeface="Heiti SC Medium" pitchFamily="2" charset="-128"/>
                         </a:rPr>
@@ -14397,7 +14397,7 @@
                     <a:lstStyle/>
                     <a:p>
                       <a:r>
-                        <a:rPr lang="en-GB" sz="1200" dirty="0">
+                        <a:rPr lang="en-GB" sz="1400" dirty="0">
                           <a:latin typeface="Heiti SC Medium" pitchFamily="2" charset="-128"/>
                           <a:ea typeface="Heiti SC Medium" pitchFamily="2" charset="-128"/>
                         </a:rPr>
@@ -14414,7 +14414,7 @@
                     <a:p>
                       <a:pPr algn="ctr"/>
                       <a:r>
-                        <a:rPr lang="en-GB" sz="1200" dirty="0">
+                        <a:rPr lang="en-GB" sz="1400" dirty="0">
                           <a:latin typeface="Heiti SC Medium" pitchFamily="2" charset="-128"/>
                           <a:ea typeface="Heiti SC Medium" pitchFamily="2" charset="-128"/>
                         </a:rPr>
@@ -14437,7 +14437,7 @@
                     <a:lstStyle/>
                     <a:p>
                       <a:r>
-                        <a:rPr lang="en-GB" sz="1200" dirty="0">
+                        <a:rPr lang="en-GB" sz="1400" dirty="0">
                           <a:latin typeface="Heiti SC Medium" pitchFamily="2" charset="-128"/>
                           <a:ea typeface="Heiti SC Medium" pitchFamily="2" charset="-128"/>
                         </a:rPr>
@@ -14454,7 +14454,7 @@
                     <a:p>
                       <a:pPr algn="ctr"/>
                       <a:r>
-                        <a:rPr lang="en-GB" sz="1200" dirty="0">
+                        <a:rPr lang="en-GB" sz="1400" dirty="0">
                           <a:latin typeface="Heiti SC Medium" pitchFamily="2" charset="-128"/>
                           <a:ea typeface="Heiti SC Medium" pitchFamily="2" charset="-128"/>
                         </a:rPr>
@@ -16171,7 +16171,7 @@
                 <a:ea typeface="Heiti SC Medium" pitchFamily="2" charset="-128"/>
                 <a:cs typeface="Alasassy Caps" panose="020F0502020204030204" pitchFamily="34" charset="0"/>
               </a:rPr>
-              <a:t>	3. Which countries are Rockbuster customers 	based in?</a:t>
+              <a:t>	3. Which countries are customers based in?</a:t>
             </a:r>
           </a:p>
           <a:p>
@@ -16201,17 +16201,6 @@
               </a:rPr>
               <a:t>	5. Do sales figures vary between geographic 	regions?</a:t>
             </a:r>
-          </a:p>
-          <a:p>
-            <a:pPr>
-              <a:buFont typeface="Wingdings 3" charset="2"/>
-              <a:buChar char=""/>
-            </a:pPr>
-            <a:endParaRPr lang="en-US" dirty="0">
-              <a:latin typeface="Heiti SC Medium" pitchFamily="2" charset="-128"/>
-              <a:ea typeface="Heiti SC Medium" pitchFamily="2" charset="-128"/>
-              <a:cs typeface="Alasassy Caps" panose="020F0502020204030204" pitchFamily="34" charset="0"/>
-            </a:endParaRPr>
           </a:p>
         </p:txBody>
       </p:sp>
@@ -19237,7 +19226,7 @@
           <p:nvPr>
             <p:extLst>
               <p:ext uri="{D42A27DB-BD31-4B8C-83A1-F6EECF244321}">
-                <p14:modId xmlns:p14="http://schemas.microsoft.com/office/powerpoint/2010/main" val="261824411"/>
+                <p14:modId xmlns:p14="http://schemas.microsoft.com/office/powerpoint/2010/main" val="1626198008"/>
               </p:ext>
             </p:extLst>
           </p:nvPr>
@@ -19249,7 +19238,7 @@
         <a:graphic>
           <a:graphicData uri="http://schemas.openxmlformats.org/drawingml/2006/table">
             <a:tbl>
-              <a:tblPr firstRow="1" bandRow="1">
+              <a:tblPr firstRow="1" lastRow="1" bandRow="1">
                 <a:tableStyleId>{5C22544A-7EE6-4342-B048-85BDC9FD1C3A}</a:tableStyleId>
               </a:tblPr>
               <a:tblGrid>
@@ -19689,7 +19678,7 @@
                           <a:latin typeface="Heiti SC Medium" pitchFamily="2" charset="-128"/>
                           <a:ea typeface="Heiti SC Medium" pitchFamily="2" charset="-128"/>
                         </a:rPr>
-                        <a:t>3</a:t>
+                        <a:t>3 Days</a:t>
                       </a:r>
                       <a:endParaRPr lang="en-DE" sz="1200" b="0" i="0" u="none" strike="noStrike" dirty="0">
                         <a:solidFill>
@@ -19736,14 +19725,14 @@
                     <a:p>
                       <a:pPr algn="ctr" rtl="0" fontAlgn="ctr"/>
                       <a:r>
-                        <a:rPr lang="en-DE" sz="1200" u="none" strike="noStrike">
+                        <a:rPr lang="en-DE" sz="1200" u="none" strike="noStrike" dirty="0">
                           <a:effectLst/>
                           <a:latin typeface="Heiti SC Medium" pitchFamily="2" charset="-128"/>
                           <a:ea typeface="Heiti SC Medium" pitchFamily="2" charset="-128"/>
                         </a:rPr>
                         <a:t>0</a:t>
                       </a:r>
-                      <a:endParaRPr lang="en-DE" sz="1200" b="0" i="0" u="none" strike="noStrike">
+                      <a:endParaRPr lang="en-DE" sz="1200" b="0" i="0" u="none" strike="noStrike" dirty="0">
                         <a:solidFill>
                           <a:srgbClr val="000000"/>
                         </a:solidFill>
@@ -19826,7 +19815,7 @@
                           <a:latin typeface="Heiti SC Medium" pitchFamily="2" charset="-128"/>
                           <a:ea typeface="Heiti SC Medium" pitchFamily="2" charset="-128"/>
                         </a:rPr>
-                        <a:t>4</a:t>
+                        <a:t>4 Days</a:t>
                       </a:r>
                       <a:endParaRPr lang="en-DE" sz="1200" b="0" i="0" u="none" strike="noStrike" dirty="0">
                         <a:solidFill>
@@ -19958,14 +19947,14 @@
                     <a:p>
                       <a:pPr algn="ctr" rtl="0" fontAlgn="ctr"/>
                       <a:r>
-                        <a:rPr lang="en-DE" sz="1200" u="none" strike="noStrike">
+                        <a:rPr lang="en-DE" sz="1200" u="none" strike="noStrike" dirty="0">
                           <a:effectLst/>
                           <a:latin typeface="Heiti SC Medium" pitchFamily="2" charset="-128"/>
                           <a:ea typeface="Heiti SC Medium" pitchFamily="2" charset="-128"/>
                         </a:rPr>
-                        <a:t>5</a:t>
+                        <a:t>5 Days</a:t>
                       </a:r>
-                      <a:endParaRPr lang="en-DE" sz="1200" b="0" i="0" u="none" strike="noStrike">
+                      <a:endParaRPr lang="en-DE" sz="1200" b="0" i="0" u="none" strike="noStrike" dirty="0">
                         <a:solidFill>
                           <a:srgbClr val="000000"/>
                         </a:solidFill>
@@ -19984,14 +19973,14 @@
                     <a:p>
                       <a:pPr algn="ctr" rtl="0" fontAlgn="ctr"/>
                       <a:r>
-                        <a:rPr lang="en-DE" sz="1200" u="none" strike="noStrike">
+                        <a:rPr lang="en-DE" sz="1200" u="none" strike="noStrike" dirty="0">
                           <a:effectLst/>
                           <a:latin typeface="Heiti SC Medium" pitchFamily="2" charset="-128"/>
                           <a:ea typeface="Heiti SC Medium" pitchFamily="2" charset="-128"/>
                         </a:rPr>
                         <a:t>3 132</a:t>
                       </a:r>
-                      <a:endParaRPr lang="en-DE" sz="1200" b="0" i="0" u="none" strike="noStrike">
+                      <a:endParaRPr lang="en-DE" sz="1200" b="0" i="0" u="none" strike="noStrike" dirty="0">
                         <a:solidFill>
                           <a:srgbClr val="000000"/>
                         </a:solidFill>
@@ -20095,14 +20084,14 @@
                     <a:p>
                       <a:pPr algn="ctr" rtl="0" fontAlgn="ctr"/>
                       <a:r>
-                        <a:rPr lang="en-DE" sz="1200" u="none" strike="noStrike">
+                        <a:rPr lang="en-DE" sz="1200" u="none" strike="noStrike" dirty="0">
                           <a:effectLst/>
                           <a:latin typeface="Heiti SC Medium" pitchFamily="2" charset="-128"/>
                           <a:ea typeface="Heiti SC Medium" pitchFamily="2" charset="-128"/>
                         </a:rPr>
-                        <a:t>6</a:t>
+                        <a:t>6 Days</a:t>
                       </a:r>
-                      <a:endParaRPr lang="en-DE" sz="1200" b="0" i="0" u="none" strike="noStrike">
+                      <a:endParaRPr lang="en-DE" sz="1200" b="0" i="0" u="none" strike="noStrike" dirty="0">
                         <a:solidFill>
                           <a:srgbClr val="000000"/>
                         </a:solidFill>
@@ -20232,14 +20221,14 @@
                     <a:p>
                       <a:pPr algn="ctr" rtl="0" fontAlgn="ctr"/>
                       <a:r>
-                        <a:rPr lang="en-DE" sz="1200" u="none" strike="noStrike">
+                        <a:rPr lang="en-DE" sz="1200" u="none" strike="noStrike" dirty="0">
                           <a:effectLst/>
                           <a:latin typeface="Heiti SC Medium" pitchFamily="2" charset="-128"/>
                           <a:ea typeface="Heiti SC Medium" pitchFamily="2" charset="-128"/>
                         </a:rPr>
-                        <a:t>7</a:t>
+                        <a:t>7 Days</a:t>
                       </a:r>
-                      <a:endParaRPr lang="en-DE" sz="1200" b="0" i="0" u="none" strike="noStrike">
+                      <a:endParaRPr lang="en-DE" sz="1200" b="0" i="0" u="none" strike="noStrike" dirty="0">
                         <a:solidFill>
                           <a:srgbClr val="000000"/>
                         </a:solidFill>
@@ -20258,14 +20247,14 @@
                     <a:p>
                       <a:pPr algn="ctr" rtl="0" fontAlgn="ctr"/>
                       <a:r>
-                        <a:rPr lang="en-DE" sz="1200" u="none" strike="noStrike">
+                        <a:rPr lang="en-DE" sz="1200" u="none" strike="noStrike" dirty="0">
                           <a:effectLst/>
                           <a:latin typeface="Heiti SC Medium" pitchFamily="2" charset="-128"/>
                           <a:ea typeface="Heiti SC Medium" pitchFamily="2" charset="-128"/>
                         </a:rPr>
                         <a:t>2 798</a:t>
                       </a:r>
-                      <a:endParaRPr lang="en-DE" sz="1200" b="0" i="0" u="none" strike="noStrike">
+                      <a:endParaRPr lang="en-DE" sz="1200" b="0" i="0" u="none" strike="noStrike" dirty="0">
                         <a:solidFill>
                           <a:srgbClr val="000000"/>
                         </a:solidFill>
@@ -20369,14 +20358,14 @@
                     <a:p>
                       <a:pPr algn="ctr" rtl="0" fontAlgn="ctr"/>
                       <a:r>
-                        <a:rPr lang="en-GB" sz="1200" u="none" strike="noStrike">
+                        <a:rPr lang="en-GB" sz="1200" u="none" strike="noStrike" dirty="0">
                           <a:effectLst/>
                           <a:latin typeface="Heiti SC Medium" pitchFamily="2" charset="-128"/>
                           <a:ea typeface="Heiti SC Medium" pitchFamily="2" charset="-128"/>
                         </a:rPr>
                         <a:t>All Terms</a:t>
                       </a:r>
-                      <a:endParaRPr lang="en-GB" sz="1200" b="0" i="0" u="none" strike="noStrike">
+                      <a:endParaRPr lang="en-GB" sz="1200" b="0" i="0" u="none" strike="noStrike" dirty="0">
                         <a:solidFill>
                           <a:srgbClr val="000000"/>
                         </a:solidFill>
@@ -20517,7 +20506,7 @@
           <p:nvPr>
             <p:extLst>
               <p:ext uri="{D42A27DB-BD31-4B8C-83A1-F6EECF244321}">
-                <p14:modId xmlns:p14="http://schemas.microsoft.com/office/powerpoint/2010/main" val="2397310129"/>
+                <p14:modId xmlns:p14="http://schemas.microsoft.com/office/powerpoint/2010/main" val="1954520662"/>
               </p:ext>
             </p:extLst>
           </p:nvPr>
@@ -20529,7 +20518,7 @@
         <a:graphic>
           <a:graphicData uri="http://schemas.openxmlformats.org/drawingml/2006/table">
             <a:tbl>
-              <a:tblPr firstRow="1" bandRow="1">
+              <a:tblPr firstRow="1" lastRow="1" bandRow="1">
                 <a:tableStyleId>{5C22544A-7EE6-4342-B048-85BDC9FD1C3A}</a:tableStyleId>
               </a:tblPr>
               <a:tblGrid>
@@ -21377,14 +21366,14 @@
                     <a:p>
                       <a:pPr algn="ctr" rtl="0" fontAlgn="ctr"/>
                       <a:r>
-                        <a:rPr lang="en-DE" sz="1200" u="none" strike="noStrike">
+                        <a:rPr lang="en-DE" sz="1200" u="none" strike="noStrike" dirty="0">
                           <a:effectLst/>
                           <a:latin typeface="Heiti SC Medium" pitchFamily="2" charset="-128"/>
                           <a:ea typeface="Heiti SC Medium" pitchFamily="2" charset="-128"/>
                         </a:rPr>
                         <a:t>18</a:t>
                       </a:r>
-                      <a:endParaRPr lang="en-DE" sz="1200" b="0" i="0" u="none" strike="noStrike">
+                      <a:endParaRPr lang="en-DE" sz="1200" b="0" i="0" u="none" strike="noStrike" dirty="0">
                         <a:solidFill>
                           <a:srgbClr val="000000"/>
                         </a:solidFill>
@@ -21403,14 +21392,14 @@
                     <a:p>
                       <a:pPr algn="ctr" rtl="0" fontAlgn="ctr"/>
                       <a:r>
-                        <a:rPr lang="en-DE" sz="1200" u="none" strike="noStrike">
+                        <a:rPr lang="en-DE" sz="1200" u="none" strike="noStrike" dirty="0">
                           <a:effectLst/>
                           <a:latin typeface="Heiti SC Medium" pitchFamily="2" charset="-128"/>
                           <a:ea typeface="Heiti SC Medium" pitchFamily="2" charset="-128"/>
                         </a:rPr>
                         <a:t>356</a:t>
                       </a:r>
-                      <a:endParaRPr lang="en-DE" sz="1200" b="0" i="0" u="none" strike="noStrike">
+                      <a:endParaRPr lang="en-DE" sz="1200" b="0" i="0" u="none" strike="noStrike" dirty="0">
                         <a:solidFill>
                           <a:srgbClr val="000000"/>
                         </a:solidFill>
@@ -21878,14 +21867,14 @@
                     <a:p>
                       <a:pPr algn="ctr" rtl="0" fontAlgn="ctr"/>
                       <a:r>
-                        <a:rPr lang="en-DE" sz="1200" u="none" strike="noStrike">
+                        <a:rPr lang="en-DE" sz="1200" u="none" strike="noStrike" dirty="0">
                           <a:effectLst/>
                           <a:latin typeface="Heiti SC Medium" pitchFamily="2" charset="-128"/>
                           <a:ea typeface="Heiti SC Medium" pitchFamily="2" charset="-128"/>
                         </a:rPr>
                         <a:t>358</a:t>
                       </a:r>
-                      <a:endParaRPr lang="en-DE" sz="1200" b="0" i="0" u="none" strike="noStrike">
+                      <a:endParaRPr lang="en-DE" sz="1200" b="0" i="0" u="none" strike="noStrike" dirty="0">
                         <a:solidFill>
                           <a:srgbClr val="000000"/>
                         </a:solidFill>
@@ -22951,7 +22940,7 @@
                           <a:latin typeface="Heiti SC Medium" pitchFamily="2" charset="-128"/>
                           <a:ea typeface="Heiti SC Medium" pitchFamily="2" charset="-128"/>
                         </a:rPr>
-                        <a:t>Total</a:t>
+                        <a:t>All Terms</a:t>
                       </a:r>
                       <a:endParaRPr lang="en-GB" sz="1200" b="0" i="0" u="none" strike="noStrike" dirty="0">
                         <a:solidFill>
@@ -22998,14 +22987,14 @@
                     <a:p>
                       <a:pPr algn="ctr" rtl="0" fontAlgn="ctr"/>
                       <a:r>
-                        <a:rPr lang="en-DE" sz="1200" u="none" strike="noStrike">
+                        <a:rPr lang="en-DE" sz="1200" u="none" strike="noStrike" dirty="0">
                           <a:effectLst/>
                           <a:latin typeface="Heiti SC Medium" pitchFamily="2" charset="-128"/>
                           <a:ea typeface="Heiti SC Medium" pitchFamily="2" charset="-128"/>
                         </a:rPr>
                         <a:t>1644</a:t>
                       </a:r>
-                      <a:endParaRPr lang="en-DE" sz="1200" b="0" i="0" u="none" strike="noStrike">
+                      <a:endParaRPr lang="en-DE" sz="1200" b="0" i="0" u="none" strike="noStrike" dirty="0">
                         <a:solidFill>
                           <a:srgbClr val="000000"/>
                         </a:solidFill>
@@ -24798,8 +24787,8 @@
         </p:nvSpPr>
         <p:spPr>
           <a:xfrm>
-            <a:off x="7994041" y="4836896"/>
-            <a:ext cx="3747822" cy="1384995"/>
+            <a:off x="7283299" y="4715437"/>
+            <a:ext cx="4458561" cy="1569660"/>
           </a:xfrm>
           <a:prstGeom prst="rect">
             <a:avLst/>
@@ -24827,7 +24816,41 @@
                 <a:latin typeface="Heiti SC Medium" pitchFamily="2" charset="-128"/>
                 <a:ea typeface="Heiti SC Medium" pitchFamily="2" charset="-128"/>
               </a:rPr>
-              <a:t>With 599 customers across 597 cities in 108 countries, activity is concentrated in a few key markets. </a:t>
+              <a:t>Customer activity was highly concentrated, with just 10 out of 108 countries accounting for 53% of all customers (315 of 599) and 51% of total revenue (</a:t>
+            </a:r>
+            <a:r>
+              <a:rPr lang="en-DE" sz="1200" b="1" i="0" u="none" strike="noStrike" kern="1200" cap="none" spc="0" normalizeH="0" baseline="0" dirty="0">
+                <a:effectLst/>
+                <a:latin typeface="Menlo" panose="020B0609030804020204" pitchFamily="49" charset="0"/>
+              </a:rPr>
+              <a:t>¤</a:t>
+            </a:r>
+            <a:r>
+              <a:rPr lang="en-GB" sz="1200" dirty="0">
+                <a:solidFill>
+                  <a:srgbClr val="0E2741"/>
+                </a:solidFill>
+                <a:latin typeface="Heiti SC Medium" pitchFamily="2" charset="-128"/>
+                <a:ea typeface="Heiti SC Medium" pitchFamily="2" charset="-128"/>
+              </a:rPr>
+              <a:t>35 155 of </a:t>
+            </a:r>
+            <a:r>
+              <a:rPr lang="en-DE" sz="1200" b="1" i="0" u="none" strike="noStrike" kern="1200" cap="none" spc="0" normalizeH="0" baseline="0" dirty="0">
+                <a:effectLst/>
+                <a:latin typeface="Menlo" panose="020B0609030804020204" pitchFamily="49" charset="0"/>
+              </a:rPr>
+              <a:t>¤</a:t>
+            </a:r>
+            <a:r>
+              <a:rPr lang="en-GB" sz="1200" dirty="0">
+                <a:solidFill>
+                  <a:srgbClr val="0E2741"/>
+                </a:solidFill>
+                <a:latin typeface="Heiti SC Medium" pitchFamily="2" charset="-128"/>
+                <a:ea typeface="Heiti SC Medium" pitchFamily="2" charset="-128"/>
+              </a:rPr>
+              <a:t>66 888). </a:t>
             </a:r>
           </a:p>
           <a:p>
@@ -24848,7 +24871,7 @@
                 <a:latin typeface="Heiti SC Medium" pitchFamily="2" charset="-128"/>
                 <a:ea typeface="Heiti SC Medium" pitchFamily="2" charset="-128"/>
               </a:rPr>
-              <a:t>India, China, and the United States account for nearly a quarter of global customers and total revenue.</a:t>
+              <a:t>Notably, the 10 countries with the most customers were also the 10 highest revenue-generating markets in identical order, indicating a strong alignment between customer volume and sales contribution.</a:t>
             </a:r>
           </a:p>
         </p:txBody>
@@ -24868,19 +24891,19 @@
           <p:nvPr>
             <p:extLst>
               <p:ext uri="{D42A27DB-BD31-4B8C-83A1-F6EECF244321}">
-                <p14:modId xmlns:p14="http://schemas.microsoft.com/office/powerpoint/2010/main" val="363555140"/>
+                <p14:modId xmlns:p14="http://schemas.microsoft.com/office/powerpoint/2010/main" val="3235249166"/>
               </p:ext>
             </p:extLst>
           </p:nvPr>
         </p:nvGraphicFramePr>
         <p:xfrm>
-          <a:off x="7283302" y="2058739"/>
-          <a:ext cx="4458561" cy="2481485"/>
+          <a:off x="7283298" y="1872413"/>
+          <a:ext cx="4458561" cy="2692105"/>
         </p:xfrm>
         <a:graphic>
           <a:graphicData uri="http://schemas.openxmlformats.org/drawingml/2006/table">
             <a:tbl>
-              <a:tblPr firstRow="1" bandRow="1">
+              <a:tblPr firstRow="1" lastRow="1" bandRow="1">
                 <a:tableStyleId>{5C22544A-7EE6-4342-B048-85BDC9FD1C3A}</a:tableStyleId>
               </a:tblPr>
               <a:tblGrid>
@@ -25042,7 +25065,8 @@
                             <a:schemeClr val="bg1"/>
                           </a:solidFill>
                           <a:effectLst/>
-                          <a:latin typeface="Menlo" panose="020B0609030804020204" pitchFamily="49" charset="0"/>
+                          <a:latin typeface="HEITI SC MEDIUM" pitchFamily="2" charset="-128"/>
+                          <a:ea typeface="HEITI SC MEDIUM" pitchFamily="2" charset="-128"/>
                         </a:rPr>
                         <a:t>¤</a:t>
                       </a:r>
@@ -25275,7 +25299,15 @@
                           <a:latin typeface="Heiti SC Medium" pitchFamily="2" charset="-128"/>
                           <a:ea typeface="Heiti SC Medium" pitchFamily="2" charset="-128"/>
                         </a:rPr>
-                        <a:t>6 628</a:t>
+                        <a:t>6 </a:t>
+                      </a:r>
+                      <a:r>
+                        <a:rPr lang="en-DE" sz="1200" b="0" u="none" strike="noStrike" dirty="0">
+                          <a:effectLst/>
+                          <a:latin typeface="Heiti SC Medium" pitchFamily="2" charset="-128"/>
+                          <a:ea typeface="Heiti SC Medium" pitchFamily="2" charset="-128"/>
+                        </a:rPr>
+                        <a:t>562</a:t>
                       </a:r>
                       <a:endParaRPr lang="en-DE" sz="1200" b="0" i="0" u="none" strike="noStrike" dirty="0">
                         <a:solidFill>
@@ -25516,7 +25548,15 @@
                           <a:latin typeface="Heiti SC Medium" pitchFamily="2" charset="-128"/>
                           <a:ea typeface="Heiti SC Medium" pitchFamily="2" charset="-128"/>
                         </a:rPr>
-                        <a:t>5 799</a:t>
+                        <a:t>5 </a:t>
+                      </a:r>
+                      <a:r>
+                        <a:rPr lang="en-DE" sz="1200" b="0" u="none" strike="noStrike" dirty="0">
+                          <a:effectLst/>
+                          <a:latin typeface="Heiti SC Medium" pitchFamily="2" charset="-128"/>
+                          <a:ea typeface="Heiti SC Medium" pitchFamily="2" charset="-128"/>
+                        </a:rPr>
+                        <a:t>758</a:t>
                       </a:r>
                       <a:endParaRPr lang="en-DE" sz="1200" b="0" i="0" u="none" strike="noStrike" dirty="0">
                         <a:solidFill>
@@ -25757,7 +25797,15 @@
                           <a:latin typeface="Heiti SC Medium" pitchFamily="2" charset="-128"/>
                           <a:ea typeface="Heiti SC Medium" pitchFamily="2" charset="-128"/>
                         </a:rPr>
-                        <a:t>4 110</a:t>
+                        <a:t>4 </a:t>
+                      </a:r>
+                      <a:r>
+                        <a:rPr lang="en-DE" sz="1200" b="0" u="none" strike="noStrike" dirty="0">
+                          <a:effectLst/>
+                          <a:latin typeface="Heiti SC Medium" pitchFamily="2" charset="-128"/>
+                          <a:ea typeface="Heiti SC Medium" pitchFamily="2" charset="-128"/>
+                        </a:rPr>
+                        <a:t>081</a:t>
                       </a:r>
                       <a:endParaRPr lang="en-DE" sz="1200" b="0" i="0" u="none" strike="noStrike" dirty="0">
                         <a:solidFill>
@@ -25983,7 +26031,15 @@
                           <a:latin typeface="Heiti SC Medium" pitchFamily="2" charset="-128"/>
                           <a:ea typeface="Heiti SC Medium" pitchFamily="2" charset="-128"/>
                         </a:rPr>
-                        <a:t>3 471</a:t>
+                        <a:t>3 </a:t>
+                      </a:r>
+                      <a:r>
+                        <a:rPr lang="en-DE" sz="1200" b="0" u="none" strike="noStrike" dirty="0">
+                          <a:effectLst/>
+                          <a:latin typeface="Heiti SC Medium" pitchFamily="2" charset="-128"/>
+                          <a:ea typeface="Heiti SC Medium" pitchFamily="2" charset="-128"/>
+                        </a:rPr>
+                        <a:t>448</a:t>
                       </a:r>
                       <a:endParaRPr lang="en-DE" sz="1200" b="0" i="0" u="none" strike="noStrike" dirty="0">
                         <a:solidFill>
@@ -26224,7 +26280,15 @@
                           <a:latin typeface="Heiti SC Medium" pitchFamily="2" charset="-128"/>
                           <a:ea typeface="Heiti SC Medium" pitchFamily="2" charset="-128"/>
                         </a:rPr>
-                        <a:t>3 307</a:t>
+                        <a:t>3 </a:t>
+                      </a:r>
+                      <a:r>
+                        <a:rPr lang="en-DE" sz="1200" b="0" u="none" strike="noStrike" dirty="0">
+                          <a:effectLst/>
+                          <a:latin typeface="Heiti SC Medium" pitchFamily="2" charset="-128"/>
+                          <a:ea typeface="Heiti SC Medium" pitchFamily="2" charset="-128"/>
+                        </a:rPr>
+                        <a:t>293</a:t>
                       </a:r>
                       <a:endParaRPr lang="en-DE" sz="1200" b="0" i="0" u="none" strike="noStrike" dirty="0">
                         <a:solidFill>
@@ -26447,7 +26511,15 @@
                           <a:latin typeface="Heiti SC Medium" pitchFamily="2" charset="-128"/>
                           <a:ea typeface="Heiti SC Medium" pitchFamily="2" charset="-128"/>
                         </a:rPr>
-                        <a:t>3 201</a:t>
+                        <a:t>3 </a:t>
+                      </a:r>
+                      <a:r>
+                        <a:rPr lang="en-DE" sz="1200" b="0" u="none" strike="noStrike" dirty="0">
+                          <a:effectLst/>
+                          <a:latin typeface="Heiti SC Medium" pitchFamily="2" charset="-128"/>
+                          <a:ea typeface="Heiti SC Medium" pitchFamily="2" charset="-128"/>
+                        </a:rPr>
+                        <a:t>178</a:t>
                       </a:r>
                       <a:endParaRPr lang="en-DE" sz="1200" b="0" i="0" u="none" strike="noStrike" dirty="0">
                         <a:solidFill>
@@ -26688,7 +26760,15 @@
                           <a:latin typeface="Heiti SC Medium" pitchFamily="2" charset="-128"/>
                           <a:ea typeface="Heiti SC Medium" pitchFamily="2" charset="-128"/>
                         </a:rPr>
-                        <a:t>3 046</a:t>
+                        <a:t>3 </a:t>
+                      </a:r>
+                      <a:r>
+                        <a:rPr lang="en-DE" sz="1200" b="0" u="none" strike="noStrike" dirty="0">
+                          <a:effectLst/>
+                          <a:latin typeface="Heiti SC Medium" pitchFamily="2" charset="-128"/>
+                          <a:ea typeface="Heiti SC Medium" pitchFamily="2" charset="-128"/>
+                        </a:rPr>
+                        <a:t>038</a:t>
                       </a:r>
                       <a:endParaRPr lang="en-DE" sz="1200" b="0" i="0" u="none" strike="noStrike" dirty="0">
                         <a:solidFill>
@@ -26929,7 +27009,15 @@
                           <a:latin typeface="Heiti SC Medium" pitchFamily="2" charset="-128"/>
                           <a:ea typeface="Heiti SC Medium" pitchFamily="2" charset="-128"/>
                         </a:rPr>
-                        <a:t>2 381</a:t>
+                        <a:t>2 </a:t>
+                      </a:r>
+                      <a:r>
+                        <a:rPr lang="en-DE" sz="1200" b="0" u="none" strike="noStrike" dirty="0">
+                          <a:effectLst/>
+                          <a:latin typeface="Heiti SC Medium" pitchFamily="2" charset="-128"/>
+                          <a:ea typeface="Heiti SC Medium" pitchFamily="2" charset="-128"/>
+                        </a:rPr>
+                        <a:t>355</a:t>
                       </a:r>
                       <a:endParaRPr lang="en-DE" sz="1200" b="0" i="0" u="none" strike="noStrike" dirty="0">
                         <a:solidFill>
@@ -27170,7 +27258,15 @@
                           <a:latin typeface="Heiti SC Medium" pitchFamily="2" charset="-128"/>
                           <a:ea typeface="Heiti SC Medium" pitchFamily="2" charset="-128"/>
                         </a:rPr>
-                        <a:t>1 662</a:t>
+                        <a:t>1 </a:t>
+                      </a:r>
+                      <a:r>
+                        <a:rPr lang="en-DE" sz="1200" b="0" u="none" strike="noStrike" dirty="0">
+                          <a:effectLst/>
+                          <a:latin typeface="Heiti SC Medium" pitchFamily="2" charset="-128"/>
+                          <a:ea typeface="Heiti SC Medium" pitchFamily="2" charset="-128"/>
+                        </a:rPr>
+                        <a:t>651</a:t>
                       </a:r>
                       <a:endParaRPr lang="en-DE" sz="1200" b="0" i="0" u="none" strike="noStrike" dirty="0">
                         <a:solidFill>
@@ -27262,6 +27358,15 @@
                       <a:headEnd type="none" w="med" len="med"/>
                       <a:tailEnd type="none" w="med" len="med"/>
                     </a:lnT>
+                    <a:lnB w="3175" cap="flat" cmpd="sng" algn="ctr">
+                      <a:solidFill>
+                        <a:schemeClr val="bg1"/>
+                      </a:solidFill>
+                      <a:prstDash val="solid"/>
+                      <a:round/>
+                      <a:headEnd type="none" w="med" len="med"/>
+                      <a:tailEnd type="none" w="med" len="med"/>
+                    </a:lnB>
                   </a:tcPr>
                 </a:tc>
                 <a:tc>
@@ -27316,6 +27421,15 @@
                       <a:headEnd type="none" w="med" len="med"/>
                       <a:tailEnd type="none" w="med" len="med"/>
                     </a:lnT>
+                    <a:lnB w="3175" cap="flat" cmpd="sng" algn="ctr">
+                      <a:solidFill>
+                        <a:schemeClr val="bg1"/>
+                      </a:solidFill>
+                      <a:prstDash val="solid"/>
+                      <a:round/>
+                      <a:headEnd type="none" w="med" len="med"/>
+                      <a:tailEnd type="none" w="med" len="med"/>
+                    </a:lnB>
                   </a:tcPr>
                 </a:tc>
                 <a:tc>
@@ -27370,6 +27484,15 @@
                       <a:headEnd type="none" w="med" len="med"/>
                       <a:tailEnd type="none" w="med" len="med"/>
                     </a:lnT>
+                    <a:lnB w="3175" cap="flat" cmpd="sng" algn="ctr">
+                      <a:solidFill>
+                        <a:schemeClr val="bg1"/>
+                      </a:solidFill>
+                      <a:prstDash val="solid"/>
+                      <a:round/>
+                      <a:headEnd type="none" w="med" len="med"/>
+                      <a:tailEnd type="none" w="med" len="med"/>
+                    </a:lnB>
                   </a:tcPr>
                 </a:tc>
                 <a:tc>
@@ -27384,7 +27507,15 @@
                           <a:latin typeface="Heiti SC Medium" pitchFamily="2" charset="-128"/>
                           <a:ea typeface="Heiti SC Medium" pitchFamily="2" charset="-128"/>
                         </a:rPr>
-                        <a:t>1 510</a:t>
+                        <a:t>1 </a:t>
+                      </a:r>
+                      <a:r>
+                        <a:rPr lang="en-DE" sz="1200" b="0" u="none" strike="noStrike" dirty="0">
+                          <a:effectLst/>
+                          <a:latin typeface="Heiti SC Medium" pitchFamily="2" charset="-128"/>
+                          <a:ea typeface="Heiti SC Medium" pitchFamily="2" charset="-128"/>
+                        </a:rPr>
+                        <a:t>504</a:t>
                       </a:r>
                       <a:endParaRPr lang="en-DE" sz="1200" b="0" i="0" u="none" strike="noStrike" dirty="0">
                         <a:solidFill>
@@ -27415,11 +27546,246 @@
                       <a:headEnd type="none" w="med" len="med"/>
                       <a:tailEnd type="none" w="med" len="med"/>
                     </a:lnT>
+                    <a:lnB w="3175" cap="flat" cmpd="sng" algn="ctr">
+                      <a:solidFill>
+                        <a:schemeClr val="bg1"/>
+                      </a:solidFill>
+                      <a:prstDash val="solid"/>
+                      <a:round/>
+                      <a:headEnd type="none" w="med" len="med"/>
+                      <a:tailEnd type="none" w="med" len="med"/>
+                    </a:lnB>
                   </a:tcPr>
                 </a:tc>
                 <a:extLst>
                   <a:ext uri="{0D108BD9-81ED-4DB2-BD59-A6C34878D82A}">
                     <a16:rowId xmlns:a16="http://schemas.microsoft.com/office/drawing/2014/main" val="123051309"/>
+                  </a:ext>
+                </a:extLst>
+              </a:tr>
+              <a:tr h="210620">
+                <a:tc>
+                  <a:txBody>
+                    <a:bodyPr/>
+                    <a:lstStyle/>
+                    <a:p>
+                      <a:pPr algn="ctr" rtl="0" fontAlgn="b"/>
+                      <a:r>
+                        <a:rPr lang="en-DE" sz="1200" b="0" i="0" u="none" strike="noStrike" dirty="0">
+                          <a:solidFill>
+                            <a:schemeClr val="bg1"/>
+                          </a:solidFill>
+                          <a:effectLst/>
+                          <a:latin typeface="Heiti SC Medium" pitchFamily="2" charset="-128"/>
+                          <a:ea typeface="Heiti SC Medium" pitchFamily="2" charset="-128"/>
+                        </a:rPr>
+                        <a:t>Total</a:t>
+                      </a:r>
+                      <a:endParaRPr lang="en-DE" sz="1200" b="0" i="0" u="none" strike="noStrike" dirty="0">
+                        <a:solidFill>
+                          <a:schemeClr val="bg1"/>
+                        </a:solidFill>
+                        <a:effectLst/>
+                        <a:latin typeface="Heiti SC Medium" pitchFamily="2" charset="-128"/>
+                        <a:ea typeface="Heiti SC Medium" pitchFamily="2" charset="-128"/>
+                      </a:endParaRPr>
+                    </a:p>
+                  </a:txBody>
+                  <a:tcPr marL="9525" marR="9525" marT="9525" marB="0" anchor="b">
+                    <a:lnR w="3175" cap="flat" cmpd="sng" algn="ctr">
+                      <a:solidFill>
+                        <a:schemeClr val="bg1"/>
+                      </a:solidFill>
+                      <a:prstDash val="solid"/>
+                      <a:round/>
+                      <a:headEnd type="none" w="med" len="med"/>
+                      <a:tailEnd type="none" w="med" len="med"/>
+                    </a:lnR>
+                    <a:lnT w="3175" cap="flat" cmpd="sng" algn="ctr">
+                      <a:solidFill>
+                        <a:schemeClr val="bg1"/>
+                      </a:solidFill>
+                      <a:prstDash val="solid"/>
+                      <a:round/>
+                      <a:headEnd type="none" w="med" len="med"/>
+                      <a:tailEnd type="none" w="med" len="med"/>
+                    </a:lnT>
+                    <a:lnB w="3175" cap="flat" cmpd="sng" algn="ctr">
+                      <a:solidFill>
+                        <a:schemeClr val="bg1"/>
+                      </a:solidFill>
+                      <a:prstDash val="solid"/>
+                      <a:round/>
+                      <a:headEnd type="none" w="med" len="med"/>
+                      <a:tailEnd type="none" w="med" len="med"/>
+                    </a:lnB>
+                  </a:tcPr>
+                </a:tc>
+                <a:tc>
+                  <a:txBody>
+                    <a:bodyPr/>
+                    <a:lstStyle/>
+                    <a:p>
+                      <a:pPr algn="l" rtl="0" fontAlgn="b"/>
+                      <a:endParaRPr lang="en-GB" sz="1200" b="0" i="0" u="none" strike="noStrike" dirty="0">
+                        <a:solidFill>
+                          <a:schemeClr val="bg1"/>
+                        </a:solidFill>
+                        <a:effectLst/>
+                        <a:latin typeface="Heiti SC Medium" pitchFamily="2" charset="-128"/>
+                        <a:ea typeface="Heiti SC Medium" pitchFamily="2" charset="-128"/>
+                      </a:endParaRPr>
+                    </a:p>
+                  </a:txBody>
+                  <a:tcPr marL="9525" marR="9525" marT="9525" marB="0" anchor="b">
+                    <a:lnL w="3175" cap="flat" cmpd="sng" algn="ctr">
+                      <a:solidFill>
+                        <a:schemeClr val="bg1"/>
+                      </a:solidFill>
+                      <a:prstDash val="solid"/>
+                      <a:round/>
+                      <a:headEnd type="none" w="med" len="med"/>
+                      <a:tailEnd type="none" w="med" len="med"/>
+                    </a:lnL>
+                    <a:lnR w="3175" cap="flat" cmpd="sng" algn="ctr">
+                      <a:solidFill>
+                        <a:schemeClr val="bg1"/>
+                      </a:solidFill>
+                      <a:prstDash val="solid"/>
+                      <a:round/>
+                      <a:headEnd type="none" w="med" len="med"/>
+                      <a:tailEnd type="none" w="med" len="med"/>
+                    </a:lnR>
+                    <a:lnT w="3175" cap="flat" cmpd="sng" algn="ctr">
+                      <a:solidFill>
+                        <a:schemeClr val="bg1"/>
+                      </a:solidFill>
+                      <a:prstDash val="solid"/>
+                      <a:round/>
+                      <a:headEnd type="none" w="med" len="med"/>
+                      <a:tailEnd type="none" w="med" len="med"/>
+                    </a:lnT>
+                    <a:lnB w="3175" cap="flat" cmpd="sng" algn="ctr">
+                      <a:solidFill>
+                        <a:schemeClr val="bg1"/>
+                      </a:solidFill>
+                      <a:prstDash val="solid"/>
+                      <a:round/>
+                      <a:headEnd type="none" w="med" len="med"/>
+                      <a:tailEnd type="none" w="med" len="med"/>
+                    </a:lnB>
+                  </a:tcPr>
+                </a:tc>
+                <a:tc>
+                  <a:txBody>
+                    <a:bodyPr/>
+                    <a:lstStyle/>
+                    <a:p>
+                      <a:pPr algn="ctr" rtl="0" fontAlgn="b"/>
+                      <a:r>
+                        <a:rPr lang="en-DE" sz="1200" b="0" i="0" u="none" strike="noStrike" dirty="0">
+                          <a:solidFill>
+                            <a:schemeClr val="bg1"/>
+                          </a:solidFill>
+                          <a:effectLst/>
+                          <a:latin typeface="Heiti SC Medium" pitchFamily="2" charset="-128"/>
+                          <a:ea typeface="Heiti SC Medium" pitchFamily="2" charset="-128"/>
+                        </a:rPr>
+                        <a:t>315</a:t>
+                      </a:r>
+                    </a:p>
+                  </a:txBody>
+                  <a:tcPr marL="9525" marR="9525" marT="9525" marB="0" anchor="b">
+                    <a:lnL w="3175" cap="flat" cmpd="sng" algn="ctr">
+                      <a:solidFill>
+                        <a:schemeClr val="bg1"/>
+                      </a:solidFill>
+                      <a:prstDash val="solid"/>
+                      <a:round/>
+                      <a:headEnd type="none" w="med" len="med"/>
+                      <a:tailEnd type="none" w="med" len="med"/>
+                    </a:lnL>
+                    <a:lnR w="3175" cap="flat" cmpd="sng" algn="ctr">
+                      <a:solidFill>
+                        <a:schemeClr val="bg1"/>
+                      </a:solidFill>
+                      <a:prstDash val="solid"/>
+                      <a:round/>
+                      <a:headEnd type="none" w="med" len="med"/>
+                      <a:tailEnd type="none" w="med" len="med"/>
+                    </a:lnR>
+                    <a:lnT w="3175" cap="flat" cmpd="sng" algn="ctr">
+                      <a:solidFill>
+                        <a:schemeClr val="bg1"/>
+                      </a:solidFill>
+                      <a:prstDash val="solid"/>
+                      <a:round/>
+                      <a:headEnd type="none" w="med" len="med"/>
+                      <a:tailEnd type="none" w="med" len="med"/>
+                    </a:lnT>
+                    <a:lnB w="3175" cap="flat" cmpd="sng" algn="ctr">
+                      <a:solidFill>
+                        <a:schemeClr val="bg1"/>
+                      </a:solidFill>
+                      <a:prstDash val="solid"/>
+                      <a:round/>
+                      <a:headEnd type="none" w="med" len="med"/>
+                      <a:tailEnd type="none" w="med" len="med"/>
+                    </a:lnB>
+                  </a:tcPr>
+                </a:tc>
+                <a:tc>
+                  <a:txBody>
+                    <a:bodyPr/>
+                    <a:lstStyle/>
+                    <a:p>
+                      <a:pPr algn="ctr" rtl="0" fontAlgn="b"/>
+                      <a:r>
+                        <a:rPr lang="en-DE" sz="1200" b="0" i="0" u="none" strike="noStrike" dirty="0">
+                          <a:solidFill>
+                            <a:schemeClr val="bg1"/>
+                          </a:solidFill>
+                          <a:effectLst/>
+                          <a:latin typeface="Heiti SC Medium" pitchFamily="2" charset="-128"/>
+                          <a:ea typeface="Heiti SC Medium" pitchFamily="2" charset="-128"/>
+                        </a:rPr>
+                        <a:t>34 868</a:t>
+                      </a:r>
+                    </a:p>
+                  </a:txBody>
+                  <a:tcPr marL="9525" marR="9525" marT="9525" marB="0" anchor="b">
+                    <a:lnL w="3175" cap="flat" cmpd="sng" algn="ctr">
+                      <a:solidFill>
+                        <a:schemeClr val="bg1"/>
+                      </a:solidFill>
+                      <a:prstDash val="solid"/>
+                      <a:round/>
+                      <a:headEnd type="none" w="med" len="med"/>
+                      <a:tailEnd type="none" w="med" len="med"/>
+                    </a:lnL>
+                    <a:lnT w="3175" cap="flat" cmpd="sng" algn="ctr">
+                      <a:solidFill>
+                        <a:schemeClr val="bg1"/>
+                      </a:solidFill>
+                      <a:prstDash val="solid"/>
+                      <a:round/>
+                      <a:headEnd type="none" w="med" len="med"/>
+                      <a:tailEnd type="none" w="med" len="med"/>
+                    </a:lnT>
+                    <a:lnB w="3175" cap="flat" cmpd="sng" algn="ctr">
+                      <a:solidFill>
+                        <a:schemeClr val="bg1"/>
+                      </a:solidFill>
+                      <a:prstDash val="solid"/>
+                      <a:round/>
+                      <a:headEnd type="none" w="med" len="med"/>
+                      <a:tailEnd type="none" w="med" len="med"/>
+                    </a:lnB>
+                  </a:tcPr>
+                </a:tc>
+                <a:extLst>
+                  <a:ext uri="{0D108BD9-81ED-4DB2-BD59-A6C34878D82A}">
+                    <a16:rowId xmlns:a16="http://schemas.microsoft.com/office/drawing/2014/main" val="497263394"/>
                   </a:ext>
                 </a:extLst>
               </a:tr>
@@ -27492,7 +27858,7 @@
                 <a:latin typeface="Heiti SC Medium" pitchFamily="2" charset="-128"/>
                 <a:ea typeface="Heiti SC Medium" pitchFamily="2" charset="-128"/>
               </a:rPr>
-              <a:t>countries are Rockbuster customers based in?</a:t>
+              <a:t>countries are customers based in?</a:t>
             </a:r>
             <a:endParaRPr lang="en-US" sz="2000" dirty="0">
               <a:solidFill>
@@ -29003,2590 +29369,6 @@
           </a:prstGeom>
         </p:spPr>
       </p:pic>
-      <p:graphicFrame>
-        <p:nvGraphicFramePr>
-          <p:cNvPr id="15" name="Table 14">
-            <a:extLst>
-              <a:ext uri="{FF2B5EF4-FFF2-40B4-BE49-F238E27FC236}">
-                <a16:creationId xmlns:a16="http://schemas.microsoft.com/office/drawing/2014/main" id="{55332687-AFC8-1801-9F2B-A18DA16491B5}"/>
-              </a:ext>
-            </a:extLst>
-          </p:cNvPr>
-          <p:cNvGraphicFramePr>
-            <a:graphicFrameLocks noGrp="1"/>
-          </p:cNvGraphicFramePr>
-          <p:nvPr>
-            <p:extLst>
-              <p:ext uri="{D42A27DB-BD31-4B8C-83A1-F6EECF244321}">
-                <p14:modId xmlns:p14="http://schemas.microsoft.com/office/powerpoint/2010/main" val="1338340270"/>
-              </p:ext>
-            </p:extLst>
-          </p:nvPr>
-        </p:nvGraphicFramePr>
-        <p:xfrm>
-          <a:off x="7991017" y="3881575"/>
-          <a:ext cx="3847172" cy="2485390"/>
-        </p:xfrm>
-        <a:graphic>
-          <a:graphicData uri="http://schemas.openxmlformats.org/drawingml/2006/table">
-            <a:tbl>
-              <a:tblPr firstRow="1" bandRow="1">
-                <a:tableStyleId>{5C22544A-7EE6-4342-B048-85BDC9FD1C3A}</a:tableStyleId>
-              </a:tblPr>
-              <a:tblGrid>
-                <a:gridCol w="269824">
-                  <a:extLst>
-                    <a:ext uri="{9D8B030D-6E8A-4147-A177-3AD203B41FA5}">
-                      <a16:colId xmlns:a16="http://schemas.microsoft.com/office/drawing/2014/main" val="662383026"/>
-                    </a:ext>
-                  </a:extLst>
-                </a:gridCol>
-                <a:gridCol w="881281">
-                  <a:extLst>
-                    <a:ext uri="{9D8B030D-6E8A-4147-A177-3AD203B41FA5}">
-                      <a16:colId xmlns:a16="http://schemas.microsoft.com/office/drawing/2014/main" val="1968508268"/>
-                    </a:ext>
-                  </a:extLst>
-                </a:gridCol>
-                <a:gridCol w="881281">
-                  <a:extLst>
-                    <a:ext uri="{9D8B030D-6E8A-4147-A177-3AD203B41FA5}">
-                      <a16:colId xmlns:a16="http://schemas.microsoft.com/office/drawing/2014/main" val="3961477998"/>
-                    </a:ext>
-                  </a:extLst>
-                </a:gridCol>
-                <a:gridCol w="933505">
-                  <a:extLst>
-                    <a:ext uri="{9D8B030D-6E8A-4147-A177-3AD203B41FA5}">
-                      <a16:colId xmlns:a16="http://schemas.microsoft.com/office/drawing/2014/main" val="1548257997"/>
-                    </a:ext>
-                  </a:extLst>
-                </a:gridCol>
-                <a:gridCol w="881281">
-                  <a:extLst>
-                    <a:ext uri="{9D8B030D-6E8A-4147-A177-3AD203B41FA5}">
-                      <a16:colId xmlns:a16="http://schemas.microsoft.com/office/drawing/2014/main" val="4131771828"/>
-                    </a:ext>
-                  </a:extLst>
-                </a:gridCol>
-              </a:tblGrid>
-              <a:tr h="355600">
-                <a:tc>
-                  <a:txBody>
-                    <a:bodyPr/>
-                    <a:lstStyle/>
-                    <a:p>
-                      <a:pPr algn="ctr" fontAlgn="t"/>
-                      <a:r>
-                        <a:rPr lang="en-GB" sz="800" u="none" strike="noStrike" dirty="0">
-                          <a:effectLst/>
-                        </a:rPr>
-                        <a:t>Rank</a:t>
-                      </a:r>
-                      <a:endParaRPr lang="en-GB" sz="800" b="0" i="0" u="none" strike="noStrike" dirty="0">
-                        <a:solidFill>
-                          <a:srgbClr val="FFFFFF"/>
-                        </a:solidFill>
-                        <a:effectLst/>
-                        <a:latin typeface="Arial" panose="020B0604020202020204" pitchFamily="34" charset="0"/>
-                      </a:endParaRPr>
-                    </a:p>
-                  </a:txBody>
-                  <a:tcPr marL="9525" marR="9525" marT="9525" marB="0"/>
-                </a:tc>
-                <a:tc>
-                  <a:txBody>
-                    <a:bodyPr/>
-                    <a:lstStyle/>
-                    <a:p>
-                      <a:pPr algn="ctr" fontAlgn="t"/>
-                      <a:r>
-                        <a:rPr lang="en-GB" sz="800" u="none" strike="noStrike">
-                          <a:effectLst/>
-                        </a:rPr>
-                        <a:t>Top 10 Customer Id's</a:t>
-                      </a:r>
-                      <a:endParaRPr lang="en-GB" sz="800" b="0" i="0" u="none" strike="noStrike">
-                        <a:solidFill>
-                          <a:srgbClr val="FFFFFF"/>
-                        </a:solidFill>
-                        <a:effectLst/>
-                        <a:latin typeface="Arial" panose="020B0604020202020204" pitchFamily="34" charset="0"/>
-                      </a:endParaRPr>
-                    </a:p>
-                  </a:txBody>
-                  <a:tcPr marL="9525" marR="9525" marT="9525" marB="0"/>
-                </a:tc>
-                <a:tc>
-                  <a:txBody>
-                    <a:bodyPr/>
-                    <a:lstStyle/>
-                    <a:p>
-                      <a:pPr algn="l" fontAlgn="t"/>
-                      <a:r>
-                        <a:rPr lang="en-GB" sz="800" u="none" strike="noStrike">
-                          <a:effectLst/>
-                        </a:rPr>
-                        <a:t>Country</a:t>
-                      </a:r>
-                      <a:endParaRPr lang="en-GB" sz="800" b="0" i="0" u="none" strike="noStrike">
-                        <a:solidFill>
-                          <a:srgbClr val="FFFFFF"/>
-                        </a:solidFill>
-                        <a:effectLst/>
-                        <a:latin typeface="Arial" panose="020B0604020202020204" pitchFamily="34" charset="0"/>
-                      </a:endParaRPr>
-                    </a:p>
-                  </a:txBody>
-                  <a:tcPr marL="9525" marR="9525" marT="9525" marB="0"/>
-                </a:tc>
-                <a:tc>
-                  <a:txBody>
-                    <a:bodyPr/>
-                    <a:lstStyle/>
-                    <a:p>
-                      <a:pPr algn="l" fontAlgn="t"/>
-                      <a:r>
-                        <a:rPr lang="en-GB" sz="800" u="none" strike="noStrike" dirty="0">
-                          <a:effectLst/>
-                        </a:rPr>
-                        <a:t>City</a:t>
-                      </a:r>
-                      <a:endParaRPr lang="en-GB" sz="800" b="0" i="0" u="none" strike="noStrike" dirty="0">
-                        <a:solidFill>
-                          <a:srgbClr val="FFFFFF"/>
-                        </a:solidFill>
-                        <a:effectLst/>
-                        <a:latin typeface="Arial" panose="020B0604020202020204" pitchFamily="34" charset="0"/>
-                      </a:endParaRPr>
-                    </a:p>
-                  </a:txBody>
-                  <a:tcPr marL="9525" marR="9525" marT="9525" marB="0"/>
-                </a:tc>
-                <a:tc>
-                  <a:txBody>
-                    <a:bodyPr/>
-                    <a:lstStyle/>
-                    <a:p>
-                      <a:pPr algn="ctr" fontAlgn="t"/>
-                      <a:r>
-                        <a:rPr lang="en-GB" sz="800" u="none" strike="noStrike">
-                          <a:effectLst/>
-                        </a:rPr>
-                        <a:t>Total Revenue</a:t>
-                      </a:r>
-                      <a:endParaRPr lang="en-GB" sz="800" b="0" i="0" u="none" strike="noStrike">
-                        <a:solidFill>
-                          <a:srgbClr val="FFFFFF"/>
-                        </a:solidFill>
-                        <a:effectLst/>
-                        <a:latin typeface="Arial" panose="020B0604020202020204" pitchFamily="34" charset="0"/>
-                      </a:endParaRPr>
-                    </a:p>
-                  </a:txBody>
-                  <a:tcPr marL="9525" marR="9525" marT="9525" marB="0"/>
-                </a:tc>
-                <a:extLst>
-                  <a:ext uri="{0D108BD9-81ED-4DB2-BD59-A6C34878D82A}">
-                    <a16:rowId xmlns:a16="http://schemas.microsoft.com/office/drawing/2014/main" val="219370038"/>
-                  </a:ext>
-                </a:extLst>
-              </a:tr>
-              <a:tr h="203200">
-                <a:tc>
-                  <a:txBody>
-                    <a:bodyPr/>
-                    <a:lstStyle/>
-                    <a:p>
-                      <a:pPr algn="ctr" rtl="0" fontAlgn="ctr"/>
-                      <a:r>
-                        <a:rPr lang="en-DE" sz="800" u="none" strike="noStrike">
-                          <a:effectLst/>
-                        </a:rPr>
-                        <a:t>1</a:t>
-                      </a:r>
-                      <a:endParaRPr lang="en-DE" sz="800" b="0" i="0" u="none" strike="noStrike">
-                        <a:solidFill>
-                          <a:srgbClr val="000000"/>
-                        </a:solidFill>
-                        <a:effectLst/>
-                        <a:latin typeface="Century Gothic" panose="020B0502020202020204" pitchFamily="34" charset="0"/>
-                      </a:endParaRPr>
-                    </a:p>
-                  </a:txBody>
-                  <a:tcPr marL="9525" marR="9525" marT="9525" marB="0" anchor="ctr"/>
-                </a:tc>
-                <a:tc>
-                  <a:txBody>
-                    <a:bodyPr/>
-                    <a:lstStyle/>
-                    <a:p>
-                      <a:pPr algn="ctr" fontAlgn="t"/>
-                      <a:r>
-                        <a:rPr lang="en-DE" sz="800" u="none" strike="noStrike">
-                          <a:effectLst/>
-                        </a:rPr>
-                        <a:t>526</a:t>
-                      </a:r>
-                      <a:endParaRPr lang="en-DE" sz="800" b="0" i="0" u="none" strike="noStrike">
-                        <a:solidFill>
-                          <a:srgbClr val="000000"/>
-                        </a:solidFill>
-                        <a:effectLst/>
-                        <a:latin typeface="Arial" panose="020B0604020202020204" pitchFamily="34" charset="0"/>
-                      </a:endParaRPr>
-                    </a:p>
-                  </a:txBody>
-                  <a:tcPr marL="9525" marR="9525" marT="28575" marB="28575"/>
-                </a:tc>
-                <a:tc>
-                  <a:txBody>
-                    <a:bodyPr/>
-                    <a:lstStyle/>
-                    <a:p>
-                      <a:pPr algn="l" fontAlgn="t"/>
-                      <a:r>
-                        <a:rPr lang="en-GB" sz="800" u="none" strike="noStrike">
-                          <a:effectLst/>
-                        </a:rPr>
-                        <a:t>United States</a:t>
-                      </a:r>
-                      <a:endParaRPr lang="en-GB" sz="800" b="0" i="0" u="none" strike="noStrike">
-                        <a:solidFill>
-                          <a:srgbClr val="000000"/>
-                        </a:solidFill>
-                        <a:effectLst/>
-                        <a:latin typeface="Arial" panose="020B0604020202020204" pitchFamily="34" charset="0"/>
-                      </a:endParaRPr>
-                    </a:p>
-                  </a:txBody>
-                  <a:tcPr marL="9525" marR="9525" marT="28575" marB="28575"/>
-                </a:tc>
-                <a:tc>
-                  <a:txBody>
-                    <a:bodyPr/>
-                    <a:lstStyle/>
-                    <a:p>
-                      <a:pPr algn="l" fontAlgn="t"/>
-                      <a:r>
-                        <a:rPr lang="en-GB" sz="800" u="none" strike="noStrike">
-                          <a:effectLst/>
-                        </a:rPr>
-                        <a:t>Cape Coral</a:t>
-                      </a:r>
-                      <a:endParaRPr lang="en-GB" sz="800" b="0" i="0" u="none" strike="noStrike">
-                        <a:solidFill>
-                          <a:srgbClr val="000000"/>
-                        </a:solidFill>
-                        <a:effectLst/>
-                        <a:latin typeface="Arial" panose="020B0604020202020204" pitchFamily="34" charset="0"/>
-                      </a:endParaRPr>
-                    </a:p>
-                  </a:txBody>
-                  <a:tcPr marL="9525" marR="9525" marT="28575" marB="28575"/>
-                </a:tc>
-                <a:tc>
-                  <a:txBody>
-                    <a:bodyPr/>
-                    <a:lstStyle/>
-                    <a:p>
-                      <a:pPr algn="ctr" fontAlgn="t"/>
-                      <a:r>
-                        <a:rPr lang="en-DE" sz="800" u="none" strike="noStrike">
-                          <a:effectLst/>
-                        </a:rPr>
-                        <a:t>221,55</a:t>
-                      </a:r>
-                      <a:endParaRPr lang="en-DE" sz="800" b="0" i="0" u="none" strike="noStrike">
-                        <a:solidFill>
-                          <a:srgbClr val="000000"/>
-                        </a:solidFill>
-                        <a:effectLst/>
-                        <a:latin typeface="Arial" panose="020B0604020202020204" pitchFamily="34" charset="0"/>
-                      </a:endParaRPr>
-                    </a:p>
-                  </a:txBody>
-                  <a:tcPr marL="9525" marR="9525" marT="28575" marB="28575"/>
-                </a:tc>
-                <a:extLst>
-                  <a:ext uri="{0D108BD9-81ED-4DB2-BD59-A6C34878D82A}">
-                    <a16:rowId xmlns:a16="http://schemas.microsoft.com/office/drawing/2014/main" val="162400824"/>
-                  </a:ext>
-                </a:extLst>
-              </a:tr>
-              <a:tr h="203200">
-                <a:tc>
-                  <a:txBody>
-                    <a:bodyPr/>
-                    <a:lstStyle/>
-                    <a:p>
-                      <a:pPr algn="ctr" rtl="0" fontAlgn="ctr"/>
-                      <a:r>
-                        <a:rPr lang="en-DE" sz="800" u="none" strike="noStrike">
-                          <a:effectLst/>
-                        </a:rPr>
-                        <a:t>2</a:t>
-                      </a:r>
-                      <a:endParaRPr lang="en-DE" sz="800" b="0" i="0" u="none" strike="noStrike">
-                        <a:solidFill>
-                          <a:srgbClr val="000000"/>
-                        </a:solidFill>
-                        <a:effectLst/>
-                        <a:latin typeface="Century Gothic" panose="020B0502020202020204" pitchFamily="34" charset="0"/>
-                      </a:endParaRPr>
-                    </a:p>
-                  </a:txBody>
-                  <a:tcPr marL="9525" marR="9525" marT="9525" marB="0" anchor="ctr"/>
-                </a:tc>
-                <a:tc>
-                  <a:txBody>
-                    <a:bodyPr/>
-                    <a:lstStyle/>
-                    <a:p>
-                      <a:pPr algn="ctr" fontAlgn="t"/>
-                      <a:r>
-                        <a:rPr lang="en-DE" sz="800" u="none" strike="noStrike">
-                          <a:effectLst/>
-                        </a:rPr>
-                        <a:t>148</a:t>
-                      </a:r>
-                      <a:endParaRPr lang="en-DE" sz="800" b="0" i="0" u="none" strike="noStrike">
-                        <a:solidFill>
-                          <a:srgbClr val="000000"/>
-                        </a:solidFill>
-                        <a:effectLst/>
-                        <a:latin typeface="Arial" panose="020B0604020202020204" pitchFamily="34" charset="0"/>
-                      </a:endParaRPr>
-                    </a:p>
-                  </a:txBody>
-                  <a:tcPr marL="9525" marR="9525" marT="28575" marB="28575"/>
-                </a:tc>
-                <a:tc>
-                  <a:txBody>
-                    <a:bodyPr/>
-                    <a:lstStyle/>
-                    <a:p>
-                      <a:pPr algn="l" fontAlgn="t"/>
-                      <a:r>
-                        <a:rPr lang="en-GB" sz="800" u="none" strike="noStrike">
-                          <a:effectLst/>
-                        </a:rPr>
-                        <a:t>Réunion</a:t>
-                      </a:r>
-                      <a:endParaRPr lang="en-GB" sz="800" b="0" i="0" u="none" strike="noStrike">
-                        <a:solidFill>
-                          <a:srgbClr val="000000"/>
-                        </a:solidFill>
-                        <a:effectLst/>
-                        <a:latin typeface="Arial" panose="020B0604020202020204" pitchFamily="34" charset="0"/>
-                      </a:endParaRPr>
-                    </a:p>
-                  </a:txBody>
-                  <a:tcPr marL="9525" marR="9525" marT="28575" marB="28575"/>
-                </a:tc>
-                <a:tc>
-                  <a:txBody>
-                    <a:bodyPr/>
-                    <a:lstStyle/>
-                    <a:p>
-                      <a:pPr algn="l" fontAlgn="t"/>
-                      <a:r>
-                        <a:rPr lang="en-GB" sz="800" u="none" strike="noStrike">
-                          <a:effectLst/>
-                        </a:rPr>
-                        <a:t>Saint-Denis</a:t>
-                      </a:r>
-                      <a:endParaRPr lang="en-GB" sz="800" b="0" i="0" u="none" strike="noStrike">
-                        <a:solidFill>
-                          <a:srgbClr val="000000"/>
-                        </a:solidFill>
-                        <a:effectLst/>
-                        <a:latin typeface="Arial" panose="020B0604020202020204" pitchFamily="34" charset="0"/>
-                      </a:endParaRPr>
-                    </a:p>
-                  </a:txBody>
-                  <a:tcPr marL="9525" marR="9525" marT="28575" marB="28575"/>
-                </a:tc>
-                <a:tc>
-                  <a:txBody>
-                    <a:bodyPr/>
-                    <a:lstStyle/>
-                    <a:p>
-                      <a:pPr algn="ctr" fontAlgn="t"/>
-                      <a:r>
-                        <a:rPr lang="en-DE" sz="800" u="none" strike="noStrike">
-                          <a:effectLst/>
-                        </a:rPr>
-                        <a:t>216,54</a:t>
-                      </a:r>
-                      <a:endParaRPr lang="en-DE" sz="800" b="0" i="0" u="none" strike="noStrike">
-                        <a:solidFill>
-                          <a:srgbClr val="000000"/>
-                        </a:solidFill>
-                        <a:effectLst/>
-                        <a:latin typeface="Arial" panose="020B0604020202020204" pitchFamily="34" charset="0"/>
-                      </a:endParaRPr>
-                    </a:p>
-                  </a:txBody>
-                  <a:tcPr marL="9525" marR="9525" marT="28575" marB="28575"/>
-                </a:tc>
-                <a:extLst>
-                  <a:ext uri="{0D108BD9-81ED-4DB2-BD59-A6C34878D82A}">
-                    <a16:rowId xmlns:a16="http://schemas.microsoft.com/office/drawing/2014/main" val="1021264524"/>
-                  </a:ext>
-                </a:extLst>
-              </a:tr>
-              <a:tr h="203200">
-                <a:tc>
-                  <a:txBody>
-                    <a:bodyPr/>
-                    <a:lstStyle/>
-                    <a:p>
-                      <a:pPr algn="ctr" rtl="0" fontAlgn="ctr"/>
-                      <a:r>
-                        <a:rPr lang="en-DE" sz="800" u="none" strike="noStrike">
-                          <a:effectLst/>
-                        </a:rPr>
-                        <a:t>3</a:t>
-                      </a:r>
-                      <a:endParaRPr lang="en-DE" sz="800" b="0" i="0" u="none" strike="noStrike">
-                        <a:solidFill>
-                          <a:srgbClr val="000000"/>
-                        </a:solidFill>
-                        <a:effectLst/>
-                        <a:latin typeface="Century Gothic" panose="020B0502020202020204" pitchFamily="34" charset="0"/>
-                      </a:endParaRPr>
-                    </a:p>
-                  </a:txBody>
-                  <a:tcPr marL="9525" marR="9525" marT="9525" marB="0" anchor="ctr"/>
-                </a:tc>
-                <a:tc>
-                  <a:txBody>
-                    <a:bodyPr/>
-                    <a:lstStyle/>
-                    <a:p>
-                      <a:pPr algn="ctr" fontAlgn="t"/>
-                      <a:r>
-                        <a:rPr lang="en-DE" sz="800" u="none" strike="noStrike">
-                          <a:effectLst/>
-                        </a:rPr>
-                        <a:t>144</a:t>
-                      </a:r>
-                      <a:endParaRPr lang="en-DE" sz="800" b="0" i="0" u="none" strike="noStrike">
-                        <a:solidFill>
-                          <a:srgbClr val="000000"/>
-                        </a:solidFill>
-                        <a:effectLst/>
-                        <a:latin typeface="Arial" panose="020B0604020202020204" pitchFamily="34" charset="0"/>
-                      </a:endParaRPr>
-                    </a:p>
-                  </a:txBody>
-                  <a:tcPr marL="9525" marR="9525" marT="28575" marB="28575"/>
-                </a:tc>
-                <a:tc>
-                  <a:txBody>
-                    <a:bodyPr/>
-                    <a:lstStyle/>
-                    <a:p>
-                      <a:pPr algn="l" fontAlgn="t"/>
-                      <a:r>
-                        <a:rPr lang="en-GB" sz="800" u="none" strike="noStrike">
-                          <a:effectLst/>
-                        </a:rPr>
-                        <a:t>Belarus</a:t>
-                      </a:r>
-                      <a:endParaRPr lang="en-GB" sz="800" b="0" i="0" u="none" strike="noStrike">
-                        <a:solidFill>
-                          <a:srgbClr val="000000"/>
-                        </a:solidFill>
-                        <a:effectLst/>
-                        <a:latin typeface="Arial" panose="020B0604020202020204" pitchFamily="34" charset="0"/>
-                      </a:endParaRPr>
-                    </a:p>
-                  </a:txBody>
-                  <a:tcPr marL="9525" marR="9525" marT="28575" marB="28575"/>
-                </a:tc>
-                <a:tc>
-                  <a:txBody>
-                    <a:bodyPr/>
-                    <a:lstStyle/>
-                    <a:p>
-                      <a:pPr algn="l" fontAlgn="t"/>
-                      <a:r>
-                        <a:rPr lang="en-GB" sz="800" u="none" strike="noStrike">
-                          <a:effectLst/>
-                        </a:rPr>
-                        <a:t>Molodetno</a:t>
-                      </a:r>
-                      <a:endParaRPr lang="en-GB" sz="800" b="0" i="0" u="none" strike="noStrike">
-                        <a:solidFill>
-                          <a:srgbClr val="000000"/>
-                        </a:solidFill>
-                        <a:effectLst/>
-                        <a:latin typeface="Arial" panose="020B0604020202020204" pitchFamily="34" charset="0"/>
-                      </a:endParaRPr>
-                    </a:p>
-                  </a:txBody>
-                  <a:tcPr marL="9525" marR="9525" marT="28575" marB="28575"/>
-                </a:tc>
-                <a:tc>
-                  <a:txBody>
-                    <a:bodyPr/>
-                    <a:lstStyle/>
-                    <a:p>
-                      <a:pPr algn="ctr" fontAlgn="t"/>
-                      <a:r>
-                        <a:rPr lang="en-DE" sz="800" u="none" strike="noStrike">
-                          <a:effectLst/>
-                        </a:rPr>
-                        <a:t>195,58</a:t>
-                      </a:r>
-                      <a:endParaRPr lang="en-DE" sz="800" b="0" i="0" u="none" strike="noStrike">
-                        <a:solidFill>
-                          <a:srgbClr val="000000"/>
-                        </a:solidFill>
-                        <a:effectLst/>
-                        <a:latin typeface="Arial" panose="020B0604020202020204" pitchFamily="34" charset="0"/>
-                      </a:endParaRPr>
-                    </a:p>
-                  </a:txBody>
-                  <a:tcPr marL="9525" marR="9525" marT="28575" marB="28575"/>
-                </a:tc>
-                <a:extLst>
-                  <a:ext uri="{0D108BD9-81ED-4DB2-BD59-A6C34878D82A}">
-                    <a16:rowId xmlns:a16="http://schemas.microsoft.com/office/drawing/2014/main" val="157605150"/>
-                  </a:ext>
-                </a:extLst>
-              </a:tr>
-              <a:tr h="203200">
-                <a:tc>
-                  <a:txBody>
-                    <a:bodyPr/>
-                    <a:lstStyle/>
-                    <a:p>
-                      <a:pPr algn="ctr" rtl="0" fontAlgn="ctr"/>
-                      <a:r>
-                        <a:rPr lang="en-DE" sz="800" u="none" strike="noStrike">
-                          <a:effectLst/>
-                        </a:rPr>
-                        <a:t>4</a:t>
-                      </a:r>
-                      <a:endParaRPr lang="en-DE" sz="800" b="0" i="0" u="none" strike="noStrike">
-                        <a:solidFill>
-                          <a:srgbClr val="000000"/>
-                        </a:solidFill>
-                        <a:effectLst/>
-                        <a:latin typeface="Century Gothic" panose="020B0502020202020204" pitchFamily="34" charset="0"/>
-                      </a:endParaRPr>
-                    </a:p>
-                  </a:txBody>
-                  <a:tcPr marL="9525" marR="9525" marT="9525" marB="0" anchor="ctr"/>
-                </a:tc>
-                <a:tc>
-                  <a:txBody>
-                    <a:bodyPr/>
-                    <a:lstStyle/>
-                    <a:p>
-                      <a:pPr algn="ctr" fontAlgn="t"/>
-                      <a:r>
-                        <a:rPr lang="en-DE" sz="800" u="none" strike="noStrike">
-                          <a:effectLst/>
-                        </a:rPr>
-                        <a:t>137</a:t>
-                      </a:r>
-                      <a:endParaRPr lang="en-DE" sz="800" b="0" i="0" u="none" strike="noStrike">
-                        <a:solidFill>
-                          <a:srgbClr val="000000"/>
-                        </a:solidFill>
-                        <a:effectLst/>
-                        <a:latin typeface="Arial" panose="020B0604020202020204" pitchFamily="34" charset="0"/>
-                      </a:endParaRPr>
-                    </a:p>
-                  </a:txBody>
-                  <a:tcPr marL="9525" marR="9525" marT="28575" marB="28575"/>
-                </a:tc>
-                <a:tc>
-                  <a:txBody>
-                    <a:bodyPr/>
-                    <a:lstStyle/>
-                    <a:p>
-                      <a:pPr algn="l" fontAlgn="t"/>
-                      <a:r>
-                        <a:rPr lang="en-GB" sz="800" u="none" strike="noStrike" dirty="0">
-                          <a:effectLst/>
-                        </a:rPr>
-                        <a:t>Netherlands</a:t>
-                      </a:r>
-                      <a:endParaRPr lang="en-GB" sz="800" b="0" i="0" u="none" strike="noStrike" dirty="0">
-                        <a:solidFill>
-                          <a:srgbClr val="000000"/>
-                        </a:solidFill>
-                        <a:effectLst/>
-                        <a:latin typeface="Arial" panose="020B0604020202020204" pitchFamily="34" charset="0"/>
-                      </a:endParaRPr>
-                    </a:p>
-                  </a:txBody>
-                  <a:tcPr marL="9525" marR="9525" marT="28575" marB="28575"/>
-                </a:tc>
-                <a:tc>
-                  <a:txBody>
-                    <a:bodyPr/>
-                    <a:lstStyle/>
-                    <a:p>
-                      <a:pPr algn="l" fontAlgn="t"/>
-                      <a:r>
-                        <a:rPr lang="en-GB" sz="800" u="none" strike="noStrike">
-                          <a:effectLst/>
-                        </a:rPr>
-                        <a:t>Apeldoorn</a:t>
-                      </a:r>
-                      <a:endParaRPr lang="en-GB" sz="800" b="0" i="0" u="none" strike="noStrike">
-                        <a:solidFill>
-                          <a:srgbClr val="000000"/>
-                        </a:solidFill>
-                        <a:effectLst/>
-                        <a:latin typeface="Arial" panose="020B0604020202020204" pitchFamily="34" charset="0"/>
-                      </a:endParaRPr>
-                    </a:p>
-                  </a:txBody>
-                  <a:tcPr marL="9525" marR="9525" marT="28575" marB="28575"/>
-                </a:tc>
-                <a:tc>
-                  <a:txBody>
-                    <a:bodyPr/>
-                    <a:lstStyle/>
-                    <a:p>
-                      <a:pPr algn="ctr" fontAlgn="t"/>
-                      <a:r>
-                        <a:rPr lang="en-DE" sz="800" u="none" strike="noStrike">
-                          <a:effectLst/>
-                        </a:rPr>
-                        <a:t>194,61</a:t>
-                      </a:r>
-                      <a:endParaRPr lang="en-DE" sz="800" b="0" i="0" u="none" strike="noStrike">
-                        <a:solidFill>
-                          <a:srgbClr val="000000"/>
-                        </a:solidFill>
-                        <a:effectLst/>
-                        <a:latin typeface="Arial" panose="020B0604020202020204" pitchFamily="34" charset="0"/>
-                      </a:endParaRPr>
-                    </a:p>
-                  </a:txBody>
-                  <a:tcPr marL="9525" marR="9525" marT="28575" marB="28575"/>
-                </a:tc>
-                <a:extLst>
-                  <a:ext uri="{0D108BD9-81ED-4DB2-BD59-A6C34878D82A}">
-                    <a16:rowId xmlns:a16="http://schemas.microsoft.com/office/drawing/2014/main" val="1399911991"/>
-                  </a:ext>
-                </a:extLst>
-              </a:tr>
-              <a:tr h="203200">
-                <a:tc>
-                  <a:txBody>
-                    <a:bodyPr/>
-                    <a:lstStyle/>
-                    <a:p>
-                      <a:pPr algn="ctr" rtl="0" fontAlgn="ctr"/>
-                      <a:r>
-                        <a:rPr lang="en-DE" sz="800" u="none" strike="noStrike">
-                          <a:effectLst/>
-                        </a:rPr>
-                        <a:t>5</a:t>
-                      </a:r>
-                      <a:endParaRPr lang="en-DE" sz="800" b="0" i="0" u="none" strike="noStrike">
-                        <a:solidFill>
-                          <a:srgbClr val="000000"/>
-                        </a:solidFill>
-                        <a:effectLst/>
-                        <a:latin typeface="Century Gothic" panose="020B0502020202020204" pitchFamily="34" charset="0"/>
-                      </a:endParaRPr>
-                    </a:p>
-                  </a:txBody>
-                  <a:tcPr marL="9525" marR="9525" marT="9525" marB="0" anchor="ctr"/>
-                </a:tc>
-                <a:tc>
-                  <a:txBody>
-                    <a:bodyPr/>
-                    <a:lstStyle/>
-                    <a:p>
-                      <a:pPr algn="ctr" fontAlgn="t"/>
-                      <a:r>
-                        <a:rPr lang="en-DE" sz="800" u="none" strike="noStrike">
-                          <a:effectLst/>
-                        </a:rPr>
-                        <a:t>178</a:t>
-                      </a:r>
-                      <a:endParaRPr lang="en-DE" sz="800" b="0" i="0" u="none" strike="noStrike">
-                        <a:solidFill>
-                          <a:srgbClr val="000000"/>
-                        </a:solidFill>
-                        <a:effectLst/>
-                        <a:latin typeface="Arial" panose="020B0604020202020204" pitchFamily="34" charset="0"/>
-                      </a:endParaRPr>
-                    </a:p>
-                  </a:txBody>
-                  <a:tcPr marL="9525" marR="9525" marT="28575" marB="28575"/>
-                </a:tc>
-                <a:tc>
-                  <a:txBody>
-                    <a:bodyPr/>
-                    <a:lstStyle/>
-                    <a:p>
-                      <a:pPr algn="l" fontAlgn="t"/>
-                      <a:r>
-                        <a:rPr lang="en-GB" sz="800" u="none" strike="noStrike">
-                          <a:effectLst/>
-                        </a:rPr>
-                        <a:t>Brazil</a:t>
-                      </a:r>
-                      <a:endParaRPr lang="en-GB" sz="800" b="0" i="0" u="none" strike="noStrike">
-                        <a:solidFill>
-                          <a:srgbClr val="000000"/>
-                        </a:solidFill>
-                        <a:effectLst/>
-                        <a:latin typeface="Arial" panose="020B0604020202020204" pitchFamily="34" charset="0"/>
-                      </a:endParaRPr>
-                    </a:p>
-                  </a:txBody>
-                  <a:tcPr marL="9525" marR="9525" marT="28575" marB="28575"/>
-                </a:tc>
-                <a:tc>
-                  <a:txBody>
-                    <a:bodyPr/>
-                    <a:lstStyle/>
-                    <a:p>
-                      <a:pPr algn="l" fontAlgn="t"/>
-                      <a:r>
-                        <a:rPr lang="en-GB" sz="800" u="none" strike="noStrike" dirty="0">
-                          <a:effectLst/>
-                        </a:rPr>
-                        <a:t>Santa </a:t>
-                      </a:r>
-                      <a:r>
-                        <a:rPr lang="en-GB" sz="800" u="none" strike="noStrike" dirty="0" err="1">
-                          <a:effectLst/>
-                        </a:rPr>
-                        <a:t>Brbara</a:t>
-                      </a:r>
-                      <a:r>
-                        <a:rPr lang="en-GB" sz="800" u="none" strike="noStrike" dirty="0">
-                          <a:effectLst/>
-                        </a:rPr>
-                        <a:t> </a:t>
-                      </a:r>
-                      <a:r>
-                        <a:rPr lang="en-GB" sz="800" u="none" strike="noStrike" dirty="0" err="1">
-                          <a:effectLst/>
-                        </a:rPr>
-                        <a:t>dOeste</a:t>
-                      </a:r>
-                      <a:endParaRPr lang="en-GB" sz="800" b="0" i="0" u="none" strike="noStrike" dirty="0">
-                        <a:solidFill>
-                          <a:srgbClr val="000000"/>
-                        </a:solidFill>
-                        <a:effectLst/>
-                        <a:latin typeface="Arial" panose="020B0604020202020204" pitchFamily="34" charset="0"/>
-                      </a:endParaRPr>
-                    </a:p>
-                  </a:txBody>
-                  <a:tcPr marL="9525" marR="9525" marT="28575" marB="28575"/>
-                </a:tc>
-                <a:tc>
-                  <a:txBody>
-                    <a:bodyPr/>
-                    <a:lstStyle/>
-                    <a:p>
-                      <a:pPr algn="ctr" fontAlgn="t"/>
-                      <a:r>
-                        <a:rPr lang="en-DE" sz="800" u="none" strike="noStrike">
-                          <a:effectLst/>
-                        </a:rPr>
-                        <a:t>189,62</a:t>
-                      </a:r>
-                      <a:endParaRPr lang="en-DE" sz="800" b="0" i="0" u="none" strike="noStrike">
-                        <a:solidFill>
-                          <a:srgbClr val="000000"/>
-                        </a:solidFill>
-                        <a:effectLst/>
-                        <a:latin typeface="Arial" panose="020B0604020202020204" pitchFamily="34" charset="0"/>
-                      </a:endParaRPr>
-                    </a:p>
-                  </a:txBody>
-                  <a:tcPr marL="9525" marR="9525" marT="28575" marB="28575"/>
-                </a:tc>
-                <a:extLst>
-                  <a:ext uri="{0D108BD9-81ED-4DB2-BD59-A6C34878D82A}">
-                    <a16:rowId xmlns:a16="http://schemas.microsoft.com/office/drawing/2014/main" val="3642883402"/>
-                  </a:ext>
-                </a:extLst>
-              </a:tr>
-              <a:tr h="203200">
-                <a:tc>
-                  <a:txBody>
-                    <a:bodyPr/>
-                    <a:lstStyle/>
-                    <a:p>
-                      <a:pPr algn="ctr" rtl="0" fontAlgn="ctr"/>
-                      <a:r>
-                        <a:rPr lang="en-DE" sz="800" u="none" strike="noStrike">
-                          <a:effectLst/>
-                        </a:rPr>
-                        <a:t>6</a:t>
-                      </a:r>
-                      <a:endParaRPr lang="en-DE" sz="800" b="0" i="0" u="none" strike="noStrike">
-                        <a:solidFill>
-                          <a:srgbClr val="000000"/>
-                        </a:solidFill>
-                        <a:effectLst/>
-                        <a:latin typeface="Century Gothic" panose="020B0502020202020204" pitchFamily="34" charset="0"/>
-                      </a:endParaRPr>
-                    </a:p>
-                  </a:txBody>
-                  <a:tcPr marL="9525" marR="9525" marT="9525" marB="0" anchor="ctr"/>
-                </a:tc>
-                <a:tc>
-                  <a:txBody>
-                    <a:bodyPr/>
-                    <a:lstStyle/>
-                    <a:p>
-                      <a:pPr algn="ctr" fontAlgn="t"/>
-                      <a:r>
-                        <a:rPr lang="en-DE" sz="800" u="none" strike="noStrike">
-                          <a:effectLst/>
-                        </a:rPr>
-                        <a:t>459</a:t>
-                      </a:r>
-                      <a:endParaRPr lang="en-DE" sz="800" b="0" i="0" u="none" strike="noStrike">
-                        <a:solidFill>
-                          <a:srgbClr val="000000"/>
-                        </a:solidFill>
-                        <a:effectLst/>
-                        <a:latin typeface="Arial" panose="020B0604020202020204" pitchFamily="34" charset="0"/>
-                      </a:endParaRPr>
-                    </a:p>
-                  </a:txBody>
-                  <a:tcPr marL="9525" marR="9525" marT="28575" marB="28575"/>
-                </a:tc>
-                <a:tc>
-                  <a:txBody>
-                    <a:bodyPr/>
-                    <a:lstStyle/>
-                    <a:p>
-                      <a:pPr algn="l" fontAlgn="t"/>
-                      <a:r>
-                        <a:rPr lang="en-GB" sz="800" u="none" strike="noStrike">
-                          <a:effectLst/>
-                        </a:rPr>
-                        <a:t>Iran</a:t>
-                      </a:r>
-                      <a:endParaRPr lang="en-GB" sz="800" b="0" i="0" u="none" strike="noStrike">
-                        <a:solidFill>
-                          <a:srgbClr val="000000"/>
-                        </a:solidFill>
-                        <a:effectLst/>
-                        <a:latin typeface="Arial" panose="020B0604020202020204" pitchFamily="34" charset="0"/>
-                      </a:endParaRPr>
-                    </a:p>
-                  </a:txBody>
-                  <a:tcPr marL="9525" marR="9525" marT="28575" marB="28575"/>
-                </a:tc>
-                <a:tc>
-                  <a:txBody>
-                    <a:bodyPr/>
-                    <a:lstStyle/>
-                    <a:p>
-                      <a:pPr algn="l" fontAlgn="t"/>
-                      <a:r>
-                        <a:rPr lang="en-GB" sz="800" u="none" strike="noStrike">
-                          <a:effectLst/>
-                        </a:rPr>
-                        <a:t>Qomsheh</a:t>
-                      </a:r>
-                      <a:endParaRPr lang="en-GB" sz="800" b="0" i="0" u="none" strike="noStrike">
-                        <a:solidFill>
-                          <a:srgbClr val="000000"/>
-                        </a:solidFill>
-                        <a:effectLst/>
-                        <a:latin typeface="Arial" panose="020B0604020202020204" pitchFamily="34" charset="0"/>
-                      </a:endParaRPr>
-                    </a:p>
-                  </a:txBody>
-                  <a:tcPr marL="9525" marR="9525" marT="28575" marB="28575"/>
-                </a:tc>
-                <a:tc>
-                  <a:txBody>
-                    <a:bodyPr/>
-                    <a:lstStyle/>
-                    <a:p>
-                      <a:pPr algn="ctr" fontAlgn="t"/>
-                      <a:r>
-                        <a:rPr lang="en-DE" sz="800" u="none" strike="noStrike">
-                          <a:effectLst/>
-                        </a:rPr>
-                        <a:t>186,62</a:t>
-                      </a:r>
-                      <a:endParaRPr lang="en-DE" sz="800" b="0" i="0" u="none" strike="noStrike">
-                        <a:solidFill>
-                          <a:srgbClr val="000000"/>
-                        </a:solidFill>
-                        <a:effectLst/>
-                        <a:latin typeface="Arial" panose="020B0604020202020204" pitchFamily="34" charset="0"/>
-                      </a:endParaRPr>
-                    </a:p>
-                  </a:txBody>
-                  <a:tcPr marL="9525" marR="9525" marT="28575" marB="28575"/>
-                </a:tc>
-                <a:extLst>
-                  <a:ext uri="{0D108BD9-81ED-4DB2-BD59-A6C34878D82A}">
-                    <a16:rowId xmlns:a16="http://schemas.microsoft.com/office/drawing/2014/main" val="3813361724"/>
-                  </a:ext>
-                </a:extLst>
-              </a:tr>
-              <a:tr h="203200">
-                <a:tc>
-                  <a:txBody>
-                    <a:bodyPr/>
-                    <a:lstStyle/>
-                    <a:p>
-                      <a:pPr algn="ctr" rtl="0" fontAlgn="ctr"/>
-                      <a:r>
-                        <a:rPr lang="en-DE" sz="800" u="none" strike="noStrike">
-                          <a:effectLst/>
-                        </a:rPr>
-                        <a:t>7</a:t>
-                      </a:r>
-                      <a:endParaRPr lang="en-DE" sz="800" b="0" i="0" u="none" strike="noStrike">
-                        <a:solidFill>
-                          <a:srgbClr val="000000"/>
-                        </a:solidFill>
-                        <a:effectLst/>
-                        <a:latin typeface="Century Gothic" panose="020B0502020202020204" pitchFamily="34" charset="0"/>
-                      </a:endParaRPr>
-                    </a:p>
-                  </a:txBody>
-                  <a:tcPr marL="9525" marR="9525" marT="9525" marB="0" anchor="ctr"/>
-                </a:tc>
-                <a:tc>
-                  <a:txBody>
-                    <a:bodyPr/>
-                    <a:lstStyle/>
-                    <a:p>
-                      <a:pPr algn="ctr" fontAlgn="t"/>
-                      <a:r>
-                        <a:rPr lang="en-DE" sz="800" u="none" strike="noStrike">
-                          <a:effectLst/>
-                        </a:rPr>
-                        <a:t>469</a:t>
-                      </a:r>
-                      <a:endParaRPr lang="en-DE" sz="800" b="0" i="0" u="none" strike="noStrike">
-                        <a:solidFill>
-                          <a:srgbClr val="000000"/>
-                        </a:solidFill>
-                        <a:effectLst/>
-                        <a:latin typeface="Arial" panose="020B0604020202020204" pitchFamily="34" charset="0"/>
-                      </a:endParaRPr>
-                    </a:p>
-                  </a:txBody>
-                  <a:tcPr marL="9525" marR="9525" marT="28575" marB="28575"/>
-                </a:tc>
-                <a:tc>
-                  <a:txBody>
-                    <a:bodyPr/>
-                    <a:lstStyle/>
-                    <a:p>
-                      <a:pPr algn="l" fontAlgn="t"/>
-                      <a:r>
-                        <a:rPr lang="en-GB" sz="800" u="none" strike="noStrike">
-                          <a:effectLst/>
-                        </a:rPr>
-                        <a:t>Spain</a:t>
-                      </a:r>
-                      <a:endParaRPr lang="en-GB" sz="800" b="0" i="0" u="none" strike="noStrike">
-                        <a:solidFill>
-                          <a:srgbClr val="000000"/>
-                        </a:solidFill>
-                        <a:effectLst/>
-                        <a:latin typeface="Arial" panose="020B0604020202020204" pitchFamily="34" charset="0"/>
-                      </a:endParaRPr>
-                    </a:p>
-                  </a:txBody>
-                  <a:tcPr marL="9525" marR="9525" marT="28575" marB="28575"/>
-                </a:tc>
-                <a:tc>
-                  <a:txBody>
-                    <a:bodyPr/>
-                    <a:lstStyle/>
-                    <a:p>
-                      <a:pPr algn="l" fontAlgn="t"/>
-                      <a:r>
-                        <a:rPr lang="en-GB" sz="800" u="none" strike="noStrike">
-                          <a:effectLst/>
-                        </a:rPr>
-                        <a:t>Ourense (Orense)</a:t>
-                      </a:r>
-                      <a:endParaRPr lang="en-GB" sz="800" b="0" i="0" u="none" strike="noStrike">
-                        <a:solidFill>
-                          <a:srgbClr val="000000"/>
-                        </a:solidFill>
-                        <a:effectLst/>
-                        <a:latin typeface="Arial" panose="020B0604020202020204" pitchFamily="34" charset="0"/>
-                      </a:endParaRPr>
-                    </a:p>
-                  </a:txBody>
-                  <a:tcPr marL="9525" marR="9525" marT="28575" marB="28575"/>
-                </a:tc>
-                <a:tc>
-                  <a:txBody>
-                    <a:bodyPr/>
-                    <a:lstStyle/>
-                    <a:p>
-                      <a:pPr algn="ctr" fontAlgn="t"/>
-                      <a:r>
-                        <a:rPr lang="en-DE" sz="800" u="none" strike="noStrike">
-                          <a:effectLst/>
-                        </a:rPr>
-                        <a:t>177,6</a:t>
-                      </a:r>
-                      <a:endParaRPr lang="en-DE" sz="800" b="0" i="0" u="none" strike="noStrike">
-                        <a:solidFill>
-                          <a:srgbClr val="000000"/>
-                        </a:solidFill>
-                        <a:effectLst/>
-                        <a:latin typeface="Arial" panose="020B0604020202020204" pitchFamily="34" charset="0"/>
-                      </a:endParaRPr>
-                    </a:p>
-                  </a:txBody>
-                  <a:tcPr marL="9525" marR="9525" marT="28575" marB="28575"/>
-                </a:tc>
-                <a:extLst>
-                  <a:ext uri="{0D108BD9-81ED-4DB2-BD59-A6C34878D82A}">
-                    <a16:rowId xmlns:a16="http://schemas.microsoft.com/office/drawing/2014/main" val="2058732729"/>
-                  </a:ext>
-                </a:extLst>
-              </a:tr>
-              <a:tr h="203200">
-                <a:tc>
-                  <a:txBody>
-                    <a:bodyPr/>
-                    <a:lstStyle/>
-                    <a:p>
-                      <a:pPr algn="ctr" rtl="0" fontAlgn="ctr"/>
-                      <a:r>
-                        <a:rPr lang="en-DE" sz="800" u="none" strike="noStrike">
-                          <a:effectLst/>
-                        </a:rPr>
-                        <a:t>8</a:t>
-                      </a:r>
-                      <a:endParaRPr lang="en-DE" sz="800" b="0" i="0" u="none" strike="noStrike">
-                        <a:solidFill>
-                          <a:srgbClr val="000000"/>
-                        </a:solidFill>
-                        <a:effectLst/>
-                        <a:latin typeface="Century Gothic" panose="020B0502020202020204" pitchFamily="34" charset="0"/>
-                      </a:endParaRPr>
-                    </a:p>
-                  </a:txBody>
-                  <a:tcPr marL="9525" marR="9525" marT="9525" marB="0" anchor="ctr"/>
-                </a:tc>
-                <a:tc>
-                  <a:txBody>
-                    <a:bodyPr/>
-                    <a:lstStyle/>
-                    <a:p>
-                      <a:pPr algn="ctr" fontAlgn="t"/>
-                      <a:r>
-                        <a:rPr lang="en-DE" sz="800" u="none" strike="noStrike">
-                          <a:effectLst/>
-                        </a:rPr>
-                        <a:t>468</a:t>
-                      </a:r>
-                      <a:endParaRPr lang="en-DE" sz="800" b="0" i="0" u="none" strike="noStrike">
-                        <a:solidFill>
-                          <a:srgbClr val="000000"/>
-                        </a:solidFill>
-                        <a:effectLst/>
-                        <a:latin typeface="Arial" panose="020B0604020202020204" pitchFamily="34" charset="0"/>
-                      </a:endParaRPr>
-                    </a:p>
-                  </a:txBody>
-                  <a:tcPr marL="9525" marR="9525" marT="28575" marB="28575"/>
-                </a:tc>
-                <a:tc>
-                  <a:txBody>
-                    <a:bodyPr/>
-                    <a:lstStyle/>
-                    <a:p>
-                      <a:pPr algn="l" fontAlgn="t"/>
-                      <a:r>
-                        <a:rPr lang="en-GB" sz="800" u="none" strike="noStrike">
-                          <a:effectLst/>
-                        </a:rPr>
-                        <a:t>India</a:t>
-                      </a:r>
-                      <a:endParaRPr lang="en-GB" sz="800" b="0" i="0" u="none" strike="noStrike">
-                        <a:solidFill>
-                          <a:srgbClr val="000000"/>
-                        </a:solidFill>
-                        <a:effectLst/>
-                        <a:latin typeface="Arial" panose="020B0604020202020204" pitchFamily="34" charset="0"/>
-                      </a:endParaRPr>
-                    </a:p>
-                  </a:txBody>
-                  <a:tcPr marL="9525" marR="9525" marT="28575" marB="28575"/>
-                </a:tc>
-                <a:tc>
-                  <a:txBody>
-                    <a:bodyPr/>
-                    <a:lstStyle/>
-                    <a:p>
-                      <a:pPr algn="l" fontAlgn="t"/>
-                      <a:r>
-                        <a:rPr lang="en-GB" sz="800" u="none" strike="noStrike">
-                          <a:effectLst/>
-                        </a:rPr>
-                        <a:t>Bijapur</a:t>
-                      </a:r>
-                      <a:endParaRPr lang="en-GB" sz="800" b="0" i="0" u="none" strike="noStrike">
-                        <a:solidFill>
-                          <a:srgbClr val="000000"/>
-                        </a:solidFill>
-                        <a:effectLst/>
-                        <a:latin typeface="Arial" panose="020B0604020202020204" pitchFamily="34" charset="0"/>
-                      </a:endParaRPr>
-                    </a:p>
-                  </a:txBody>
-                  <a:tcPr marL="9525" marR="9525" marT="28575" marB="28575"/>
-                </a:tc>
-                <a:tc>
-                  <a:txBody>
-                    <a:bodyPr/>
-                    <a:lstStyle/>
-                    <a:p>
-                      <a:pPr algn="ctr" fontAlgn="t"/>
-                      <a:r>
-                        <a:rPr lang="en-DE" sz="800" u="none" strike="noStrike">
-                          <a:effectLst/>
-                        </a:rPr>
-                        <a:t>175,61</a:t>
-                      </a:r>
-                      <a:endParaRPr lang="en-DE" sz="800" b="0" i="0" u="none" strike="noStrike">
-                        <a:solidFill>
-                          <a:srgbClr val="000000"/>
-                        </a:solidFill>
-                        <a:effectLst/>
-                        <a:latin typeface="Arial" panose="020B0604020202020204" pitchFamily="34" charset="0"/>
-                      </a:endParaRPr>
-                    </a:p>
-                  </a:txBody>
-                  <a:tcPr marL="9525" marR="9525" marT="28575" marB="28575"/>
-                </a:tc>
-                <a:extLst>
-                  <a:ext uri="{0D108BD9-81ED-4DB2-BD59-A6C34878D82A}">
-                    <a16:rowId xmlns:a16="http://schemas.microsoft.com/office/drawing/2014/main" val="3741387544"/>
-                  </a:ext>
-                </a:extLst>
-              </a:tr>
-              <a:tr h="203200">
-                <a:tc>
-                  <a:txBody>
-                    <a:bodyPr/>
-                    <a:lstStyle/>
-                    <a:p>
-                      <a:pPr algn="ctr" rtl="0" fontAlgn="ctr"/>
-                      <a:r>
-                        <a:rPr lang="en-DE" sz="800" u="none" strike="noStrike">
-                          <a:effectLst/>
-                        </a:rPr>
-                        <a:t>9</a:t>
-                      </a:r>
-                      <a:endParaRPr lang="en-DE" sz="800" b="0" i="0" u="none" strike="noStrike">
-                        <a:solidFill>
-                          <a:srgbClr val="000000"/>
-                        </a:solidFill>
-                        <a:effectLst/>
-                        <a:latin typeface="Century Gothic" panose="020B0502020202020204" pitchFamily="34" charset="0"/>
-                      </a:endParaRPr>
-                    </a:p>
-                  </a:txBody>
-                  <a:tcPr marL="9525" marR="9525" marT="9525" marB="0" anchor="ctr"/>
-                </a:tc>
-                <a:tc>
-                  <a:txBody>
-                    <a:bodyPr/>
-                    <a:lstStyle/>
-                    <a:p>
-                      <a:pPr algn="ctr" fontAlgn="t"/>
-                      <a:r>
-                        <a:rPr lang="en-DE" sz="800" u="none" strike="noStrike">
-                          <a:effectLst/>
-                        </a:rPr>
-                        <a:t>236</a:t>
-                      </a:r>
-                      <a:endParaRPr lang="en-DE" sz="800" b="0" i="0" u="none" strike="noStrike">
-                        <a:solidFill>
-                          <a:srgbClr val="000000"/>
-                        </a:solidFill>
-                        <a:effectLst/>
-                        <a:latin typeface="Arial" panose="020B0604020202020204" pitchFamily="34" charset="0"/>
-                      </a:endParaRPr>
-                    </a:p>
-                  </a:txBody>
-                  <a:tcPr marL="9525" marR="9525" marT="28575" marB="28575"/>
-                </a:tc>
-                <a:tc>
-                  <a:txBody>
-                    <a:bodyPr/>
-                    <a:lstStyle/>
-                    <a:p>
-                      <a:pPr algn="l" fontAlgn="t"/>
-                      <a:r>
-                        <a:rPr lang="en-GB" sz="800" u="none" strike="noStrike">
-                          <a:effectLst/>
-                        </a:rPr>
-                        <a:t>Philippines</a:t>
-                      </a:r>
-                      <a:endParaRPr lang="en-GB" sz="800" b="0" i="0" u="none" strike="noStrike">
-                        <a:solidFill>
-                          <a:srgbClr val="000000"/>
-                        </a:solidFill>
-                        <a:effectLst/>
-                        <a:latin typeface="Arial" panose="020B0604020202020204" pitchFamily="34" charset="0"/>
-                      </a:endParaRPr>
-                    </a:p>
-                  </a:txBody>
-                  <a:tcPr marL="9525" marR="9525" marT="28575" marB="28575"/>
-                </a:tc>
-                <a:tc>
-                  <a:txBody>
-                    <a:bodyPr/>
-                    <a:lstStyle/>
-                    <a:p>
-                      <a:pPr algn="l" fontAlgn="t"/>
-                      <a:r>
-                        <a:rPr lang="en-GB" sz="800" u="none" strike="noStrike">
-                          <a:effectLst/>
-                        </a:rPr>
-                        <a:t>Tanza</a:t>
-                      </a:r>
-                      <a:endParaRPr lang="en-GB" sz="800" b="0" i="0" u="none" strike="noStrike">
-                        <a:solidFill>
-                          <a:srgbClr val="000000"/>
-                        </a:solidFill>
-                        <a:effectLst/>
-                        <a:latin typeface="Arial" panose="020B0604020202020204" pitchFamily="34" charset="0"/>
-                      </a:endParaRPr>
-                    </a:p>
-                  </a:txBody>
-                  <a:tcPr marL="9525" marR="9525" marT="28575" marB="28575"/>
-                </a:tc>
-                <a:tc>
-                  <a:txBody>
-                    <a:bodyPr/>
-                    <a:lstStyle/>
-                    <a:p>
-                      <a:pPr algn="ctr" fontAlgn="t"/>
-                      <a:r>
-                        <a:rPr lang="en-DE" sz="800" u="none" strike="noStrike">
-                          <a:effectLst/>
-                        </a:rPr>
-                        <a:t>174,59</a:t>
-                      </a:r>
-                      <a:endParaRPr lang="en-DE" sz="800" b="0" i="0" u="none" strike="noStrike">
-                        <a:solidFill>
-                          <a:srgbClr val="000000"/>
-                        </a:solidFill>
-                        <a:effectLst/>
-                        <a:latin typeface="Arial" panose="020B0604020202020204" pitchFamily="34" charset="0"/>
-                      </a:endParaRPr>
-                    </a:p>
-                  </a:txBody>
-                  <a:tcPr marL="9525" marR="9525" marT="28575" marB="28575"/>
-                </a:tc>
-                <a:extLst>
-                  <a:ext uri="{0D108BD9-81ED-4DB2-BD59-A6C34878D82A}">
-                    <a16:rowId xmlns:a16="http://schemas.microsoft.com/office/drawing/2014/main" val="3731384173"/>
-                  </a:ext>
-                </a:extLst>
-              </a:tr>
-              <a:tr h="203200">
-                <a:tc>
-                  <a:txBody>
-                    <a:bodyPr/>
-                    <a:lstStyle/>
-                    <a:p>
-                      <a:pPr algn="ctr" rtl="0" fontAlgn="ctr"/>
-                      <a:r>
-                        <a:rPr lang="en-DE" sz="800" u="none" strike="noStrike">
-                          <a:effectLst/>
-                        </a:rPr>
-                        <a:t>10</a:t>
-                      </a:r>
-                      <a:endParaRPr lang="en-DE" sz="800" b="0" i="0" u="none" strike="noStrike">
-                        <a:solidFill>
-                          <a:srgbClr val="000000"/>
-                        </a:solidFill>
-                        <a:effectLst/>
-                        <a:latin typeface="Century Gothic" panose="020B0502020202020204" pitchFamily="34" charset="0"/>
-                      </a:endParaRPr>
-                    </a:p>
-                  </a:txBody>
-                  <a:tcPr marL="9525" marR="9525" marT="9525" marB="0" anchor="ctr"/>
-                </a:tc>
-                <a:tc>
-                  <a:txBody>
-                    <a:bodyPr/>
-                    <a:lstStyle/>
-                    <a:p>
-                      <a:pPr algn="ctr" fontAlgn="t"/>
-                      <a:r>
-                        <a:rPr lang="en-DE" sz="800" u="none" strike="noStrike" dirty="0">
-                          <a:effectLst/>
-                        </a:rPr>
-                        <a:t>176</a:t>
-                      </a:r>
-                      <a:endParaRPr lang="en-DE" sz="800" b="0" i="0" u="none" strike="noStrike" dirty="0">
-                        <a:solidFill>
-                          <a:srgbClr val="000000"/>
-                        </a:solidFill>
-                        <a:effectLst/>
-                        <a:latin typeface="Arial" panose="020B0604020202020204" pitchFamily="34" charset="0"/>
-                      </a:endParaRPr>
-                    </a:p>
-                  </a:txBody>
-                  <a:tcPr marL="9525" marR="9525" marT="28575" marB="28575"/>
-                </a:tc>
-                <a:tc>
-                  <a:txBody>
-                    <a:bodyPr/>
-                    <a:lstStyle/>
-                    <a:p>
-                      <a:pPr algn="l" fontAlgn="t"/>
-                      <a:r>
-                        <a:rPr lang="en-GB" sz="800" u="none" strike="noStrike">
-                          <a:effectLst/>
-                        </a:rPr>
-                        <a:t>Algeria</a:t>
-                      </a:r>
-                      <a:endParaRPr lang="en-GB" sz="800" b="0" i="0" u="none" strike="noStrike">
-                        <a:solidFill>
-                          <a:srgbClr val="000000"/>
-                        </a:solidFill>
-                        <a:effectLst/>
-                        <a:latin typeface="Arial" panose="020B0604020202020204" pitchFamily="34" charset="0"/>
-                      </a:endParaRPr>
-                    </a:p>
-                  </a:txBody>
-                  <a:tcPr marL="9525" marR="9525" marT="28575" marB="28575"/>
-                </a:tc>
-                <a:tc>
-                  <a:txBody>
-                    <a:bodyPr/>
-                    <a:lstStyle/>
-                    <a:p>
-                      <a:pPr algn="l" fontAlgn="t"/>
-                      <a:r>
-                        <a:rPr lang="en-GB" sz="800" u="none" strike="noStrike">
-                          <a:effectLst/>
-                        </a:rPr>
-                        <a:t>Skikda</a:t>
-                      </a:r>
-                      <a:endParaRPr lang="en-GB" sz="800" b="0" i="0" u="none" strike="noStrike">
-                        <a:solidFill>
-                          <a:srgbClr val="000000"/>
-                        </a:solidFill>
-                        <a:effectLst/>
-                        <a:latin typeface="Arial" panose="020B0604020202020204" pitchFamily="34" charset="0"/>
-                      </a:endParaRPr>
-                    </a:p>
-                  </a:txBody>
-                  <a:tcPr marL="9525" marR="9525" marT="28575" marB="28575"/>
-                </a:tc>
-                <a:tc>
-                  <a:txBody>
-                    <a:bodyPr/>
-                    <a:lstStyle/>
-                    <a:p>
-                      <a:pPr algn="ctr" fontAlgn="t"/>
-                      <a:r>
-                        <a:rPr lang="en-DE" sz="800" u="none" strike="noStrike" dirty="0">
-                          <a:effectLst/>
-                        </a:rPr>
-                        <a:t>173,63</a:t>
-                      </a:r>
-                      <a:endParaRPr lang="en-DE" sz="800" b="0" i="0" u="none" strike="noStrike" dirty="0">
-                        <a:solidFill>
-                          <a:srgbClr val="000000"/>
-                        </a:solidFill>
-                        <a:effectLst/>
-                        <a:latin typeface="Arial" panose="020B0604020202020204" pitchFamily="34" charset="0"/>
-                      </a:endParaRPr>
-                    </a:p>
-                  </a:txBody>
-                  <a:tcPr marL="9525" marR="9525" marT="28575" marB="28575"/>
-                </a:tc>
-                <a:extLst>
-                  <a:ext uri="{0D108BD9-81ED-4DB2-BD59-A6C34878D82A}">
-                    <a16:rowId xmlns:a16="http://schemas.microsoft.com/office/drawing/2014/main" val="781286322"/>
-                  </a:ext>
-                </a:extLst>
-              </a:tr>
-            </a:tbl>
-          </a:graphicData>
-        </a:graphic>
-      </p:graphicFrame>
-      <p:graphicFrame>
-        <p:nvGraphicFramePr>
-          <p:cNvPr id="17" name="Table 16">
-            <a:extLst>
-              <a:ext uri="{FF2B5EF4-FFF2-40B4-BE49-F238E27FC236}">
-                <a16:creationId xmlns:a16="http://schemas.microsoft.com/office/drawing/2014/main" id="{B446324A-B045-1022-A234-264A46EBD56E}"/>
-              </a:ext>
-            </a:extLst>
-          </p:cNvPr>
-          <p:cNvGraphicFramePr>
-            <a:graphicFrameLocks noGrp="1"/>
-          </p:cNvGraphicFramePr>
-          <p:nvPr>
-            <p:extLst>
-              <p:ext uri="{D42A27DB-BD31-4B8C-83A1-F6EECF244321}">
-                <p14:modId xmlns:p14="http://schemas.microsoft.com/office/powerpoint/2010/main" val="4189701592"/>
-              </p:ext>
-            </p:extLst>
-          </p:nvPr>
-        </p:nvGraphicFramePr>
-        <p:xfrm>
-          <a:off x="7986017" y="1442927"/>
-          <a:ext cx="2985535" cy="2387600"/>
-        </p:xfrm>
-        <a:graphic>
-          <a:graphicData uri="http://schemas.openxmlformats.org/drawingml/2006/table">
-            <a:tbl>
-              <a:tblPr firstRow="1" bandRow="1">
-                <a:tableStyleId>{5C22544A-7EE6-4342-B048-85BDC9FD1C3A}</a:tableStyleId>
-              </a:tblPr>
-              <a:tblGrid>
-                <a:gridCol w="286558">
-                  <a:extLst>
-                    <a:ext uri="{9D8B030D-6E8A-4147-A177-3AD203B41FA5}">
-                      <a16:colId xmlns:a16="http://schemas.microsoft.com/office/drawing/2014/main" val="3128293367"/>
-                    </a:ext>
-                  </a:extLst>
-                </a:gridCol>
-                <a:gridCol w="899659">
-                  <a:extLst>
-                    <a:ext uri="{9D8B030D-6E8A-4147-A177-3AD203B41FA5}">
-                      <a16:colId xmlns:a16="http://schemas.microsoft.com/office/drawing/2014/main" val="497886805"/>
-                    </a:ext>
-                  </a:extLst>
-                </a:gridCol>
-                <a:gridCol w="899659">
-                  <a:extLst>
-                    <a:ext uri="{9D8B030D-6E8A-4147-A177-3AD203B41FA5}">
-                      <a16:colId xmlns:a16="http://schemas.microsoft.com/office/drawing/2014/main" val="1332361595"/>
-                    </a:ext>
-                  </a:extLst>
-                </a:gridCol>
-                <a:gridCol w="899659">
-                  <a:extLst>
-                    <a:ext uri="{9D8B030D-6E8A-4147-A177-3AD203B41FA5}">
-                      <a16:colId xmlns:a16="http://schemas.microsoft.com/office/drawing/2014/main" val="1058635488"/>
-                    </a:ext>
-                  </a:extLst>
-                </a:gridCol>
-              </a:tblGrid>
-              <a:tr h="355600">
-                <a:tc>
-                  <a:txBody>
-                    <a:bodyPr/>
-                    <a:lstStyle/>
-                    <a:p>
-                      <a:pPr algn="ctr" rtl="0" fontAlgn="t"/>
-                      <a:r>
-                        <a:rPr lang="en-GB" sz="800" u="none" strike="noStrike">
-                          <a:effectLst/>
-                        </a:rPr>
-                        <a:t>Rank</a:t>
-                      </a:r>
-                      <a:endParaRPr lang="en-GB" sz="800" b="1" i="0" u="none" strike="noStrike">
-                        <a:solidFill>
-                          <a:srgbClr val="FFFFFF"/>
-                        </a:solidFill>
-                        <a:effectLst/>
-                        <a:latin typeface="Century Gothic" panose="020B0502020202020204" pitchFamily="34" charset="0"/>
-                      </a:endParaRPr>
-                    </a:p>
-                  </a:txBody>
-                  <a:tcPr marL="9525" marR="9525" marT="9525" marB="0"/>
-                </a:tc>
-                <a:tc>
-                  <a:txBody>
-                    <a:bodyPr/>
-                    <a:lstStyle/>
-                    <a:p>
-                      <a:pPr algn="l" rtl="0" fontAlgn="t"/>
-                      <a:r>
-                        <a:rPr lang="en-GB" sz="800" u="none" strike="noStrike">
-                          <a:effectLst/>
-                        </a:rPr>
-                        <a:t>Country</a:t>
-                      </a:r>
-                      <a:endParaRPr lang="en-GB" sz="800" b="1" i="0" u="none" strike="noStrike">
-                        <a:solidFill>
-                          <a:srgbClr val="FFFFFF"/>
-                        </a:solidFill>
-                        <a:effectLst/>
-                        <a:latin typeface="Century Gothic" panose="020B0502020202020204" pitchFamily="34" charset="0"/>
-                      </a:endParaRPr>
-                    </a:p>
-                  </a:txBody>
-                  <a:tcPr marL="9525" marR="9525" marT="9525" marB="0"/>
-                </a:tc>
-                <a:tc>
-                  <a:txBody>
-                    <a:bodyPr/>
-                    <a:lstStyle/>
-                    <a:p>
-                      <a:pPr algn="ctr" rtl="0" fontAlgn="t"/>
-                      <a:r>
-                        <a:rPr lang="en-GB" sz="800" u="none" strike="noStrike">
-                          <a:effectLst/>
-                        </a:rPr>
-                        <a:t>Number of Customers</a:t>
-                      </a:r>
-                      <a:endParaRPr lang="en-GB" sz="800" b="1" i="0" u="none" strike="noStrike">
-                        <a:solidFill>
-                          <a:srgbClr val="FFFFFF"/>
-                        </a:solidFill>
-                        <a:effectLst/>
-                        <a:latin typeface="Century Gothic" panose="020B0502020202020204" pitchFamily="34" charset="0"/>
-                      </a:endParaRPr>
-                    </a:p>
-                  </a:txBody>
-                  <a:tcPr marL="9525" marR="9525" marT="9525" marB="0"/>
-                </a:tc>
-                <a:tc>
-                  <a:txBody>
-                    <a:bodyPr/>
-                    <a:lstStyle/>
-                    <a:p>
-                      <a:pPr algn="ctr" rtl="0" fontAlgn="t"/>
-                      <a:r>
-                        <a:rPr lang="en-GB" sz="800" u="none" strike="noStrike" dirty="0">
-                          <a:effectLst/>
-                        </a:rPr>
-                        <a:t>Average CLV</a:t>
-                      </a:r>
-                      <a:endParaRPr lang="en-GB" sz="800" b="1" i="0" u="none" strike="noStrike" dirty="0">
-                        <a:solidFill>
-                          <a:srgbClr val="FFFFFF"/>
-                        </a:solidFill>
-                        <a:effectLst/>
-                        <a:latin typeface="Century Gothic" panose="020B0502020202020204" pitchFamily="34" charset="0"/>
-                      </a:endParaRPr>
-                    </a:p>
-                  </a:txBody>
-                  <a:tcPr marL="9525" marR="9525" marT="9525" marB="0"/>
-                </a:tc>
-                <a:extLst>
-                  <a:ext uri="{0D108BD9-81ED-4DB2-BD59-A6C34878D82A}">
-                    <a16:rowId xmlns:a16="http://schemas.microsoft.com/office/drawing/2014/main" val="4203016462"/>
-                  </a:ext>
-                </a:extLst>
-              </a:tr>
-              <a:tr h="203200">
-                <a:tc>
-                  <a:txBody>
-                    <a:bodyPr/>
-                    <a:lstStyle/>
-                    <a:p>
-                      <a:pPr algn="ctr" rtl="0" fontAlgn="ctr"/>
-                      <a:r>
-                        <a:rPr lang="en-DE" sz="800" u="none" strike="noStrike">
-                          <a:effectLst/>
-                        </a:rPr>
-                        <a:t>1</a:t>
-                      </a:r>
-                      <a:endParaRPr lang="en-DE" sz="800" b="0" i="0" u="none" strike="noStrike">
-                        <a:solidFill>
-                          <a:srgbClr val="000000"/>
-                        </a:solidFill>
-                        <a:effectLst/>
-                        <a:latin typeface="Century Gothic" panose="020B0502020202020204" pitchFamily="34" charset="0"/>
-                      </a:endParaRPr>
-                    </a:p>
-                  </a:txBody>
-                  <a:tcPr marL="9525" marR="9525" marT="28575" marB="28575" anchor="ctr"/>
-                </a:tc>
-                <a:tc>
-                  <a:txBody>
-                    <a:bodyPr/>
-                    <a:lstStyle/>
-                    <a:p>
-                      <a:pPr algn="l" rtl="0" fontAlgn="ctr"/>
-                      <a:r>
-                        <a:rPr lang="en-GB" sz="800" u="none" strike="noStrike">
-                          <a:effectLst/>
-                        </a:rPr>
-                        <a:t>Réunion</a:t>
-                      </a:r>
-                      <a:endParaRPr lang="en-GB" sz="800" b="0" i="0" u="none" strike="noStrike">
-                        <a:solidFill>
-                          <a:srgbClr val="000000"/>
-                        </a:solidFill>
-                        <a:effectLst/>
-                        <a:latin typeface="Century Gothic" panose="020B0502020202020204" pitchFamily="34" charset="0"/>
-                      </a:endParaRPr>
-                    </a:p>
-                  </a:txBody>
-                  <a:tcPr marL="9525" marR="9525" marT="9525" marB="0" anchor="ctr"/>
-                </a:tc>
-                <a:tc>
-                  <a:txBody>
-                    <a:bodyPr/>
-                    <a:lstStyle/>
-                    <a:p>
-                      <a:pPr algn="ctr" rtl="0" fontAlgn="ctr"/>
-                      <a:r>
-                        <a:rPr lang="en-DE" sz="800" u="none" strike="noStrike">
-                          <a:effectLst/>
-                        </a:rPr>
-                        <a:t>1</a:t>
-                      </a:r>
-                      <a:endParaRPr lang="en-DE" sz="800" b="0" i="0" u="none" strike="noStrike">
-                        <a:solidFill>
-                          <a:srgbClr val="000000"/>
-                        </a:solidFill>
-                        <a:effectLst/>
-                        <a:latin typeface="Century Gothic" panose="020B0502020202020204" pitchFamily="34" charset="0"/>
-                      </a:endParaRPr>
-                    </a:p>
-                  </a:txBody>
-                  <a:tcPr marL="9525" marR="9525" marT="9525" marB="0" anchor="ctr"/>
-                </a:tc>
-                <a:tc>
-                  <a:txBody>
-                    <a:bodyPr/>
-                    <a:lstStyle/>
-                    <a:p>
-                      <a:pPr algn="ctr" rtl="0" fontAlgn="ctr"/>
-                      <a:r>
-                        <a:rPr lang="en-DE" sz="800" u="none" strike="noStrike">
-                          <a:effectLst/>
-                        </a:rPr>
-                        <a:t>216.54</a:t>
-                      </a:r>
-                      <a:endParaRPr lang="en-DE" sz="800" b="0" i="0" u="none" strike="noStrike">
-                        <a:solidFill>
-                          <a:srgbClr val="000000"/>
-                        </a:solidFill>
-                        <a:effectLst/>
-                        <a:latin typeface="Century Gothic" panose="020B0502020202020204" pitchFamily="34" charset="0"/>
-                      </a:endParaRPr>
-                    </a:p>
-                  </a:txBody>
-                  <a:tcPr marL="9525" marR="9525" marT="9525" marB="0" anchor="ctr"/>
-                </a:tc>
-                <a:extLst>
-                  <a:ext uri="{0D108BD9-81ED-4DB2-BD59-A6C34878D82A}">
-                    <a16:rowId xmlns:a16="http://schemas.microsoft.com/office/drawing/2014/main" val="1885093749"/>
-                  </a:ext>
-                </a:extLst>
-              </a:tr>
-              <a:tr h="203200">
-                <a:tc>
-                  <a:txBody>
-                    <a:bodyPr/>
-                    <a:lstStyle/>
-                    <a:p>
-                      <a:pPr algn="ctr" rtl="0" fontAlgn="ctr"/>
-                      <a:r>
-                        <a:rPr lang="en-DE" sz="800" u="none" strike="noStrike">
-                          <a:effectLst/>
-                        </a:rPr>
-                        <a:t>2</a:t>
-                      </a:r>
-                      <a:endParaRPr lang="en-DE" sz="800" b="0" i="0" u="none" strike="noStrike">
-                        <a:solidFill>
-                          <a:srgbClr val="000000"/>
-                        </a:solidFill>
-                        <a:effectLst/>
-                        <a:latin typeface="Century Gothic" panose="020B0502020202020204" pitchFamily="34" charset="0"/>
-                      </a:endParaRPr>
-                    </a:p>
-                  </a:txBody>
-                  <a:tcPr marL="9525" marR="9525" marT="28575" marB="28575" anchor="ctr"/>
-                </a:tc>
-                <a:tc>
-                  <a:txBody>
-                    <a:bodyPr/>
-                    <a:lstStyle/>
-                    <a:p>
-                      <a:pPr algn="l" rtl="0" fontAlgn="ctr"/>
-                      <a:r>
-                        <a:rPr lang="en-GB" sz="800" u="none" strike="noStrike">
-                          <a:effectLst/>
-                        </a:rPr>
-                        <a:t>Vatican City</a:t>
-                      </a:r>
-                      <a:endParaRPr lang="en-GB" sz="800" b="0" i="0" u="none" strike="noStrike">
-                        <a:solidFill>
-                          <a:srgbClr val="000000"/>
-                        </a:solidFill>
-                        <a:effectLst/>
-                        <a:latin typeface="Century Gothic" panose="020B0502020202020204" pitchFamily="34" charset="0"/>
-                      </a:endParaRPr>
-                    </a:p>
-                  </a:txBody>
-                  <a:tcPr marL="9525" marR="9525" marT="9525" marB="0" anchor="ctr"/>
-                </a:tc>
-                <a:tc>
-                  <a:txBody>
-                    <a:bodyPr/>
-                    <a:lstStyle/>
-                    <a:p>
-                      <a:pPr algn="ctr" rtl="0" fontAlgn="ctr"/>
-                      <a:r>
-                        <a:rPr lang="en-DE" sz="800" u="none" strike="noStrike">
-                          <a:effectLst/>
-                        </a:rPr>
-                        <a:t>1</a:t>
-                      </a:r>
-                      <a:endParaRPr lang="en-DE" sz="800" b="0" i="0" u="none" strike="noStrike">
-                        <a:solidFill>
-                          <a:srgbClr val="000000"/>
-                        </a:solidFill>
-                        <a:effectLst/>
-                        <a:latin typeface="Century Gothic" panose="020B0502020202020204" pitchFamily="34" charset="0"/>
-                      </a:endParaRPr>
-                    </a:p>
-                  </a:txBody>
-                  <a:tcPr marL="9525" marR="9525" marT="9525" marB="0" anchor="ctr"/>
-                </a:tc>
-                <a:tc>
-                  <a:txBody>
-                    <a:bodyPr/>
-                    <a:lstStyle/>
-                    <a:p>
-                      <a:pPr algn="ctr" rtl="0" fontAlgn="ctr"/>
-                      <a:r>
-                        <a:rPr lang="en-DE" sz="800" u="none" strike="noStrike">
-                          <a:effectLst/>
-                        </a:rPr>
-                        <a:t>152.66</a:t>
-                      </a:r>
-                      <a:endParaRPr lang="en-DE" sz="800" b="0" i="0" u="none" strike="noStrike">
-                        <a:solidFill>
-                          <a:srgbClr val="000000"/>
-                        </a:solidFill>
-                        <a:effectLst/>
-                        <a:latin typeface="Century Gothic" panose="020B0502020202020204" pitchFamily="34" charset="0"/>
-                      </a:endParaRPr>
-                    </a:p>
-                  </a:txBody>
-                  <a:tcPr marL="9525" marR="9525" marT="9525" marB="0" anchor="ctr"/>
-                </a:tc>
-                <a:extLst>
-                  <a:ext uri="{0D108BD9-81ED-4DB2-BD59-A6C34878D82A}">
-                    <a16:rowId xmlns:a16="http://schemas.microsoft.com/office/drawing/2014/main" val="3550656586"/>
-                  </a:ext>
-                </a:extLst>
-              </a:tr>
-              <a:tr h="203200">
-                <a:tc>
-                  <a:txBody>
-                    <a:bodyPr/>
-                    <a:lstStyle/>
-                    <a:p>
-                      <a:pPr algn="ctr" rtl="0" fontAlgn="ctr"/>
-                      <a:r>
-                        <a:rPr lang="en-DE" sz="800" u="none" strike="noStrike">
-                          <a:effectLst/>
-                        </a:rPr>
-                        <a:t>3</a:t>
-                      </a:r>
-                      <a:endParaRPr lang="en-DE" sz="800" b="0" i="0" u="none" strike="noStrike">
-                        <a:solidFill>
-                          <a:srgbClr val="000000"/>
-                        </a:solidFill>
-                        <a:effectLst/>
-                        <a:latin typeface="Century Gothic" panose="020B0502020202020204" pitchFamily="34" charset="0"/>
-                      </a:endParaRPr>
-                    </a:p>
-                  </a:txBody>
-                  <a:tcPr marL="9525" marR="9525" marT="28575" marB="28575" anchor="ctr"/>
-                </a:tc>
-                <a:tc>
-                  <a:txBody>
-                    <a:bodyPr/>
-                    <a:lstStyle/>
-                    <a:p>
-                      <a:pPr algn="l" rtl="0" fontAlgn="ctr"/>
-                      <a:r>
-                        <a:rPr lang="en-GB" sz="800" u="none" strike="noStrike">
-                          <a:effectLst/>
-                        </a:rPr>
-                        <a:t>Nauru</a:t>
-                      </a:r>
-                      <a:endParaRPr lang="en-GB" sz="800" b="0" i="0" u="none" strike="noStrike">
-                        <a:solidFill>
-                          <a:srgbClr val="000000"/>
-                        </a:solidFill>
-                        <a:effectLst/>
-                        <a:latin typeface="Century Gothic" panose="020B0502020202020204" pitchFamily="34" charset="0"/>
-                      </a:endParaRPr>
-                    </a:p>
-                  </a:txBody>
-                  <a:tcPr marL="9525" marR="9525" marT="9525" marB="0" anchor="ctr"/>
-                </a:tc>
-                <a:tc>
-                  <a:txBody>
-                    <a:bodyPr/>
-                    <a:lstStyle/>
-                    <a:p>
-                      <a:pPr algn="ctr" rtl="0" fontAlgn="ctr"/>
-                      <a:r>
-                        <a:rPr lang="en-DE" sz="800" u="none" strike="noStrike">
-                          <a:effectLst/>
-                        </a:rPr>
-                        <a:t>1</a:t>
-                      </a:r>
-                      <a:endParaRPr lang="en-DE" sz="800" b="0" i="0" u="none" strike="noStrike">
-                        <a:solidFill>
-                          <a:srgbClr val="000000"/>
-                        </a:solidFill>
-                        <a:effectLst/>
-                        <a:latin typeface="Century Gothic" panose="020B0502020202020204" pitchFamily="34" charset="0"/>
-                      </a:endParaRPr>
-                    </a:p>
-                  </a:txBody>
-                  <a:tcPr marL="9525" marR="9525" marT="9525" marB="0" anchor="ctr"/>
-                </a:tc>
-                <a:tc>
-                  <a:txBody>
-                    <a:bodyPr/>
-                    <a:lstStyle/>
-                    <a:p>
-                      <a:pPr algn="ctr" rtl="0" fontAlgn="ctr"/>
-                      <a:r>
-                        <a:rPr lang="en-DE" sz="800" u="none" strike="noStrike">
-                          <a:effectLst/>
-                        </a:rPr>
-                        <a:t>148.69</a:t>
-                      </a:r>
-                      <a:endParaRPr lang="en-DE" sz="800" b="0" i="0" u="none" strike="noStrike">
-                        <a:solidFill>
-                          <a:srgbClr val="000000"/>
-                        </a:solidFill>
-                        <a:effectLst/>
-                        <a:latin typeface="Century Gothic" panose="020B0502020202020204" pitchFamily="34" charset="0"/>
-                      </a:endParaRPr>
-                    </a:p>
-                  </a:txBody>
-                  <a:tcPr marL="9525" marR="9525" marT="9525" marB="0" anchor="ctr"/>
-                </a:tc>
-                <a:extLst>
-                  <a:ext uri="{0D108BD9-81ED-4DB2-BD59-A6C34878D82A}">
-                    <a16:rowId xmlns:a16="http://schemas.microsoft.com/office/drawing/2014/main" val="1448141438"/>
-                  </a:ext>
-                </a:extLst>
-              </a:tr>
-              <a:tr h="203200">
-                <a:tc>
-                  <a:txBody>
-                    <a:bodyPr/>
-                    <a:lstStyle/>
-                    <a:p>
-                      <a:pPr algn="ctr" rtl="0" fontAlgn="ctr"/>
-                      <a:r>
-                        <a:rPr lang="en-DE" sz="800" u="none" strike="noStrike">
-                          <a:effectLst/>
-                        </a:rPr>
-                        <a:t>4</a:t>
-                      </a:r>
-                      <a:endParaRPr lang="en-DE" sz="800" b="0" i="0" u="none" strike="noStrike">
-                        <a:solidFill>
-                          <a:srgbClr val="000000"/>
-                        </a:solidFill>
-                        <a:effectLst/>
-                        <a:latin typeface="Century Gothic" panose="020B0502020202020204" pitchFamily="34" charset="0"/>
-                      </a:endParaRPr>
-                    </a:p>
-                  </a:txBody>
-                  <a:tcPr marL="9525" marR="9525" marT="28575" marB="28575" anchor="ctr"/>
-                </a:tc>
-                <a:tc>
-                  <a:txBody>
-                    <a:bodyPr/>
-                    <a:lstStyle/>
-                    <a:p>
-                      <a:pPr algn="l" rtl="0" fontAlgn="ctr"/>
-                      <a:r>
-                        <a:rPr lang="en-GB" sz="800" u="none" strike="noStrike">
-                          <a:effectLst/>
-                        </a:rPr>
-                        <a:t>Sweden</a:t>
-                      </a:r>
-                      <a:endParaRPr lang="en-GB" sz="800" b="0" i="0" u="none" strike="noStrike">
-                        <a:solidFill>
-                          <a:srgbClr val="000000"/>
-                        </a:solidFill>
-                        <a:effectLst/>
-                        <a:latin typeface="Century Gothic" panose="020B0502020202020204" pitchFamily="34" charset="0"/>
-                      </a:endParaRPr>
-                    </a:p>
-                  </a:txBody>
-                  <a:tcPr marL="9525" marR="9525" marT="9525" marB="0" anchor="ctr"/>
-                </a:tc>
-                <a:tc>
-                  <a:txBody>
-                    <a:bodyPr/>
-                    <a:lstStyle/>
-                    <a:p>
-                      <a:pPr algn="ctr" rtl="0" fontAlgn="ctr"/>
-                      <a:r>
-                        <a:rPr lang="en-DE" sz="800" u="none" strike="noStrike">
-                          <a:effectLst/>
-                        </a:rPr>
-                        <a:t>1</a:t>
-                      </a:r>
-                      <a:endParaRPr lang="en-DE" sz="800" b="0" i="0" u="none" strike="noStrike">
-                        <a:solidFill>
-                          <a:srgbClr val="000000"/>
-                        </a:solidFill>
-                        <a:effectLst/>
-                        <a:latin typeface="Century Gothic" panose="020B0502020202020204" pitchFamily="34" charset="0"/>
-                      </a:endParaRPr>
-                    </a:p>
-                  </a:txBody>
-                  <a:tcPr marL="9525" marR="9525" marT="9525" marB="0" anchor="ctr"/>
-                </a:tc>
-                <a:tc>
-                  <a:txBody>
-                    <a:bodyPr/>
-                    <a:lstStyle/>
-                    <a:p>
-                      <a:pPr algn="ctr" rtl="0" fontAlgn="ctr"/>
-                      <a:r>
-                        <a:rPr lang="en-DE" sz="800" u="none" strike="noStrike">
-                          <a:effectLst/>
-                        </a:rPr>
-                        <a:t>144.66</a:t>
-                      </a:r>
-                      <a:endParaRPr lang="en-DE" sz="800" b="0" i="0" u="none" strike="noStrike">
-                        <a:solidFill>
-                          <a:srgbClr val="000000"/>
-                        </a:solidFill>
-                        <a:effectLst/>
-                        <a:latin typeface="Century Gothic" panose="020B0502020202020204" pitchFamily="34" charset="0"/>
-                      </a:endParaRPr>
-                    </a:p>
-                  </a:txBody>
-                  <a:tcPr marL="9525" marR="9525" marT="9525" marB="0" anchor="ctr"/>
-                </a:tc>
-                <a:extLst>
-                  <a:ext uri="{0D108BD9-81ED-4DB2-BD59-A6C34878D82A}">
-                    <a16:rowId xmlns:a16="http://schemas.microsoft.com/office/drawing/2014/main" val="3532026450"/>
-                  </a:ext>
-                </a:extLst>
-              </a:tr>
-              <a:tr h="203200">
-                <a:tc>
-                  <a:txBody>
-                    <a:bodyPr/>
-                    <a:lstStyle/>
-                    <a:p>
-                      <a:pPr algn="ctr" rtl="0" fontAlgn="ctr"/>
-                      <a:r>
-                        <a:rPr lang="en-DE" sz="800" u="none" strike="noStrike">
-                          <a:effectLst/>
-                        </a:rPr>
-                        <a:t>5</a:t>
-                      </a:r>
-                      <a:endParaRPr lang="en-DE" sz="800" b="0" i="0" u="none" strike="noStrike">
-                        <a:solidFill>
-                          <a:srgbClr val="000000"/>
-                        </a:solidFill>
-                        <a:effectLst/>
-                        <a:latin typeface="Century Gothic" panose="020B0502020202020204" pitchFamily="34" charset="0"/>
-                      </a:endParaRPr>
-                    </a:p>
-                  </a:txBody>
-                  <a:tcPr marL="9525" marR="9525" marT="28575" marB="28575" anchor="ctr"/>
-                </a:tc>
-                <a:tc>
-                  <a:txBody>
-                    <a:bodyPr/>
-                    <a:lstStyle/>
-                    <a:p>
-                      <a:pPr algn="l" rtl="0" fontAlgn="ctr"/>
-                      <a:r>
-                        <a:rPr lang="en-GB" sz="800" u="none" strike="noStrike">
-                          <a:effectLst/>
-                        </a:rPr>
-                        <a:t>Hong Kong</a:t>
-                      </a:r>
-                      <a:endParaRPr lang="en-GB" sz="800" b="0" i="0" u="none" strike="noStrike">
-                        <a:solidFill>
-                          <a:srgbClr val="000000"/>
-                        </a:solidFill>
-                        <a:effectLst/>
-                        <a:latin typeface="Century Gothic" panose="020B0502020202020204" pitchFamily="34" charset="0"/>
-                      </a:endParaRPr>
-                    </a:p>
-                  </a:txBody>
-                  <a:tcPr marL="9525" marR="9525" marT="9525" marB="0" anchor="ctr"/>
-                </a:tc>
-                <a:tc>
-                  <a:txBody>
-                    <a:bodyPr/>
-                    <a:lstStyle/>
-                    <a:p>
-                      <a:pPr algn="ctr" rtl="0" fontAlgn="ctr"/>
-                      <a:r>
-                        <a:rPr lang="en-DE" sz="800" u="none" strike="noStrike">
-                          <a:effectLst/>
-                        </a:rPr>
-                        <a:t>1</a:t>
-                      </a:r>
-                      <a:endParaRPr lang="en-DE" sz="800" b="0" i="0" u="none" strike="noStrike">
-                        <a:solidFill>
-                          <a:srgbClr val="000000"/>
-                        </a:solidFill>
-                        <a:effectLst/>
-                        <a:latin typeface="Century Gothic" panose="020B0502020202020204" pitchFamily="34" charset="0"/>
-                      </a:endParaRPr>
-                    </a:p>
-                  </a:txBody>
-                  <a:tcPr marL="9525" marR="9525" marT="9525" marB="0" anchor="ctr"/>
-                </a:tc>
-                <a:tc>
-                  <a:txBody>
-                    <a:bodyPr/>
-                    <a:lstStyle/>
-                    <a:p>
-                      <a:pPr algn="ctr" rtl="0" fontAlgn="ctr"/>
-                      <a:r>
-                        <a:rPr lang="en-DE" sz="800" u="none" strike="noStrike">
-                          <a:effectLst/>
-                        </a:rPr>
-                        <a:t>142.70</a:t>
-                      </a:r>
-                      <a:endParaRPr lang="en-DE" sz="800" b="0" i="0" u="none" strike="noStrike">
-                        <a:solidFill>
-                          <a:srgbClr val="000000"/>
-                        </a:solidFill>
-                        <a:effectLst/>
-                        <a:latin typeface="Century Gothic" panose="020B0502020202020204" pitchFamily="34" charset="0"/>
-                      </a:endParaRPr>
-                    </a:p>
-                  </a:txBody>
-                  <a:tcPr marL="9525" marR="9525" marT="9525" marB="0" anchor="ctr"/>
-                </a:tc>
-                <a:extLst>
-                  <a:ext uri="{0D108BD9-81ED-4DB2-BD59-A6C34878D82A}">
-                    <a16:rowId xmlns:a16="http://schemas.microsoft.com/office/drawing/2014/main" val="3489577399"/>
-                  </a:ext>
-                </a:extLst>
-              </a:tr>
-              <a:tr h="203200">
-                <a:tc>
-                  <a:txBody>
-                    <a:bodyPr/>
-                    <a:lstStyle/>
-                    <a:p>
-                      <a:pPr algn="ctr" rtl="0" fontAlgn="ctr"/>
-                      <a:r>
-                        <a:rPr lang="en-DE" sz="800" u="none" strike="noStrike">
-                          <a:effectLst/>
-                        </a:rPr>
-                        <a:t>6</a:t>
-                      </a:r>
-                      <a:endParaRPr lang="en-DE" sz="800" b="0" i="0" u="none" strike="noStrike">
-                        <a:solidFill>
-                          <a:srgbClr val="000000"/>
-                        </a:solidFill>
-                        <a:effectLst/>
-                        <a:latin typeface="Century Gothic" panose="020B0502020202020204" pitchFamily="34" charset="0"/>
-                      </a:endParaRPr>
-                    </a:p>
-                  </a:txBody>
-                  <a:tcPr marL="9525" marR="9525" marT="28575" marB="28575" anchor="ctr"/>
-                </a:tc>
-                <a:tc>
-                  <a:txBody>
-                    <a:bodyPr/>
-                    <a:lstStyle/>
-                    <a:p>
-                      <a:pPr algn="l" rtl="0" fontAlgn="ctr"/>
-                      <a:r>
-                        <a:rPr lang="en-GB" sz="800" u="none" strike="noStrike">
-                          <a:effectLst/>
-                        </a:rPr>
-                        <a:t>Thailand</a:t>
-                      </a:r>
-                      <a:endParaRPr lang="en-GB" sz="800" b="0" i="0" u="none" strike="noStrike">
-                        <a:solidFill>
-                          <a:srgbClr val="000000"/>
-                        </a:solidFill>
-                        <a:effectLst/>
-                        <a:latin typeface="Century Gothic" panose="020B0502020202020204" pitchFamily="34" charset="0"/>
-                      </a:endParaRPr>
-                    </a:p>
-                  </a:txBody>
-                  <a:tcPr marL="9525" marR="9525" marT="9525" marB="0" anchor="ctr"/>
-                </a:tc>
-                <a:tc>
-                  <a:txBody>
-                    <a:bodyPr/>
-                    <a:lstStyle/>
-                    <a:p>
-                      <a:pPr algn="ctr" rtl="0" fontAlgn="ctr"/>
-                      <a:r>
-                        <a:rPr lang="en-DE" sz="800" u="none" strike="noStrike">
-                          <a:effectLst/>
-                        </a:rPr>
-                        <a:t>3</a:t>
-                      </a:r>
-                      <a:endParaRPr lang="en-DE" sz="800" b="0" i="0" u="none" strike="noStrike">
-                        <a:solidFill>
-                          <a:srgbClr val="000000"/>
-                        </a:solidFill>
-                        <a:effectLst/>
-                        <a:latin typeface="Century Gothic" panose="020B0502020202020204" pitchFamily="34" charset="0"/>
-                      </a:endParaRPr>
-                    </a:p>
-                  </a:txBody>
-                  <a:tcPr marL="9525" marR="9525" marT="9525" marB="0" anchor="ctr"/>
-                </a:tc>
-                <a:tc>
-                  <a:txBody>
-                    <a:bodyPr/>
-                    <a:lstStyle/>
-                    <a:p>
-                      <a:pPr algn="ctr" rtl="0" fontAlgn="ctr"/>
-                      <a:r>
-                        <a:rPr lang="en-DE" sz="800" u="none" strike="noStrike">
-                          <a:effectLst/>
-                        </a:rPr>
-                        <a:t>139.68</a:t>
-                      </a:r>
-                      <a:endParaRPr lang="en-DE" sz="800" b="0" i="0" u="none" strike="noStrike">
-                        <a:solidFill>
-                          <a:srgbClr val="000000"/>
-                        </a:solidFill>
-                        <a:effectLst/>
-                        <a:latin typeface="Century Gothic" panose="020B0502020202020204" pitchFamily="34" charset="0"/>
-                      </a:endParaRPr>
-                    </a:p>
-                  </a:txBody>
-                  <a:tcPr marL="9525" marR="9525" marT="9525" marB="0" anchor="ctr"/>
-                </a:tc>
-                <a:extLst>
-                  <a:ext uri="{0D108BD9-81ED-4DB2-BD59-A6C34878D82A}">
-                    <a16:rowId xmlns:a16="http://schemas.microsoft.com/office/drawing/2014/main" val="4046436033"/>
-                  </a:ext>
-                </a:extLst>
-              </a:tr>
-              <a:tr h="203200">
-                <a:tc>
-                  <a:txBody>
-                    <a:bodyPr/>
-                    <a:lstStyle/>
-                    <a:p>
-                      <a:pPr algn="ctr" rtl="0" fontAlgn="ctr"/>
-                      <a:r>
-                        <a:rPr lang="en-DE" sz="800" u="none" strike="noStrike">
-                          <a:effectLst/>
-                        </a:rPr>
-                        <a:t>7</a:t>
-                      </a:r>
-                      <a:endParaRPr lang="en-DE" sz="800" b="0" i="0" u="none" strike="noStrike">
-                        <a:solidFill>
-                          <a:srgbClr val="000000"/>
-                        </a:solidFill>
-                        <a:effectLst/>
-                        <a:latin typeface="Century Gothic" panose="020B0502020202020204" pitchFamily="34" charset="0"/>
-                      </a:endParaRPr>
-                    </a:p>
-                  </a:txBody>
-                  <a:tcPr marL="9525" marR="9525" marT="28575" marB="28575" anchor="ctr"/>
-                </a:tc>
-                <a:tc>
-                  <a:txBody>
-                    <a:bodyPr/>
-                    <a:lstStyle/>
-                    <a:p>
-                      <a:pPr algn="l" rtl="0" fontAlgn="ctr"/>
-                      <a:r>
-                        <a:rPr lang="en-GB" sz="800" u="none" strike="noStrike">
-                          <a:effectLst/>
-                        </a:rPr>
-                        <a:t>Belarus</a:t>
-                      </a:r>
-                      <a:endParaRPr lang="en-GB" sz="800" b="0" i="0" u="none" strike="noStrike">
-                        <a:solidFill>
-                          <a:srgbClr val="000000"/>
-                        </a:solidFill>
-                        <a:effectLst/>
-                        <a:latin typeface="Century Gothic" panose="020B0502020202020204" pitchFamily="34" charset="0"/>
-                      </a:endParaRPr>
-                    </a:p>
-                  </a:txBody>
-                  <a:tcPr marL="9525" marR="9525" marT="9525" marB="0" anchor="ctr"/>
-                </a:tc>
-                <a:tc>
-                  <a:txBody>
-                    <a:bodyPr/>
-                    <a:lstStyle/>
-                    <a:p>
-                      <a:pPr algn="ctr" rtl="0" fontAlgn="ctr"/>
-                      <a:r>
-                        <a:rPr lang="en-DE" sz="800" u="none" strike="noStrike">
-                          <a:effectLst/>
-                        </a:rPr>
-                        <a:t>2</a:t>
-                      </a:r>
-                      <a:endParaRPr lang="en-DE" sz="800" b="0" i="0" u="none" strike="noStrike">
-                        <a:solidFill>
-                          <a:srgbClr val="000000"/>
-                        </a:solidFill>
-                        <a:effectLst/>
-                        <a:latin typeface="Century Gothic" panose="020B0502020202020204" pitchFamily="34" charset="0"/>
-                      </a:endParaRPr>
-                    </a:p>
-                  </a:txBody>
-                  <a:tcPr marL="9525" marR="9525" marT="9525" marB="0" anchor="ctr"/>
-                </a:tc>
-                <a:tc>
-                  <a:txBody>
-                    <a:bodyPr/>
-                    <a:lstStyle/>
-                    <a:p>
-                      <a:pPr algn="ctr" rtl="0" fontAlgn="ctr"/>
-                      <a:r>
-                        <a:rPr lang="en-DE" sz="800" u="none" strike="noStrike">
-                          <a:effectLst/>
-                        </a:rPr>
-                        <a:t>138.67</a:t>
-                      </a:r>
-                      <a:endParaRPr lang="en-DE" sz="800" b="0" i="0" u="none" strike="noStrike">
-                        <a:solidFill>
-                          <a:srgbClr val="000000"/>
-                        </a:solidFill>
-                        <a:effectLst/>
-                        <a:latin typeface="Century Gothic" panose="020B0502020202020204" pitchFamily="34" charset="0"/>
-                      </a:endParaRPr>
-                    </a:p>
-                  </a:txBody>
-                  <a:tcPr marL="9525" marR="9525" marT="9525" marB="0" anchor="ctr"/>
-                </a:tc>
-                <a:extLst>
-                  <a:ext uri="{0D108BD9-81ED-4DB2-BD59-A6C34878D82A}">
-                    <a16:rowId xmlns:a16="http://schemas.microsoft.com/office/drawing/2014/main" val="4102010490"/>
-                  </a:ext>
-                </a:extLst>
-              </a:tr>
-              <a:tr h="203200">
-                <a:tc>
-                  <a:txBody>
-                    <a:bodyPr/>
-                    <a:lstStyle/>
-                    <a:p>
-                      <a:pPr algn="ctr" rtl="0" fontAlgn="ctr"/>
-                      <a:r>
-                        <a:rPr lang="en-DE" sz="800" u="none" strike="noStrike">
-                          <a:effectLst/>
-                        </a:rPr>
-                        <a:t>8</a:t>
-                      </a:r>
-                      <a:endParaRPr lang="en-DE" sz="800" b="0" i="0" u="none" strike="noStrike">
-                        <a:solidFill>
-                          <a:srgbClr val="000000"/>
-                        </a:solidFill>
-                        <a:effectLst/>
-                        <a:latin typeface="Century Gothic" panose="020B0502020202020204" pitchFamily="34" charset="0"/>
-                      </a:endParaRPr>
-                    </a:p>
-                  </a:txBody>
-                  <a:tcPr marL="9525" marR="9525" marT="28575" marB="28575" anchor="ctr"/>
-                </a:tc>
-                <a:tc>
-                  <a:txBody>
-                    <a:bodyPr/>
-                    <a:lstStyle/>
-                    <a:p>
-                      <a:pPr algn="l" rtl="0" fontAlgn="ctr"/>
-                      <a:r>
-                        <a:rPr lang="en-GB" sz="800" u="none" strike="noStrike">
-                          <a:effectLst/>
-                        </a:rPr>
-                        <a:t>Greenland</a:t>
-                      </a:r>
-                      <a:endParaRPr lang="en-GB" sz="800" b="0" i="0" u="none" strike="noStrike">
-                        <a:solidFill>
-                          <a:srgbClr val="000000"/>
-                        </a:solidFill>
-                        <a:effectLst/>
-                        <a:latin typeface="Century Gothic" panose="020B0502020202020204" pitchFamily="34" charset="0"/>
-                      </a:endParaRPr>
-                    </a:p>
-                  </a:txBody>
-                  <a:tcPr marL="9525" marR="9525" marT="9525" marB="0" anchor="ctr"/>
-                </a:tc>
-                <a:tc>
-                  <a:txBody>
-                    <a:bodyPr/>
-                    <a:lstStyle/>
-                    <a:p>
-                      <a:pPr algn="ctr" rtl="0" fontAlgn="ctr"/>
-                      <a:r>
-                        <a:rPr lang="en-DE" sz="800" u="none" strike="noStrike">
-                          <a:effectLst/>
-                        </a:rPr>
-                        <a:t>1</a:t>
-                      </a:r>
-                      <a:endParaRPr lang="en-DE" sz="800" b="0" i="0" u="none" strike="noStrike">
-                        <a:solidFill>
-                          <a:srgbClr val="000000"/>
-                        </a:solidFill>
-                        <a:effectLst/>
-                        <a:latin typeface="Century Gothic" panose="020B0502020202020204" pitchFamily="34" charset="0"/>
-                      </a:endParaRPr>
-                    </a:p>
-                  </a:txBody>
-                  <a:tcPr marL="9525" marR="9525" marT="9525" marB="0" anchor="ctr"/>
-                </a:tc>
-                <a:tc>
-                  <a:txBody>
-                    <a:bodyPr/>
-                    <a:lstStyle/>
-                    <a:p>
-                      <a:pPr algn="ctr" rtl="0" fontAlgn="ctr"/>
-                      <a:r>
-                        <a:rPr lang="en-DE" sz="800" u="none" strike="noStrike">
-                          <a:effectLst/>
-                        </a:rPr>
-                        <a:t>137.66</a:t>
-                      </a:r>
-                      <a:endParaRPr lang="en-DE" sz="800" b="0" i="0" u="none" strike="noStrike">
-                        <a:solidFill>
-                          <a:srgbClr val="000000"/>
-                        </a:solidFill>
-                        <a:effectLst/>
-                        <a:latin typeface="Century Gothic" panose="020B0502020202020204" pitchFamily="34" charset="0"/>
-                      </a:endParaRPr>
-                    </a:p>
-                  </a:txBody>
-                  <a:tcPr marL="9525" marR="9525" marT="9525" marB="0" anchor="ctr"/>
-                </a:tc>
-                <a:extLst>
-                  <a:ext uri="{0D108BD9-81ED-4DB2-BD59-A6C34878D82A}">
-                    <a16:rowId xmlns:a16="http://schemas.microsoft.com/office/drawing/2014/main" val="3911302674"/>
-                  </a:ext>
-                </a:extLst>
-              </a:tr>
-              <a:tr h="203200">
-                <a:tc>
-                  <a:txBody>
-                    <a:bodyPr/>
-                    <a:lstStyle/>
-                    <a:p>
-                      <a:pPr algn="ctr" rtl="0" fontAlgn="ctr"/>
-                      <a:r>
-                        <a:rPr lang="en-DE" sz="800" u="none" strike="noStrike">
-                          <a:effectLst/>
-                        </a:rPr>
-                        <a:t>9</a:t>
-                      </a:r>
-                      <a:endParaRPr lang="en-DE" sz="800" b="0" i="0" u="none" strike="noStrike">
-                        <a:solidFill>
-                          <a:srgbClr val="000000"/>
-                        </a:solidFill>
-                        <a:effectLst/>
-                        <a:latin typeface="Century Gothic" panose="020B0502020202020204" pitchFamily="34" charset="0"/>
-                      </a:endParaRPr>
-                    </a:p>
-                  </a:txBody>
-                  <a:tcPr marL="9525" marR="9525" marT="28575" marB="28575" anchor="ctr"/>
-                </a:tc>
-                <a:tc>
-                  <a:txBody>
-                    <a:bodyPr/>
-                    <a:lstStyle/>
-                    <a:p>
-                      <a:pPr algn="l" rtl="0" fontAlgn="ctr"/>
-                      <a:r>
-                        <a:rPr lang="en-GB" sz="800" u="none" strike="noStrike">
-                          <a:effectLst/>
-                        </a:rPr>
-                        <a:t>Turkmenistan</a:t>
-                      </a:r>
-                      <a:endParaRPr lang="en-GB" sz="800" b="0" i="0" u="none" strike="noStrike">
-                        <a:solidFill>
-                          <a:srgbClr val="000000"/>
-                        </a:solidFill>
-                        <a:effectLst/>
-                        <a:latin typeface="Century Gothic" panose="020B0502020202020204" pitchFamily="34" charset="0"/>
-                      </a:endParaRPr>
-                    </a:p>
-                  </a:txBody>
-                  <a:tcPr marL="9525" marR="9525" marT="9525" marB="0" anchor="ctr"/>
-                </a:tc>
-                <a:tc>
-                  <a:txBody>
-                    <a:bodyPr/>
-                    <a:lstStyle/>
-                    <a:p>
-                      <a:pPr algn="ctr" rtl="0" fontAlgn="ctr"/>
-                      <a:r>
-                        <a:rPr lang="en-DE" sz="800" u="none" strike="noStrike">
-                          <a:effectLst/>
-                        </a:rPr>
-                        <a:t>1</a:t>
-                      </a:r>
-                      <a:endParaRPr lang="en-DE" sz="800" b="0" i="0" u="none" strike="noStrike">
-                        <a:solidFill>
-                          <a:srgbClr val="000000"/>
-                        </a:solidFill>
-                        <a:effectLst/>
-                        <a:latin typeface="Century Gothic" panose="020B0502020202020204" pitchFamily="34" charset="0"/>
-                      </a:endParaRPr>
-                    </a:p>
-                  </a:txBody>
-                  <a:tcPr marL="9525" marR="9525" marT="9525" marB="0" anchor="ctr"/>
-                </a:tc>
-                <a:tc>
-                  <a:txBody>
-                    <a:bodyPr/>
-                    <a:lstStyle/>
-                    <a:p>
-                      <a:pPr algn="ctr" rtl="0" fontAlgn="ctr"/>
-                      <a:r>
-                        <a:rPr lang="en-DE" sz="800" u="none" strike="noStrike">
-                          <a:effectLst/>
-                        </a:rPr>
-                        <a:t>136.73</a:t>
-                      </a:r>
-                      <a:endParaRPr lang="en-DE" sz="800" b="0" i="0" u="none" strike="noStrike">
-                        <a:solidFill>
-                          <a:srgbClr val="000000"/>
-                        </a:solidFill>
-                        <a:effectLst/>
-                        <a:latin typeface="Century Gothic" panose="020B0502020202020204" pitchFamily="34" charset="0"/>
-                      </a:endParaRPr>
-                    </a:p>
-                  </a:txBody>
-                  <a:tcPr marL="9525" marR="9525" marT="9525" marB="0" anchor="ctr"/>
-                </a:tc>
-                <a:extLst>
-                  <a:ext uri="{0D108BD9-81ED-4DB2-BD59-A6C34878D82A}">
-                    <a16:rowId xmlns:a16="http://schemas.microsoft.com/office/drawing/2014/main" val="2980385983"/>
-                  </a:ext>
-                </a:extLst>
-              </a:tr>
-              <a:tr h="203200">
-                <a:tc>
-                  <a:txBody>
-                    <a:bodyPr/>
-                    <a:lstStyle/>
-                    <a:p>
-                      <a:pPr algn="ctr" rtl="0" fontAlgn="ctr"/>
-                      <a:r>
-                        <a:rPr lang="en-DE" sz="800" u="none" strike="noStrike">
-                          <a:effectLst/>
-                        </a:rPr>
-                        <a:t>10</a:t>
-                      </a:r>
-                      <a:endParaRPr lang="en-DE" sz="800" b="0" i="0" u="none" strike="noStrike">
-                        <a:solidFill>
-                          <a:srgbClr val="000000"/>
-                        </a:solidFill>
-                        <a:effectLst/>
-                        <a:latin typeface="Century Gothic" panose="020B0502020202020204" pitchFamily="34" charset="0"/>
-                      </a:endParaRPr>
-                    </a:p>
-                  </a:txBody>
-                  <a:tcPr marL="9525" marR="9525" marT="28575" marB="28575" anchor="ctr"/>
-                </a:tc>
-                <a:tc>
-                  <a:txBody>
-                    <a:bodyPr/>
-                    <a:lstStyle/>
-                    <a:p>
-                      <a:pPr algn="l" rtl="0" fontAlgn="ctr"/>
-                      <a:r>
-                        <a:rPr lang="en-GB" sz="800" u="none" strike="noStrike" dirty="0">
-                          <a:effectLst/>
-                        </a:rPr>
-                        <a:t>Chad</a:t>
-                      </a:r>
-                      <a:endParaRPr lang="en-GB" sz="800" b="0" i="0" u="none" strike="noStrike" dirty="0">
-                        <a:solidFill>
-                          <a:srgbClr val="000000"/>
-                        </a:solidFill>
-                        <a:effectLst/>
-                        <a:latin typeface="Century Gothic" panose="020B0502020202020204" pitchFamily="34" charset="0"/>
-                      </a:endParaRPr>
-                    </a:p>
-                  </a:txBody>
-                  <a:tcPr marL="9525" marR="9525" marT="9525" marB="0" anchor="ctr"/>
-                </a:tc>
-                <a:tc>
-                  <a:txBody>
-                    <a:bodyPr/>
-                    <a:lstStyle/>
-                    <a:p>
-                      <a:pPr algn="ctr" rtl="0" fontAlgn="ctr"/>
-                      <a:r>
-                        <a:rPr lang="en-DE" sz="800" u="none" strike="noStrike">
-                          <a:effectLst/>
-                        </a:rPr>
-                        <a:t>1</a:t>
-                      </a:r>
-                      <a:endParaRPr lang="en-DE" sz="800" b="0" i="0" u="none" strike="noStrike">
-                        <a:solidFill>
-                          <a:srgbClr val="000000"/>
-                        </a:solidFill>
-                        <a:effectLst/>
-                        <a:latin typeface="Century Gothic" panose="020B0502020202020204" pitchFamily="34" charset="0"/>
-                      </a:endParaRPr>
-                    </a:p>
-                  </a:txBody>
-                  <a:tcPr marL="9525" marR="9525" marT="9525" marB="0" anchor="ctr"/>
-                </a:tc>
-                <a:tc>
-                  <a:txBody>
-                    <a:bodyPr/>
-                    <a:lstStyle/>
-                    <a:p>
-                      <a:pPr algn="ctr" rtl="0" fontAlgn="ctr"/>
-                      <a:r>
-                        <a:rPr lang="en-DE" sz="800" u="none" strike="noStrike" dirty="0">
-                          <a:effectLst/>
-                        </a:rPr>
-                        <a:t>135.68</a:t>
-                      </a:r>
-                      <a:endParaRPr lang="en-DE" sz="800" b="0" i="0" u="none" strike="noStrike" dirty="0">
-                        <a:solidFill>
-                          <a:srgbClr val="000000"/>
-                        </a:solidFill>
-                        <a:effectLst/>
-                        <a:latin typeface="Century Gothic" panose="020B0502020202020204" pitchFamily="34" charset="0"/>
-                      </a:endParaRPr>
-                    </a:p>
-                  </a:txBody>
-                  <a:tcPr marL="9525" marR="9525" marT="9525" marB="0" anchor="ctr"/>
-                </a:tc>
-                <a:extLst>
-                  <a:ext uri="{0D108BD9-81ED-4DB2-BD59-A6C34878D82A}">
-                    <a16:rowId xmlns:a16="http://schemas.microsoft.com/office/drawing/2014/main" val="2363364485"/>
-                  </a:ext>
-                </a:extLst>
-              </a:tr>
-            </a:tbl>
-          </a:graphicData>
-        </a:graphic>
-      </p:graphicFrame>
       <p:sp>
         <p:nvSpPr>
           <p:cNvPr id="19" name="TextBox 18">
@@ -31602,7 +29384,7 @@
         <p:spPr>
           <a:xfrm>
             <a:off x="2352912" y="6213076"/>
-            <a:ext cx="3747822" cy="307777"/>
+            <a:ext cx="3747822" cy="830997"/>
           </a:xfrm>
           <a:prstGeom prst="rect">
             <a:avLst/>
@@ -31622,16 +29404,2684 @@
           </a:bodyPr>
           <a:lstStyle/>
           <a:p>
-            <a:endParaRPr lang="en-GB" sz="1400" dirty="0">
-              <a:solidFill>
-                <a:srgbClr val="0E2741"/>
-              </a:solidFill>
-              <a:latin typeface="+mj-lt"/>
-              <a:ea typeface="Heiti SC Medium" pitchFamily="2" charset="-128"/>
-            </a:endParaRPr>
+            <a:r>
+              <a:rPr lang="en-GB" sz="1200" dirty="0">
+                <a:solidFill>
+                  <a:srgbClr val="0E2741"/>
+                </a:solidFill>
+                <a:latin typeface="Heiti SC Medium" pitchFamily="2" charset="-128"/>
+                <a:ea typeface="Heiti SC Medium" pitchFamily="2" charset="-128"/>
+              </a:rPr>
+              <a:t>While large markets like India, China and the United States lead in total revenue due to high customer numbers, the highest customer lifetime values are seen in </a:t>
+            </a:r>
           </a:p>
         </p:txBody>
       </p:sp>
+      <p:graphicFrame>
+        <p:nvGraphicFramePr>
+          <p:cNvPr id="23" name="Table 22">
+            <a:extLst>
+              <a:ext uri="{FF2B5EF4-FFF2-40B4-BE49-F238E27FC236}">
+                <a16:creationId xmlns:a16="http://schemas.microsoft.com/office/drawing/2014/main" id="{C7C9A8CB-F56B-F125-C287-4A4FAAEDFAED}"/>
+              </a:ext>
+            </a:extLst>
+          </p:cNvPr>
+          <p:cNvGraphicFramePr>
+            <a:graphicFrameLocks noGrp="1"/>
+          </p:cNvGraphicFramePr>
+          <p:nvPr>
+            <p:extLst>
+              <p:ext uri="{D42A27DB-BD31-4B8C-83A1-F6EECF244321}">
+                <p14:modId xmlns:p14="http://schemas.microsoft.com/office/powerpoint/2010/main" val="1728399919"/>
+              </p:ext>
+            </p:extLst>
+          </p:nvPr>
+        </p:nvGraphicFramePr>
+        <p:xfrm>
+          <a:off x="7075035" y="3760786"/>
+          <a:ext cx="4699405" cy="2733281"/>
+        </p:xfrm>
+        <a:graphic>
+          <a:graphicData uri="http://schemas.openxmlformats.org/drawingml/2006/table">
+            <a:tbl>
+              <a:tblPr firstRow="1" bandRow="1">
+                <a:tableStyleId>{5C22544A-7EE6-4342-B048-85BDC9FD1C3A}</a:tableStyleId>
+              </a:tblPr>
+              <a:tblGrid>
+                <a:gridCol w="546710">
+                  <a:extLst>
+                    <a:ext uri="{9D8B030D-6E8A-4147-A177-3AD203B41FA5}">
+                      <a16:colId xmlns:a16="http://schemas.microsoft.com/office/drawing/2014/main" val="4168617137"/>
+                    </a:ext>
+                  </a:extLst>
+                </a:gridCol>
+                <a:gridCol w="1218109">
+                  <a:extLst>
+                    <a:ext uri="{9D8B030D-6E8A-4147-A177-3AD203B41FA5}">
+                      <a16:colId xmlns:a16="http://schemas.microsoft.com/office/drawing/2014/main" val="2337908303"/>
+                    </a:ext>
+                  </a:extLst>
+                </a:gridCol>
+                <a:gridCol w="978195">
+                  <a:extLst>
+                    <a:ext uri="{9D8B030D-6E8A-4147-A177-3AD203B41FA5}">
+                      <a16:colId xmlns:a16="http://schemas.microsoft.com/office/drawing/2014/main" val="3770560960"/>
+                    </a:ext>
+                  </a:extLst>
+                </a:gridCol>
+                <a:gridCol w="988828">
+                  <a:extLst>
+                    <a:ext uri="{9D8B030D-6E8A-4147-A177-3AD203B41FA5}">
+                      <a16:colId xmlns:a16="http://schemas.microsoft.com/office/drawing/2014/main" val="3071822694"/>
+                    </a:ext>
+                  </a:extLst>
+                </a:gridCol>
+                <a:gridCol w="967563">
+                  <a:extLst>
+                    <a:ext uri="{9D8B030D-6E8A-4147-A177-3AD203B41FA5}">
+                      <a16:colId xmlns:a16="http://schemas.microsoft.com/office/drawing/2014/main" val="2699353612"/>
+                    </a:ext>
+                  </a:extLst>
+                </a:gridCol>
+              </a:tblGrid>
+              <a:tr h="401007">
+                <a:tc>
+                  <a:txBody>
+                    <a:bodyPr/>
+                    <a:lstStyle/>
+                    <a:p>
+                      <a:pPr algn="ctr" rtl="0" fontAlgn="t"/>
+                      <a:r>
+                        <a:rPr lang="en-GB" sz="1000" u="none" strike="noStrike">
+                          <a:effectLst/>
+                        </a:rPr>
+                        <a:t>Rank</a:t>
+                      </a:r>
+                      <a:endParaRPr lang="en-GB" sz="1000" b="1" i="0" u="none" strike="noStrike">
+                        <a:solidFill>
+                          <a:srgbClr val="FFFFFF"/>
+                        </a:solidFill>
+                        <a:effectLst/>
+                        <a:latin typeface="Heiti SC Medium" pitchFamily="2" charset="-128"/>
+                        <a:ea typeface="Heiti SC Medium" pitchFamily="2" charset="-128"/>
+                      </a:endParaRPr>
+                    </a:p>
+                  </a:txBody>
+                  <a:tcPr marL="9525" marR="9525" marT="9525" marB="0"/>
+                </a:tc>
+                <a:tc>
+                  <a:txBody>
+                    <a:bodyPr/>
+                    <a:lstStyle/>
+                    <a:p>
+                      <a:pPr algn="ctr" rtl="0" fontAlgn="t"/>
+                      <a:r>
+                        <a:rPr lang="en-GB" sz="1000" u="none" strike="noStrike" dirty="0">
+                          <a:effectLst/>
+                        </a:rPr>
+                        <a:t>Top 10 Countries (CLV)</a:t>
+                      </a:r>
+                      <a:endParaRPr lang="en-GB" sz="1000" b="1" i="0" u="none" strike="noStrike" dirty="0">
+                        <a:solidFill>
+                          <a:srgbClr val="FFFFFF"/>
+                        </a:solidFill>
+                        <a:effectLst/>
+                        <a:latin typeface="Heiti SC Medium" pitchFamily="2" charset="-128"/>
+                        <a:ea typeface="Heiti SC Medium" pitchFamily="2" charset="-128"/>
+                      </a:endParaRPr>
+                    </a:p>
+                  </a:txBody>
+                  <a:tcPr marL="9525" marR="9525" marT="9525" marB="0"/>
+                </a:tc>
+                <a:tc>
+                  <a:txBody>
+                    <a:bodyPr/>
+                    <a:lstStyle/>
+                    <a:p>
+                      <a:pPr algn="ctr" rtl="0" fontAlgn="t"/>
+                      <a:r>
+                        <a:rPr lang="en-GB" sz="1000" u="none" strike="noStrike" dirty="0">
+                          <a:effectLst/>
+                        </a:rPr>
+                        <a:t>No of Customers</a:t>
+                      </a:r>
+                      <a:endParaRPr lang="en-GB" sz="1000" b="1" i="0" u="none" strike="noStrike" dirty="0">
+                        <a:solidFill>
+                          <a:srgbClr val="FFFFFF"/>
+                        </a:solidFill>
+                        <a:effectLst/>
+                        <a:latin typeface="Heiti SC Medium" pitchFamily="2" charset="-128"/>
+                        <a:ea typeface="Heiti SC Medium" pitchFamily="2" charset="-128"/>
+                      </a:endParaRPr>
+                    </a:p>
+                  </a:txBody>
+                  <a:tcPr marL="9525" marR="9525" marT="9525" marB="0"/>
+                </a:tc>
+                <a:tc>
+                  <a:txBody>
+                    <a:bodyPr/>
+                    <a:lstStyle/>
+                    <a:p>
+                      <a:pPr algn="ctr" rtl="0" fontAlgn="t"/>
+                      <a:r>
+                        <a:rPr lang="en-GB" sz="1000" u="none" strike="noStrike">
+                          <a:effectLst/>
+                        </a:rPr>
+                        <a:t>Total Revenue</a:t>
+                      </a:r>
+                      <a:endParaRPr lang="en-GB" sz="1000" b="1" i="0" u="none" strike="noStrike">
+                        <a:solidFill>
+                          <a:srgbClr val="FFFFFF"/>
+                        </a:solidFill>
+                        <a:effectLst/>
+                        <a:latin typeface="Heiti SC Medium" pitchFamily="2" charset="-128"/>
+                        <a:ea typeface="Heiti SC Medium" pitchFamily="2" charset="-128"/>
+                      </a:endParaRPr>
+                    </a:p>
+                  </a:txBody>
+                  <a:tcPr marL="9525" marR="9525" marT="9525" marB="0"/>
+                </a:tc>
+                <a:tc>
+                  <a:txBody>
+                    <a:bodyPr/>
+                    <a:lstStyle/>
+                    <a:p>
+                      <a:pPr algn="ctr" rtl="0" fontAlgn="t"/>
+                      <a:r>
+                        <a:rPr lang="en-GB" sz="1000" u="none" strike="noStrike" dirty="0">
+                          <a:effectLst/>
+                        </a:rPr>
+                        <a:t>Average CLV</a:t>
+                      </a:r>
+                      <a:endParaRPr lang="en-GB" sz="1000" b="1" i="0" u="none" strike="noStrike" dirty="0">
+                        <a:solidFill>
+                          <a:srgbClr val="FFFFFF"/>
+                        </a:solidFill>
+                        <a:effectLst/>
+                        <a:latin typeface="Heiti SC Medium" pitchFamily="2" charset="-128"/>
+                        <a:ea typeface="Heiti SC Medium" pitchFamily="2" charset="-128"/>
+                      </a:endParaRPr>
+                    </a:p>
+                  </a:txBody>
+                  <a:tcPr marL="9525" marR="9525" marT="9525" marB="0"/>
+                </a:tc>
+                <a:extLst>
+                  <a:ext uri="{0D108BD9-81ED-4DB2-BD59-A6C34878D82A}">
+                    <a16:rowId xmlns:a16="http://schemas.microsoft.com/office/drawing/2014/main" val="3148939714"/>
+                  </a:ext>
+                </a:extLst>
+              </a:tr>
+              <a:tr h="228600">
+                <a:tc>
+                  <a:txBody>
+                    <a:bodyPr/>
+                    <a:lstStyle/>
+                    <a:p>
+                      <a:pPr algn="ctr" rtl="0" fontAlgn="ctr"/>
+                      <a:r>
+                        <a:rPr lang="en-DE" sz="1000" u="none" strike="noStrike">
+                          <a:effectLst/>
+                        </a:rPr>
+                        <a:t>1</a:t>
+                      </a:r>
+                      <a:endParaRPr lang="en-DE" sz="1000" b="0" i="0" u="none" strike="noStrike">
+                        <a:solidFill>
+                          <a:srgbClr val="000000"/>
+                        </a:solidFill>
+                        <a:effectLst/>
+                        <a:latin typeface="Heiti SC Medium" pitchFamily="2" charset="-128"/>
+                        <a:ea typeface="Heiti SC Medium" pitchFamily="2" charset="-128"/>
+                      </a:endParaRPr>
+                    </a:p>
+                  </a:txBody>
+                  <a:tcPr marL="9525" marR="9525" marT="9525" marB="0" anchor="ctr"/>
+                </a:tc>
+                <a:tc>
+                  <a:txBody>
+                    <a:bodyPr/>
+                    <a:lstStyle/>
+                    <a:p>
+                      <a:pPr algn="l" rtl="0" fontAlgn="ctr"/>
+                      <a:r>
+                        <a:rPr lang="en-GB" sz="1000" u="none" strike="noStrike">
+                          <a:effectLst/>
+                        </a:rPr>
+                        <a:t>Réunion</a:t>
+                      </a:r>
+                      <a:endParaRPr lang="en-GB" sz="1000" b="0" i="0" u="none" strike="noStrike">
+                        <a:solidFill>
+                          <a:srgbClr val="000000"/>
+                        </a:solidFill>
+                        <a:effectLst/>
+                        <a:latin typeface="Heiti SC Medium" pitchFamily="2" charset="-128"/>
+                        <a:ea typeface="Heiti SC Medium" pitchFamily="2" charset="-128"/>
+                      </a:endParaRPr>
+                    </a:p>
+                  </a:txBody>
+                  <a:tcPr marL="9525" marR="9525" marT="9525" marB="0" anchor="ctr"/>
+                </a:tc>
+                <a:tc>
+                  <a:txBody>
+                    <a:bodyPr/>
+                    <a:lstStyle/>
+                    <a:p>
+                      <a:pPr algn="ctr" rtl="0" fontAlgn="ctr"/>
+                      <a:r>
+                        <a:rPr lang="en-DE" sz="1000" u="none" strike="noStrike" dirty="0">
+                          <a:effectLst/>
+                        </a:rPr>
+                        <a:t>1</a:t>
+                      </a:r>
+                      <a:endParaRPr lang="en-DE" sz="1000" b="0" i="0" u="none" strike="noStrike" dirty="0">
+                        <a:solidFill>
+                          <a:srgbClr val="000000"/>
+                        </a:solidFill>
+                        <a:effectLst/>
+                        <a:latin typeface="Heiti SC Medium" pitchFamily="2" charset="-128"/>
+                        <a:ea typeface="Heiti SC Medium" pitchFamily="2" charset="-128"/>
+                      </a:endParaRPr>
+                    </a:p>
+                  </a:txBody>
+                  <a:tcPr marL="9525" marR="9525" marT="9525" marB="0" anchor="ctr"/>
+                </a:tc>
+                <a:tc>
+                  <a:txBody>
+                    <a:bodyPr/>
+                    <a:lstStyle/>
+                    <a:p>
+                      <a:pPr algn="ctr" rtl="0" fontAlgn="ctr"/>
+                      <a:r>
+                        <a:rPr lang="en-DE" sz="1000" u="none" strike="noStrike">
+                          <a:effectLst/>
+                        </a:rPr>
+                        <a:t>216,54</a:t>
+                      </a:r>
+                      <a:endParaRPr lang="en-DE" sz="1000" b="0" i="0" u="none" strike="noStrike">
+                        <a:solidFill>
+                          <a:srgbClr val="000000"/>
+                        </a:solidFill>
+                        <a:effectLst/>
+                        <a:latin typeface="Heiti SC Medium" pitchFamily="2" charset="-128"/>
+                        <a:ea typeface="Heiti SC Medium" pitchFamily="2" charset="-128"/>
+                      </a:endParaRPr>
+                    </a:p>
+                  </a:txBody>
+                  <a:tcPr marL="9525" marR="9525" marT="9525" marB="0" anchor="ctr"/>
+                </a:tc>
+                <a:tc>
+                  <a:txBody>
+                    <a:bodyPr/>
+                    <a:lstStyle/>
+                    <a:p>
+                      <a:pPr algn="ctr" rtl="0" fontAlgn="ctr"/>
+                      <a:r>
+                        <a:rPr lang="en-DE" sz="1000" u="none" strike="noStrike">
+                          <a:effectLst/>
+                        </a:rPr>
+                        <a:t>216,54</a:t>
+                      </a:r>
+                      <a:endParaRPr lang="en-DE" sz="1000" b="0" i="0" u="none" strike="noStrike">
+                        <a:solidFill>
+                          <a:srgbClr val="000000"/>
+                        </a:solidFill>
+                        <a:effectLst/>
+                        <a:latin typeface="Heiti SC Medium" pitchFamily="2" charset="-128"/>
+                        <a:ea typeface="Heiti SC Medium" pitchFamily="2" charset="-128"/>
+                      </a:endParaRPr>
+                    </a:p>
+                  </a:txBody>
+                  <a:tcPr marL="9525" marR="9525" marT="9525" marB="0" anchor="ctr"/>
+                </a:tc>
+                <a:extLst>
+                  <a:ext uri="{0D108BD9-81ED-4DB2-BD59-A6C34878D82A}">
+                    <a16:rowId xmlns:a16="http://schemas.microsoft.com/office/drawing/2014/main" val="2927710495"/>
+                  </a:ext>
+                </a:extLst>
+              </a:tr>
+              <a:tr h="274874">
+                <a:tc>
+                  <a:txBody>
+                    <a:bodyPr/>
+                    <a:lstStyle/>
+                    <a:p>
+                      <a:pPr algn="ctr" rtl="0" fontAlgn="ctr"/>
+                      <a:r>
+                        <a:rPr lang="en-DE" sz="1000" u="none" strike="noStrike">
+                          <a:effectLst/>
+                        </a:rPr>
+                        <a:t>2</a:t>
+                      </a:r>
+                      <a:endParaRPr lang="en-DE" sz="1000" b="0" i="0" u="none" strike="noStrike">
+                        <a:solidFill>
+                          <a:srgbClr val="000000"/>
+                        </a:solidFill>
+                        <a:effectLst/>
+                        <a:latin typeface="Heiti SC Medium" pitchFamily="2" charset="-128"/>
+                        <a:ea typeface="Heiti SC Medium" pitchFamily="2" charset="-128"/>
+                      </a:endParaRPr>
+                    </a:p>
+                  </a:txBody>
+                  <a:tcPr marL="9525" marR="9525" marT="9525" marB="0" anchor="ctr"/>
+                </a:tc>
+                <a:tc>
+                  <a:txBody>
+                    <a:bodyPr/>
+                    <a:lstStyle/>
+                    <a:p>
+                      <a:pPr algn="l" rtl="0" fontAlgn="ctr"/>
+                      <a:r>
+                        <a:rPr lang="en-GB" sz="1000" u="none" strike="noStrike">
+                          <a:effectLst/>
+                        </a:rPr>
+                        <a:t>Vatican City</a:t>
+                      </a:r>
+                      <a:endParaRPr lang="en-GB" sz="1000" b="0" i="0" u="none" strike="noStrike">
+                        <a:solidFill>
+                          <a:srgbClr val="000000"/>
+                        </a:solidFill>
+                        <a:effectLst/>
+                        <a:latin typeface="Heiti SC Medium" pitchFamily="2" charset="-128"/>
+                        <a:ea typeface="Heiti SC Medium" pitchFamily="2" charset="-128"/>
+                      </a:endParaRPr>
+                    </a:p>
+                  </a:txBody>
+                  <a:tcPr marL="9525" marR="9525" marT="9525" marB="0" anchor="ctr"/>
+                </a:tc>
+                <a:tc>
+                  <a:txBody>
+                    <a:bodyPr/>
+                    <a:lstStyle/>
+                    <a:p>
+                      <a:pPr algn="ctr" rtl="0" fontAlgn="ctr"/>
+                      <a:r>
+                        <a:rPr lang="en-DE" sz="1000" u="none" strike="noStrike">
+                          <a:effectLst/>
+                        </a:rPr>
+                        <a:t>1</a:t>
+                      </a:r>
+                      <a:endParaRPr lang="en-DE" sz="1000" b="0" i="0" u="none" strike="noStrike">
+                        <a:solidFill>
+                          <a:srgbClr val="000000"/>
+                        </a:solidFill>
+                        <a:effectLst/>
+                        <a:latin typeface="Heiti SC Medium" pitchFamily="2" charset="-128"/>
+                        <a:ea typeface="Heiti SC Medium" pitchFamily="2" charset="-128"/>
+                      </a:endParaRPr>
+                    </a:p>
+                  </a:txBody>
+                  <a:tcPr marL="9525" marR="9525" marT="9525" marB="0" anchor="ctr"/>
+                </a:tc>
+                <a:tc>
+                  <a:txBody>
+                    <a:bodyPr/>
+                    <a:lstStyle/>
+                    <a:p>
+                      <a:pPr algn="ctr" rtl="0" fontAlgn="ctr"/>
+                      <a:r>
+                        <a:rPr lang="en-DE" sz="1000" u="none" strike="noStrike">
+                          <a:effectLst/>
+                        </a:rPr>
+                        <a:t>152,66</a:t>
+                      </a:r>
+                      <a:endParaRPr lang="en-DE" sz="1000" b="0" i="0" u="none" strike="noStrike">
+                        <a:solidFill>
+                          <a:srgbClr val="000000"/>
+                        </a:solidFill>
+                        <a:effectLst/>
+                        <a:latin typeface="Heiti SC Medium" pitchFamily="2" charset="-128"/>
+                        <a:ea typeface="Heiti SC Medium" pitchFamily="2" charset="-128"/>
+                      </a:endParaRPr>
+                    </a:p>
+                  </a:txBody>
+                  <a:tcPr marL="9525" marR="9525" marT="9525" marB="0" anchor="ctr"/>
+                </a:tc>
+                <a:tc>
+                  <a:txBody>
+                    <a:bodyPr/>
+                    <a:lstStyle/>
+                    <a:p>
+                      <a:pPr algn="ctr" rtl="0" fontAlgn="ctr"/>
+                      <a:r>
+                        <a:rPr lang="en-DE" sz="1000" u="none" strike="noStrike" dirty="0">
+                          <a:effectLst/>
+                        </a:rPr>
+                        <a:t>152,66</a:t>
+                      </a:r>
+                      <a:endParaRPr lang="en-DE" sz="1000" b="0" i="0" u="none" strike="noStrike" dirty="0">
+                        <a:solidFill>
+                          <a:srgbClr val="000000"/>
+                        </a:solidFill>
+                        <a:effectLst/>
+                        <a:latin typeface="Heiti SC Medium" pitchFamily="2" charset="-128"/>
+                        <a:ea typeface="Heiti SC Medium" pitchFamily="2" charset="-128"/>
+                      </a:endParaRPr>
+                    </a:p>
+                  </a:txBody>
+                  <a:tcPr marL="9525" marR="9525" marT="9525" marB="0" anchor="ctr"/>
+                </a:tc>
+                <a:extLst>
+                  <a:ext uri="{0D108BD9-81ED-4DB2-BD59-A6C34878D82A}">
+                    <a16:rowId xmlns:a16="http://schemas.microsoft.com/office/drawing/2014/main" val="2023577673"/>
+                  </a:ext>
+                </a:extLst>
+              </a:tr>
+              <a:tr h="228600">
+                <a:tc>
+                  <a:txBody>
+                    <a:bodyPr/>
+                    <a:lstStyle/>
+                    <a:p>
+                      <a:pPr algn="ctr" rtl="0" fontAlgn="ctr"/>
+                      <a:r>
+                        <a:rPr lang="en-DE" sz="1000" u="none" strike="noStrike">
+                          <a:effectLst/>
+                        </a:rPr>
+                        <a:t>3</a:t>
+                      </a:r>
+                      <a:endParaRPr lang="en-DE" sz="1000" b="0" i="0" u="none" strike="noStrike">
+                        <a:solidFill>
+                          <a:srgbClr val="000000"/>
+                        </a:solidFill>
+                        <a:effectLst/>
+                        <a:latin typeface="Heiti SC Medium" pitchFamily="2" charset="-128"/>
+                        <a:ea typeface="Heiti SC Medium" pitchFamily="2" charset="-128"/>
+                      </a:endParaRPr>
+                    </a:p>
+                  </a:txBody>
+                  <a:tcPr marL="9525" marR="9525" marT="9525" marB="0" anchor="ctr"/>
+                </a:tc>
+                <a:tc>
+                  <a:txBody>
+                    <a:bodyPr/>
+                    <a:lstStyle/>
+                    <a:p>
+                      <a:pPr algn="l" rtl="0" fontAlgn="ctr"/>
+                      <a:r>
+                        <a:rPr lang="en-GB" sz="1000" u="none" strike="noStrike">
+                          <a:effectLst/>
+                        </a:rPr>
+                        <a:t>Nauru</a:t>
+                      </a:r>
+                      <a:endParaRPr lang="en-GB" sz="1000" b="0" i="0" u="none" strike="noStrike">
+                        <a:solidFill>
+                          <a:srgbClr val="000000"/>
+                        </a:solidFill>
+                        <a:effectLst/>
+                        <a:latin typeface="Heiti SC Medium" pitchFamily="2" charset="-128"/>
+                        <a:ea typeface="Heiti SC Medium" pitchFamily="2" charset="-128"/>
+                      </a:endParaRPr>
+                    </a:p>
+                  </a:txBody>
+                  <a:tcPr marL="9525" marR="9525" marT="9525" marB="0" anchor="ctr"/>
+                </a:tc>
+                <a:tc>
+                  <a:txBody>
+                    <a:bodyPr/>
+                    <a:lstStyle/>
+                    <a:p>
+                      <a:pPr algn="ctr" rtl="0" fontAlgn="ctr"/>
+                      <a:r>
+                        <a:rPr lang="en-DE" sz="1000" u="none" strike="noStrike">
+                          <a:effectLst/>
+                        </a:rPr>
+                        <a:t>1</a:t>
+                      </a:r>
+                      <a:endParaRPr lang="en-DE" sz="1000" b="0" i="0" u="none" strike="noStrike">
+                        <a:solidFill>
+                          <a:srgbClr val="000000"/>
+                        </a:solidFill>
+                        <a:effectLst/>
+                        <a:latin typeface="Heiti SC Medium" pitchFamily="2" charset="-128"/>
+                        <a:ea typeface="Heiti SC Medium" pitchFamily="2" charset="-128"/>
+                      </a:endParaRPr>
+                    </a:p>
+                  </a:txBody>
+                  <a:tcPr marL="9525" marR="9525" marT="9525" marB="0" anchor="ctr"/>
+                </a:tc>
+                <a:tc>
+                  <a:txBody>
+                    <a:bodyPr/>
+                    <a:lstStyle/>
+                    <a:p>
+                      <a:pPr algn="ctr" rtl="0" fontAlgn="ctr"/>
+                      <a:r>
+                        <a:rPr lang="en-DE" sz="1000" u="none" strike="noStrike" dirty="0">
+                          <a:effectLst/>
+                        </a:rPr>
+                        <a:t>148,69</a:t>
+                      </a:r>
+                      <a:endParaRPr lang="en-DE" sz="1000" b="0" i="0" u="none" strike="noStrike" dirty="0">
+                        <a:solidFill>
+                          <a:srgbClr val="000000"/>
+                        </a:solidFill>
+                        <a:effectLst/>
+                        <a:latin typeface="Heiti SC Medium" pitchFamily="2" charset="-128"/>
+                        <a:ea typeface="Heiti SC Medium" pitchFamily="2" charset="-128"/>
+                      </a:endParaRPr>
+                    </a:p>
+                  </a:txBody>
+                  <a:tcPr marL="9525" marR="9525" marT="9525" marB="0" anchor="ctr"/>
+                </a:tc>
+                <a:tc>
+                  <a:txBody>
+                    <a:bodyPr/>
+                    <a:lstStyle/>
+                    <a:p>
+                      <a:pPr algn="ctr" rtl="0" fontAlgn="ctr"/>
+                      <a:r>
+                        <a:rPr lang="en-DE" sz="1000" u="none" strike="noStrike">
+                          <a:effectLst/>
+                        </a:rPr>
+                        <a:t>148,69</a:t>
+                      </a:r>
+                      <a:endParaRPr lang="en-DE" sz="1000" b="0" i="0" u="none" strike="noStrike">
+                        <a:solidFill>
+                          <a:srgbClr val="000000"/>
+                        </a:solidFill>
+                        <a:effectLst/>
+                        <a:latin typeface="Heiti SC Medium" pitchFamily="2" charset="-128"/>
+                        <a:ea typeface="Heiti SC Medium" pitchFamily="2" charset="-128"/>
+                      </a:endParaRPr>
+                    </a:p>
+                  </a:txBody>
+                  <a:tcPr marL="9525" marR="9525" marT="9525" marB="0" anchor="ctr"/>
+                </a:tc>
+                <a:extLst>
+                  <a:ext uri="{0D108BD9-81ED-4DB2-BD59-A6C34878D82A}">
+                    <a16:rowId xmlns:a16="http://schemas.microsoft.com/office/drawing/2014/main" val="965612380"/>
+                  </a:ext>
+                </a:extLst>
+              </a:tr>
+              <a:tr h="228600">
+                <a:tc>
+                  <a:txBody>
+                    <a:bodyPr/>
+                    <a:lstStyle/>
+                    <a:p>
+                      <a:pPr algn="ctr" rtl="0" fontAlgn="ctr"/>
+                      <a:r>
+                        <a:rPr lang="en-DE" sz="1000" u="none" strike="noStrike">
+                          <a:effectLst/>
+                        </a:rPr>
+                        <a:t>4</a:t>
+                      </a:r>
+                      <a:endParaRPr lang="en-DE" sz="1000" b="0" i="0" u="none" strike="noStrike">
+                        <a:solidFill>
+                          <a:srgbClr val="000000"/>
+                        </a:solidFill>
+                        <a:effectLst/>
+                        <a:latin typeface="Heiti SC Medium" pitchFamily="2" charset="-128"/>
+                        <a:ea typeface="Heiti SC Medium" pitchFamily="2" charset="-128"/>
+                      </a:endParaRPr>
+                    </a:p>
+                  </a:txBody>
+                  <a:tcPr marL="9525" marR="9525" marT="9525" marB="0" anchor="ctr"/>
+                </a:tc>
+                <a:tc>
+                  <a:txBody>
+                    <a:bodyPr/>
+                    <a:lstStyle/>
+                    <a:p>
+                      <a:pPr algn="l" rtl="0" fontAlgn="ctr"/>
+                      <a:r>
+                        <a:rPr lang="en-GB" sz="1000" u="none" strike="noStrike" dirty="0">
+                          <a:effectLst/>
+                        </a:rPr>
+                        <a:t>Sweden</a:t>
+                      </a:r>
+                      <a:endParaRPr lang="en-GB" sz="1000" b="0" i="0" u="none" strike="noStrike" dirty="0">
+                        <a:solidFill>
+                          <a:srgbClr val="000000"/>
+                        </a:solidFill>
+                        <a:effectLst/>
+                        <a:latin typeface="Heiti SC Medium" pitchFamily="2" charset="-128"/>
+                        <a:ea typeface="Heiti SC Medium" pitchFamily="2" charset="-128"/>
+                      </a:endParaRPr>
+                    </a:p>
+                  </a:txBody>
+                  <a:tcPr marL="9525" marR="9525" marT="9525" marB="0" anchor="ctr"/>
+                </a:tc>
+                <a:tc>
+                  <a:txBody>
+                    <a:bodyPr/>
+                    <a:lstStyle/>
+                    <a:p>
+                      <a:pPr algn="ctr" rtl="0" fontAlgn="ctr"/>
+                      <a:r>
+                        <a:rPr lang="en-DE" sz="1000" u="none" strike="noStrike">
+                          <a:effectLst/>
+                        </a:rPr>
+                        <a:t>1</a:t>
+                      </a:r>
+                      <a:endParaRPr lang="en-DE" sz="1000" b="0" i="0" u="none" strike="noStrike">
+                        <a:solidFill>
+                          <a:srgbClr val="000000"/>
+                        </a:solidFill>
+                        <a:effectLst/>
+                        <a:latin typeface="Heiti SC Medium" pitchFamily="2" charset="-128"/>
+                        <a:ea typeface="Heiti SC Medium" pitchFamily="2" charset="-128"/>
+                      </a:endParaRPr>
+                    </a:p>
+                  </a:txBody>
+                  <a:tcPr marL="9525" marR="9525" marT="9525" marB="0" anchor="ctr"/>
+                </a:tc>
+                <a:tc>
+                  <a:txBody>
+                    <a:bodyPr/>
+                    <a:lstStyle/>
+                    <a:p>
+                      <a:pPr algn="ctr" rtl="0" fontAlgn="ctr"/>
+                      <a:r>
+                        <a:rPr lang="en-DE" sz="1000" u="none" strike="noStrike" dirty="0">
+                          <a:effectLst/>
+                        </a:rPr>
+                        <a:t>144,66</a:t>
+                      </a:r>
+                      <a:endParaRPr lang="en-DE" sz="1000" b="0" i="0" u="none" strike="noStrike" dirty="0">
+                        <a:solidFill>
+                          <a:srgbClr val="000000"/>
+                        </a:solidFill>
+                        <a:effectLst/>
+                        <a:latin typeface="Heiti SC Medium" pitchFamily="2" charset="-128"/>
+                        <a:ea typeface="Heiti SC Medium" pitchFamily="2" charset="-128"/>
+                      </a:endParaRPr>
+                    </a:p>
+                  </a:txBody>
+                  <a:tcPr marL="9525" marR="9525" marT="9525" marB="0" anchor="ctr"/>
+                </a:tc>
+                <a:tc>
+                  <a:txBody>
+                    <a:bodyPr/>
+                    <a:lstStyle/>
+                    <a:p>
+                      <a:pPr algn="ctr" rtl="0" fontAlgn="ctr"/>
+                      <a:r>
+                        <a:rPr lang="en-DE" sz="1000" u="none" strike="noStrike">
+                          <a:effectLst/>
+                        </a:rPr>
+                        <a:t>144,66</a:t>
+                      </a:r>
+                      <a:endParaRPr lang="en-DE" sz="1000" b="0" i="0" u="none" strike="noStrike">
+                        <a:solidFill>
+                          <a:srgbClr val="000000"/>
+                        </a:solidFill>
+                        <a:effectLst/>
+                        <a:latin typeface="Heiti SC Medium" pitchFamily="2" charset="-128"/>
+                        <a:ea typeface="Heiti SC Medium" pitchFamily="2" charset="-128"/>
+                      </a:endParaRPr>
+                    </a:p>
+                  </a:txBody>
+                  <a:tcPr marL="9525" marR="9525" marT="9525" marB="0" anchor="ctr"/>
+                </a:tc>
+                <a:extLst>
+                  <a:ext uri="{0D108BD9-81ED-4DB2-BD59-A6C34878D82A}">
+                    <a16:rowId xmlns:a16="http://schemas.microsoft.com/office/drawing/2014/main" val="2673524677"/>
+                  </a:ext>
+                </a:extLst>
+              </a:tr>
+              <a:tr h="228600">
+                <a:tc>
+                  <a:txBody>
+                    <a:bodyPr/>
+                    <a:lstStyle/>
+                    <a:p>
+                      <a:pPr algn="ctr" rtl="0" fontAlgn="ctr"/>
+                      <a:r>
+                        <a:rPr lang="en-DE" sz="1000" u="none" strike="noStrike">
+                          <a:effectLst/>
+                        </a:rPr>
+                        <a:t>5</a:t>
+                      </a:r>
+                      <a:endParaRPr lang="en-DE" sz="1000" b="0" i="0" u="none" strike="noStrike">
+                        <a:solidFill>
+                          <a:srgbClr val="000000"/>
+                        </a:solidFill>
+                        <a:effectLst/>
+                        <a:latin typeface="Heiti SC Medium" pitchFamily="2" charset="-128"/>
+                        <a:ea typeface="Heiti SC Medium" pitchFamily="2" charset="-128"/>
+                      </a:endParaRPr>
+                    </a:p>
+                  </a:txBody>
+                  <a:tcPr marL="9525" marR="9525" marT="9525" marB="0" anchor="ctr"/>
+                </a:tc>
+                <a:tc>
+                  <a:txBody>
+                    <a:bodyPr/>
+                    <a:lstStyle/>
+                    <a:p>
+                      <a:pPr algn="l" rtl="0" fontAlgn="ctr"/>
+                      <a:r>
+                        <a:rPr lang="en-GB" sz="1000" u="none" strike="noStrike">
+                          <a:effectLst/>
+                        </a:rPr>
+                        <a:t>Hong Kong</a:t>
+                      </a:r>
+                      <a:endParaRPr lang="en-GB" sz="1000" b="0" i="0" u="none" strike="noStrike">
+                        <a:solidFill>
+                          <a:srgbClr val="000000"/>
+                        </a:solidFill>
+                        <a:effectLst/>
+                        <a:latin typeface="Heiti SC Medium" pitchFamily="2" charset="-128"/>
+                        <a:ea typeface="Heiti SC Medium" pitchFamily="2" charset="-128"/>
+                      </a:endParaRPr>
+                    </a:p>
+                  </a:txBody>
+                  <a:tcPr marL="9525" marR="9525" marT="9525" marB="0" anchor="ctr"/>
+                </a:tc>
+                <a:tc>
+                  <a:txBody>
+                    <a:bodyPr/>
+                    <a:lstStyle/>
+                    <a:p>
+                      <a:pPr algn="ctr" rtl="0" fontAlgn="ctr"/>
+                      <a:r>
+                        <a:rPr lang="en-DE" sz="1000" u="none" strike="noStrike">
+                          <a:effectLst/>
+                        </a:rPr>
+                        <a:t>1</a:t>
+                      </a:r>
+                      <a:endParaRPr lang="en-DE" sz="1000" b="0" i="0" u="none" strike="noStrike">
+                        <a:solidFill>
+                          <a:srgbClr val="000000"/>
+                        </a:solidFill>
+                        <a:effectLst/>
+                        <a:latin typeface="Heiti SC Medium" pitchFamily="2" charset="-128"/>
+                        <a:ea typeface="Heiti SC Medium" pitchFamily="2" charset="-128"/>
+                      </a:endParaRPr>
+                    </a:p>
+                  </a:txBody>
+                  <a:tcPr marL="9525" marR="9525" marT="9525" marB="0" anchor="ctr"/>
+                </a:tc>
+                <a:tc>
+                  <a:txBody>
+                    <a:bodyPr/>
+                    <a:lstStyle/>
+                    <a:p>
+                      <a:pPr algn="ctr" rtl="0" fontAlgn="ctr"/>
+                      <a:r>
+                        <a:rPr lang="en-DE" sz="1000" u="none" strike="noStrike">
+                          <a:effectLst/>
+                        </a:rPr>
+                        <a:t>142,7</a:t>
+                      </a:r>
+                      <a:endParaRPr lang="en-DE" sz="1000" b="0" i="0" u="none" strike="noStrike">
+                        <a:solidFill>
+                          <a:srgbClr val="000000"/>
+                        </a:solidFill>
+                        <a:effectLst/>
+                        <a:latin typeface="Heiti SC Medium" pitchFamily="2" charset="-128"/>
+                        <a:ea typeface="Heiti SC Medium" pitchFamily="2" charset="-128"/>
+                      </a:endParaRPr>
+                    </a:p>
+                  </a:txBody>
+                  <a:tcPr marL="9525" marR="9525" marT="9525" marB="0" anchor="ctr"/>
+                </a:tc>
+                <a:tc>
+                  <a:txBody>
+                    <a:bodyPr/>
+                    <a:lstStyle/>
+                    <a:p>
+                      <a:pPr algn="ctr" rtl="0" fontAlgn="ctr"/>
+                      <a:r>
+                        <a:rPr lang="en-DE" sz="1000" u="none" strike="noStrike">
+                          <a:effectLst/>
+                        </a:rPr>
+                        <a:t>142,7</a:t>
+                      </a:r>
+                      <a:endParaRPr lang="en-DE" sz="1000" b="0" i="0" u="none" strike="noStrike">
+                        <a:solidFill>
+                          <a:srgbClr val="000000"/>
+                        </a:solidFill>
+                        <a:effectLst/>
+                        <a:latin typeface="Heiti SC Medium" pitchFamily="2" charset="-128"/>
+                        <a:ea typeface="Heiti SC Medium" pitchFamily="2" charset="-128"/>
+                      </a:endParaRPr>
+                    </a:p>
+                  </a:txBody>
+                  <a:tcPr marL="9525" marR="9525" marT="9525" marB="0" anchor="ctr"/>
+                </a:tc>
+                <a:extLst>
+                  <a:ext uri="{0D108BD9-81ED-4DB2-BD59-A6C34878D82A}">
+                    <a16:rowId xmlns:a16="http://schemas.microsoft.com/office/drawing/2014/main" val="3317001863"/>
+                  </a:ext>
+                </a:extLst>
+              </a:tr>
+              <a:tr h="228600">
+                <a:tc>
+                  <a:txBody>
+                    <a:bodyPr/>
+                    <a:lstStyle/>
+                    <a:p>
+                      <a:pPr algn="ctr" rtl="0" fontAlgn="ctr"/>
+                      <a:r>
+                        <a:rPr lang="en-DE" sz="1000" u="none" strike="noStrike">
+                          <a:effectLst/>
+                        </a:rPr>
+                        <a:t>6</a:t>
+                      </a:r>
+                      <a:endParaRPr lang="en-DE" sz="1000" b="0" i="0" u="none" strike="noStrike">
+                        <a:solidFill>
+                          <a:srgbClr val="000000"/>
+                        </a:solidFill>
+                        <a:effectLst/>
+                        <a:latin typeface="Heiti SC Medium" pitchFamily="2" charset="-128"/>
+                        <a:ea typeface="Heiti SC Medium" pitchFamily="2" charset="-128"/>
+                      </a:endParaRPr>
+                    </a:p>
+                  </a:txBody>
+                  <a:tcPr marL="9525" marR="9525" marT="9525" marB="0" anchor="ctr"/>
+                </a:tc>
+                <a:tc>
+                  <a:txBody>
+                    <a:bodyPr/>
+                    <a:lstStyle/>
+                    <a:p>
+                      <a:pPr algn="l" rtl="0" fontAlgn="ctr"/>
+                      <a:r>
+                        <a:rPr lang="en-GB" sz="1000" u="none" strike="noStrike">
+                          <a:effectLst/>
+                        </a:rPr>
+                        <a:t>Thailand</a:t>
+                      </a:r>
+                      <a:endParaRPr lang="en-GB" sz="1000" b="0" i="0" u="none" strike="noStrike">
+                        <a:solidFill>
+                          <a:srgbClr val="000000"/>
+                        </a:solidFill>
+                        <a:effectLst/>
+                        <a:latin typeface="Heiti SC Medium" pitchFamily="2" charset="-128"/>
+                        <a:ea typeface="Heiti SC Medium" pitchFamily="2" charset="-128"/>
+                      </a:endParaRPr>
+                    </a:p>
+                  </a:txBody>
+                  <a:tcPr marL="9525" marR="9525" marT="9525" marB="0" anchor="ctr"/>
+                </a:tc>
+                <a:tc>
+                  <a:txBody>
+                    <a:bodyPr/>
+                    <a:lstStyle/>
+                    <a:p>
+                      <a:pPr algn="ctr" rtl="0" fontAlgn="ctr"/>
+                      <a:r>
+                        <a:rPr lang="en-DE" sz="1000" u="none" strike="noStrike">
+                          <a:effectLst/>
+                        </a:rPr>
+                        <a:t>3</a:t>
+                      </a:r>
+                      <a:endParaRPr lang="en-DE" sz="1000" b="0" i="0" u="none" strike="noStrike">
+                        <a:solidFill>
+                          <a:srgbClr val="000000"/>
+                        </a:solidFill>
+                        <a:effectLst/>
+                        <a:latin typeface="Heiti SC Medium" pitchFamily="2" charset="-128"/>
+                        <a:ea typeface="Heiti SC Medium" pitchFamily="2" charset="-128"/>
+                      </a:endParaRPr>
+                    </a:p>
+                  </a:txBody>
+                  <a:tcPr marL="9525" marR="9525" marT="9525" marB="0" anchor="ctr"/>
+                </a:tc>
+                <a:tc>
+                  <a:txBody>
+                    <a:bodyPr/>
+                    <a:lstStyle/>
+                    <a:p>
+                      <a:pPr algn="ctr" rtl="0" fontAlgn="ctr"/>
+                      <a:r>
+                        <a:rPr lang="en-DE" sz="1000" u="none" strike="noStrike">
+                          <a:effectLst/>
+                        </a:rPr>
+                        <a:t>413,06</a:t>
+                      </a:r>
+                      <a:endParaRPr lang="en-DE" sz="1000" b="0" i="0" u="none" strike="noStrike">
+                        <a:solidFill>
+                          <a:srgbClr val="000000"/>
+                        </a:solidFill>
+                        <a:effectLst/>
+                        <a:latin typeface="Heiti SC Medium" pitchFamily="2" charset="-128"/>
+                        <a:ea typeface="Heiti SC Medium" pitchFamily="2" charset="-128"/>
+                      </a:endParaRPr>
+                    </a:p>
+                  </a:txBody>
+                  <a:tcPr marL="9525" marR="9525" marT="9525" marB="0" anchor="ctr"/>
+                </a:tc>
+                <a:tc>
+                  <a:txBody>
+                    <a:bodyPr/>
+                    <a:lstStyle/>
+                    <a:p>
+                      <a:pPr algn="ctr" rtl="0" fontAlgn="ctr"/>
+                      <a:r>
+                        <a:rPr lang="en-DE" sz="1000" u="none" strike="noStrike">
+                          <a:effectLst/>
+                        </a:rPr>
+                        <a:t>137,69</a:t>
+                      </a:r>
+                      <a:endParaRPr lang="en-DE" sz="1000" b="0" i="0" u="none" strike="noStrike">
+                        <a:solidFill>
+                          <a:srgbClr val="000000"/>
+                        </a:solidFill>
+                        <a:effectLst/>
+                        <a:latin typeface="Heiti SC Medium" pitchFamily="2" charset="-128"/>
+                        <a:ea typeface="Heiti SC Medium" pitchFamily="2" charset="-128"/>
+                      </a:endParaRPr>
+                    </a:p>
+                  </a:txBody>
+                  <a:tcPr marL="9525" marR="9525" marT="9525" marB="0" anchor="ctr"/>
+                </a:tc>
+                <a:extLst>
+                  <a:ext uri="{0D108BD9-81ED-4DB2-BD59-A6C34878D82A}">
+                    <a16:rowId xmlns:a16="http://schemas.microsoft.com/office/drawing/2014/main" val="91173184"/>
+                  </a:ext>
+                </a:extLst>
+              </a:tr>
+              <a:tr h="228600">
+                <a:tc>
+                  <a:txBody>
+                    <a:bodyPr/>
+                    <a:lstStyle/>
+                    <a:p>
+                      <a:pPr algn="ctr" rtl="0" fontAlgn="ctr"/>
+                      <a:r>
+                        <a:rPr lang="en-DE" sz="1000" u="none" strike="noStrike">
+                          <a:effectLst/>
+                        </a:rPr>
+                        <a:t>7</a:t>
+                      </a:r>
+                      <a:endParaRPr lang="en-DE" sz="1000" b="0" i="0" u="none" strike="noStrike">
+                        <a:solidFill>
+                          <a:srgbClr val="000000"/>
+                        </a:solidFill>
+                        <a:effectLst/>
+                        <a:latin typeface="Heiti SC Medium" pitchFamily="2" charset="-128"/>
+                        <a:ea typeface="Heiti SC Medium" pitchFamily="2" charset="-128"/>
+                      </a:endParaRPr>
+                    </a:p>
+                  </a:txBody>
+                  <a:tcPr marL="9525" marR="9525" marT="9525" marB="0" anchor="ctr"/>
+                </a:tc>
+                <a:tc>
+                  <a:txBody>
+                    <a:bodyPr/>
+                    <a:lstStyle/>
+                    <a:p>
+                      <a:pPr algn="l" rtl="0" fontAlgn="ctr"/>
+                      <a:r>
+                        <a:rPr lang="en-GB" sz="1000" u="none" strike="noStrike">
+                          <a:effectLst/>
+                        </a:rPr>
+                        <a:t>Belarus</a:t>
+                      </a:r>
+                      <a:endParaRPr lang="en-GB" sz="1000" b="0" i="0" u="none" strike="noStrike">
+                        <a:solidFill>
+                          <a:srgbClr val="000000"/>
+                        </a:solidFill>
+                        <a:effectLst/>
+                        <a:latin typeface="Heiti SC Medium" pitchFamily="2" charset="-128"/>
+                        <a:ea typeface="Heiti SC Medium" pitchFamily="2" charset="-128"/>
+                      </a:endParaRPr>
+                    </a:p>
+                  </a:txBody>
+                  <a:tcPr marL="9525" marR="9525" marT="9525" marB="0" anchor="ctr"/>
+                </a:tc>
+                <a:tc>
+                  <a:txBody>
+                    <a:bodyPr/>
+                    <a:lstStyle/>
+                    <a:p>
+                      <a:pPr algn="ctr" rtl="0" fontAlgn="ctr"/>
+                      <a:r>
+                        <a:rPr lang="en-DE" sz="1000" u="none" strike="noStrike">
+                          <a:effectLst/>
+                        </a:rPr>
+                        <a:t>2</a:t>
+                      </a:r>
+                      <a:endParaRPr lang="en-DE" sz="1000" b="0" i="0" u="none" strike="noStrike">
+                        <a:solidFill>
+                          <a:srgbClr val="000000"/>
+                        </a:solidFill>
+                        <a:effectLst/>
+                        <a:latin typeface="Heiti SC Medium" pitchFamily="2" charset="-128"/>
+                        <a:ea typeface="Heiti SC Medium" pitchFamily="2" charset="-128"/>
+                      </a:endParaRPr>
+                    </a:p>
+                  </a:txBody>
+                  <a:tcPr marL="9525" marR="9525" marT="9525" marB="0" anchor="ctr"/>
+                </a:tc>
+                <a:tc>
+                  <a:txBody>
+                    <a:bodyPr/>
+                    <a:lstStyle/>
+                    <a:p>
+                      <a:pPr algn="ctr" rtl="0" fontAlgn="ctr"/>
+                      <a:r>
+                        <a:rPr lang="en-DE" sz="1000" u="none" strike="noStrike">
+                          <a:effectLst/>
+                        </a:rPr>
+                        <a:t>137,66</a:t>
+                      </a:r>
+                      <a:endParaRPr lang="en-DE" sz="1000" b="0" i="0" u="none" strike="noStrike">
+                        <a:solidFill>
+                          <a:srgbClr val="000000"/>
+                        </a:solidFill>
+                        <a:effectLst/>
+                        <a:latin typeface="Heiti SC Medium" pitchFamily="2" charset="-128"/>
+                        <a:ea typeface="Heiti SC Medium" pitchFamily="2" charset="-128"/>
+                      </a:endParaRPr>
+                    </a:p>
+                  </a:txBody>
+                  <a:tcPr marL="9525" marR="9525" marT="9525" marB="0" anchor="ctr"/>
+                </a:tc>
+                <a:tc>
+                  <a:txBody>
+                    <a:bodyPr/>
+                    <a:lstStyle/>
+                    <a:p>
+                      <a:pPr algn="ctr" rtl="0" fontAlgn="ctr"/>
+                      <a:r>
+                        <a:rPr lang="en-DE" sz="1000" u="none" strike="noStrike">
+                          <a:effectLst/>
+                        </a:rPr>
+                        <a:t>137,66</a:t>
+                      </a:r>
+                      <a:endParaRPr lang="en-DE" sz="1000" b="0" i="0" u="none" strike="noStrike">
+                        <a:solidFill>
+                          <a:srgbClr val="000000"/>
+                        </a:solidFill>
+                        <a:effectLst/>
+                        <a:latin typeface="Heiti SC Medium" pitchFamily="2" charset="-128"/>
+                        <a:ea typeface="Heiti SC Medium" pitchFamily="2" charset="-128"/>
+                      </a:endParaRPr>
+                    </a:p>
+                  </a:txBody>
+                  <a:tcPr marL="9525" marR="9525" marT="9525" marB="0" anchor="ctr"/>
+                </a:tc>
+                <a:extLst>
+                  <a:ext uri="{0D108BD9-81ED-4DB2-BD59-A6C34878D82A}">
+                    <a16:rowId xmlns:a16="http://schemas.microsoft.com/office/drawing/2014/main" val="3808277203"/>
+                  </a:ext>
+                </a:extLst>
+              </a:tr>
+              <a:tr h="228600">
+                <a:tc>
+                  <a:txBody>
+                    <a:bodyPr/>
+                    <a:lstStyle/>
+                    <a:p>
+                      <a:pPr algn="ctr" rtl="0" fontAlgn="ctr"/>
+                      <a:r>
+                        <a:rPr lang="en-DE" sz="1000" u="none" strike="noStrike">
+                          <a:effectLst/>
+                        </a:rPr>
+                        <a:t>8</a:t>
+                      </a:r>
+                      <a:endParaRPr lang="en-DE" sz="1000" b="0" i="0" u="none" strike="noStrike">
+                        <a:solidFill>
+                          <a:srgbClr val="000000"/>
+                        </a:solidFill>
+                        <a:effectLst/>
+                        <a:latin typeface="Heiti SC Medium" pitchFamily="2" charset="-128"/>
+                        <a:ea typeface="Heiti SC Medium" pitchFamily="2" charset="-128"/>
+                      </a:endParaRPr>
+                    </a:p>
+                  </a:txBody>
+                  <a:tcPr marL="9525" marR="9525" marT="9525" marB="0" anchor="ctr"/>
+                </a:tc>
+                <a:tc>
+                  <a:txBody>
+                    <a:bodyPr/>
+                    <a:lstStyle/>
+                    <a:p>
+                      <a:pPr algn="l" rtl="0" fontAlgn="ctr"/>
+                      <a:r>
+                        <a:rPr lang="en-GB" sz="1000" u="none" strike="noStrike">
+                          <a:effectLst/>
+                        </a:rPr>
+                        <a:t>Greenland</a:t>
+                      </a:r>
+                      <a:endParaRPr lang="en-GB" sz="1000" b="0" i="0" u="none" strike="noStrike">
+                        <a:solidFill>
+                          <a:srgbClr val="000000"/>
+                        </a:solidFill>
+                        <a:effectLst/>
+                        <a:latin typeface="Heiti SC Medium" pitchFamily="2" charset="-128"/>
+                        <a:ea typeface="Heiti SC Medium" pitchFamily="2" charset="-128"/>
+                      </a:endParaRPr>
+                    </a:p>
+                  </a:txBody>
+                  <a:tcPr marL="9525" marR="9525" marT="9525" marB="0" anchor="ctr"/>
+                </a:tc>
+                <a:tc>
+                  <a:txBody>
+                    <a:bodyPr/>
+                    <a:lstStyle/>
+                    <a:p>
+                      <a:pPr algn="ctr" rtl="0" fontAlgn="ctr"/>
+                      <a:r>
+                        <a:rPr lang="en-DE" sz="1000" u="none" strike="noStrike">
+                          <a:effectLst/>
+                        </a:rPr>
+                        <a:t>1</a:t>
+                      </a:r>
+                      <a:endParaRPr lang="en-DE" sz="1000" b="0" i="0" u="none" strike="noStrike">
+                        <a:solidFill>
+                          <a:srgbClr val="000000"/>
+                        </a:solidFill>
+                        <a:effectLst/>
+                        <a:latin typeface="Heiti SC Medium" pitchFamily="2" charset="-128"/>
+                        <a:ea typeface="Heiti SC Medium" pitchFamily="2" charset="-128"/>
+                      </a:endParaRPr>
+                    </a:p>
+                  </a:txBody>
+                  <a:tcPr marL="9525" marR="9525" marT="9525" marB="0" anchor="ctr"/>
+                </a:tc>
+                <a:tc>
+                  <a:txBody>
+                    <a:bodyPr/>
+                    <a:lstStyle/>
+                    <a:p>
+                      <a:pPr algn="ctr" rtl="0" fontAlgn="ctr"/>
+                      <a:r>
+                        <a:rPr lang="en-DE" sz="1000" u="none" strike="noStrike">
+                          <a:effectLst/>
+                        </a:rPr>
+                        <a:t>274,35</a:t>
+                      </a:r>
+                      <a:endParaRPr lang="en-DE" sz="1000" b="0" i="0" u="none" strike="noStrike">
+                        <a:solidFill>
+                          <a:srgbClr val="000000"/>
+                        </a:solidFill>
+                        <a:effectLst/>
+                        <a:latin typeface="Heiti SC Medium" pitchFamily="2" charset="-128"/>
+                        <a:ea typeface="Heiti SC Medium" pitchFamily="2" charset="-128"/>
+                      </a:endParaRPr>
+                    </a:p>
+                  </a:txBody>
+                  <a:tcPr marL="9525" marR="9525" marT="9525" marB="0" anchor="ctr"/>
+                </a:tc>
+                <a:tc>
+                  <a:txBody>
+                    <a:bodyPr/>
+                    <a:lstStyle/>
+                    <a:p>
+                      <a:pPr algn="ctr" rtl="0" fontAlgn="ctr"/>
+                      <a:r>
+                        <a:rPr lang="en-DE" sz="1000" u="none" strike="noStrike">
+                          <a:effectLst/>
+                        </a:rPr>
+                        <a:t>137,18</a:t>
+                      </a:r>
+                      <a:endParaRPr lang="en-DE" sz="1000" b="0" i="0" u="none" strike="noStrike">
+                        <a:solidFill>
+                          <a:srgbClr val="000000"/>
+                        </a:solidFill>
+                        <a:effectLst/>
+                        <a:latin typeface="Heiti SC Medium" pitchFamily="2" charset="-128"/>
+                        <a:ea typeface="Heiti SC Medium" pitchFamily="2" charset="-128"/>
+                      </a:endParaRPr>
+                    </a:p>
+                  </a:txBody>
+                  <a:tcPr marL="9525" marR="9525" marT="9525" marB="0" anchor="ctr"/>
+                </a:tc>
+                <a:extLst>
+                  <a:ext uri="{0D108BD9-81ED-4DB2-BD59-A6C34878D82A}">
+                    <a16:rowId xmlns:a16="http://schemas.microsoft.com/office/drawing/2014/main" val="3805709659"/>
+                  </a:ext>
+                </a:extLst>
+              </a:tr>
+              <a:tr h="228600">
+                <a:tc>
+                  <a:txBody>
+                    <a:bodyPr/>
+                    <a:lstStyle/>
+                    <a:p>
+                      <a:pPr algn="ctr" rtl="0" fontAlgn="ctr"/>
+                      <a:r>
+                        <a:rPr lang="en-DE" sz="1000" u="none" strike="noStrike">
+                          <a:effectLst/>
+                        </a:rPr>
+                        <a:t>9</a:t>
+                      </a:r>
+                      <a:endParaRPr lang="en-DE" sz="1000" b="0" i="0" u="none" strike="noStrike">
+                        <a:solidFill>
+                          <a:srgbClr val="000000"/>
+                        </a:solidFill>
+                        <a:effectLst/>
+                        <a:latin typeface="Heiti SC Medium" pitchFamily="2" charset="-128"/>
+                        <a:ea typeface="Heiti SC Medium" pitchFamily="2" charset="-128"/>
+                      </a:endParaRPr>
+                    </a:p>
+                  </a:txBody>
+                  <a:tcPr marL="9525" marR="9525" marT="9525" marB="0" anchor="ctr"/>
+                </a:tc>
+                <a:tc>
+                  <a:txBody>
+                    <a:bodyPr/>
+                    <a:lstStyle/>
+                    <a:p>
+                      <a:pPr algn="l" rtl="0" fontAlgn="ctr"/>
+                      <a:r>
+                        <a:rPr lang="en-GB" sz="1000" u="none" strike="noStrike">
+                          <a:effectLst/>
+                        </a:rPr>
+                        <a:t>Turkmenistan</a:t>
+                      </a:r>
+                      <a:endParaRPr lang="en-GB" sz="1000" b="0" i="0" u="none" strike="noStrike">
+                        <a:solidFill>
+                          <a:srgbClr val="000000"/>
+                        </a:solidFill>
+                        <a:effectLst/>
+                        <a:latin typeface="Heiti SC Medium" pitchFamily="2" charset="-128"/>
+                        <a:ea typeface="Heiti SC Medium" pitchFamily="2" charset="-128"/>
+                      </a:endParaRPr>
+                    </a:p>
+                  </a:txBody>
+                  <a:tcPr marL="9525" marR="9525" marT="9525" marB="0" anchor="ctr"/>
+                </a:tc>
+                <a:tc>
+                  <a:txBody>
+                    <a:bodyPr/>
+                    <a:lstStyle/>
+                    <a:p>
+                      <a:pPr algn="ctr" rtl="0" fontAlgn="ctr"/>
+                      <a:r>
+                        <a:rPr lang="en-DE" sz="1000" u="none" strike="noStrike">
+                          <a:effectLst/>
+                        </a:rPr>
+                        <a:t>1</a:t>
+                      </a:r>
+                      <a:endParaRPr lang="en-DE" sz="1000" b="0" i="0" u="none" strike="noStrike">
+                        <a:solidFill>
+                          <a:srgbClr val="000000"/>
+                        </a:solidFill>
+                        <a:effectLst/>
+                        <a:latin typeface="Heiti SC Medium" pitchFamily="2" charset="-128"/>
+                        <a:ea typeface="Heiti SC Medium" pitchFamily="2" charset="-128"/>
+                      </a:endParaRPr>
+                    </a:p>
+                  </a:txBody>
+                  <a:tcPr marL="9525" marR="9525" marT="9525" marB="0" anchor="ctr"/>
+                </a:tc>
+                <a:tc>
+                  <a:txBody>
+                    <a:bodyPr/>
+                    <a:lstStyle/>
+                    <a:p>
+                      <a:pPr algn="ctr" rtl="0" fontAlgn="ctr"/>
+                      <a:r>
+                        <a:rPr lang="en-DE" sz="1000" u="none" strike="noStrike">
+                          <a:effectLst/>
+                        </a:rPr>
+                        <a:t>135,68</a:t>
+                      </a:r>
+                      <a:endParaRPr lang="en-DE" sz="1000" b="0" i="0" u="none" strike="noStrike">
+                        <a:solidFill>
+                          <a:srgbClr val="000000"/>
+                        </a:solidFill>
+                        <a:effectLst/>
+                        <a:latin typeface="Heiti SC Medium" pitchFamily="2" charset="-128"/>
+                        <a:ea typeface="Heiti SC Medium" pitchFamily="2" charset="-128"/>
+                      </a:endParaRPr>
+                    </a:p>
+                  </a:txBody>
+                  <a:tcPr marL="9525" marR="9525" marT="9525" marB="0" anchor="ctr"/>
+                </a:tc>
+                <a:tc>
+                  <a:txBody>
+                    <a:bodyPr/>
+                    <a:lstStyle/>
+                    <a:p>
+                      <a:pPr algn="ctr" rtl="0" fontAlgn="ctr"/>
+                      <a:r>
+                        <a:rPr lang="en-DE" sz="1000" u="none" strike="noStrike">
+                          <a:effectLst/>
+                        </a:rPr>
+                        <a:t>135,68</a:t>
+                      </a:r>
+                      <a:endParaRPr lang="en-DE" sz="1000" b="0" i="0" u="none" strike="noStrike">
+                        <a:solidFill>
+                          <a:srgbClr val="000000"/>
+                        </a:solidFill>
+                        <a:effectLst/>
+                        <a:latin typeface="Heiti SC Medium" pitchFamily="2" charset="-128"/>
+                        <a:ea typeface="Heiti SC Medium" pitchFamily="2" charset="-128"/>
+                      </a:endParaRPr>
+                    </a:p>
+                  </a:txBody>
+                  <a:tcPr marL="9525" marR="9525" marT="9525" marB="0" anchor="ctr"/>
+                </a:tc>
+                <a:extLst>
+                  <a:ext uri="{0D108BD9-81ED-4DB2-BD59-A6C34878D82A}">
+                    <a16:rowId xmlns:a16="http://schemas.microsoft.com/office/drawing/2014/main" val="3872503869"/>
+                  </a:ext>
+                </a:extLst>
+              </a:tr>
+              <a:tr h="228600">
+                <a:tc>
+                  <a:txBody>
+                    <a:bodyPr/>
+                    <a:lstStyle/>
+                    <a:p>
+                      <a:pPr algn="ctr" rtl="0" fontAlgn="ctr"/>
+                      <a:r>
+                        <a:rPr lang="en-DE" sz="1000" u="none" strike="noStrike">
+                          <a:effectLst/>
+                        </a:rPr>
+                        <a:t>10</a:t>
+                      </a:r>
+                      <a:endParaRPr lang="en-DE" sz="1000" b="0" i="0" u="none" strike="noStrike">
+                        <a:solidFill>
+                          <a:srgbClr val="000000"/>
+                        </a:solidFill>
+                        <a:effectLst/>
+                        <a:latin typeface="Heiti SC Medium" pitchFamily="2" charset="-128"/>
+                        <a:ea typeface="Heiti SC Medium" pitchFamily="2" charset="-128"/>
+                      </a:endParaRPr>
+                    </a:p>
+                  </a:txBody>
+                  <a:tcPr marL="9525" marR="9525" marT="9525" marB="0" anchor="ctr"/>
+                </a:tc>
+                <a:tc>
+                  <a:txBody>
+                    <a:bodyPr/>
+                    <a:lstStyle/>
+                    <a:p>
+                      <a:pPr algn="l" rtl="0" fontAlgn="ctr"/>
+                      <a:r>
+                        <a:rPr lang="en-GB" sz="1000" u="none" strike="noStrike">
+                          <a:effectLst/>
+                        </a:rPr>
+                        <a:t>Chad</a:t>
+                      </a:r>
+                      <a:endParaRPr lang="en-GB" sz="1000" b="0" i="0" u="none" strike="noStrike">
+                        <a:solidFill>
+                          <a:srgbClr val="000000"/>
+                        </a:solidFill>
+                        <a:effectLst/>
+                        <a:latin typeface="Heiti SC Medium" pitchFamily="2" charset="-128"/>
+                        <a:ea typeface="Heiti SC Medium" pitchFamily="2" charset="-128"/>
+                      </a:endParaRPr>
+                    </a:p>
+                  </a:txBody>
+                  <a:tcPr marL="9525" marR="9525" marT="9525" marB="0" anchor="ctr"/>
+                </a:tc>
+                <a:tc>
+                  <a:txBody>
+                    <a:bodyPr/>
+                    <a:lstStyle/>
+                    <a:p>
+                      <a:pPr algn="ctr" rtl="0" fontAlgn="ctr"/>
+                      <a:r>
+                        <a:rPr lang="en-DE" sz="1000" u="none" strike="noStrike">
+                          <a:effectLst/>
+                        </a:rPr>
+                        <a:t>1</a:t>
+                      </a:r>
+                      <a:endParaRPr lang="en-DE" sz="1000" b="0" i="0" u="none" strike="noStrike">
+                        <a:solidFill>
+                          <a:srgbClr val="000000"/>
+                        </a:solidFill>
+                        <a:effectLst/>
+                        <a:latin typeface="Heiti SC Medium" pitchFamily="2" charset="-128"/>
+                        <a:ea typeface="Heiti SC Medium" pitchFamily="2" charset="-128"/>
+                      </a:endParaRPr>
+                    </a:p>
+                  </a:txBody>
+                  <a:tcPr marL="9525" marR="9525" marT="9525" marB="0" anchor="ctr"/>
+                </a:tc>
+                <a:tc>
+                  <a:txBody>
+                    <a:bodyPr/>
+                    <a:lstStyle/>
+                    <a:p>
+                      <a:pPr algn="ctr" rtl="0" fontAlgn="ctr"/>
+                      <a:r>
+                        <a:rPr lang="en-DE" sz="1000" u="none" strike="noStrike">
+                          <a:effectLst/>
+                        </a:rPr>
+                        <a:t>133,74</a:t>
+                      </a:r>
+                      <a:endParaRPr lang="en-DE" sz="1000" b="0" i="0" u="none" strike="noStrike">
+                        <a:solidFill>
+                          <a:srgbClr val="000000"/>
+                        </a:solidFill>
+                        <a:effectLst/>
+                        <a:latin typeface="Heiti SC Medium" pitchFamily="2" charset="-128"/>
+                        <a:ea typeface="Heiti SC Medium" pitchFamily="2" charset="-128"/>
+                      </a:endParaRPr>
+                    </a:p>
+                  </a:txBody>
+                  <a:tcPr marL="9525" marR="9525" marT="9525" marB="0" anchor="ctr"/>
+                </a:tc>
+                <a:tc>
+                  <a:txBody>
+                    <a:bodyPr/>
+                    <a:lstStyle/>
+                    <a:p>
+                      <a:pPr algn="ctr" rtl="0" fontAlgn="ctr"/>
+                      <a:r>
+                        <a:rPr lang="en-DE" sz="1000" u="none" strike="noStrike" dirty="0">
+                          <a:effectLst/>
+                        </a:rPr>
+                        <a:t>133,74</a:t>
+                      </a:r>
+                      <a:endParaRPr lang="en-DE" sz="1000" b="0" i="0" u="none" strike="noStrike" dirty="0">
+                        <a:solidFill>
+                          <a:srgbClr val="000000"/>
+                        </a:solidFill>
+                        <a:effectLst/>
+                        <a:latin typeface="Heiti SC Medium" pitchFamily="2" charset="-128"/>
+                        <a:ea typeface="Heiti SC Medium" pitchFamily="2" charset="-128"/>
+                      </a:endParaRPr>
+                    </a:p>
+                  </a:txBody>
+                  <a:tcPr marL="9525" marR="9525" marT="9525" marB="0" anchor="ctr"/>
+                </a:tc>
+                <a:extLst>
+                  <a:ext uri="{0D108BD9-81ED-4DB2-BD59-A6C34878D82A}">
+                    <a16:rowId xmlns:a16="http://schemas.microsoft.com/office/drawing/2014/main" val="2607958535"/>
+                  </a:ext>
+                </a:extLst>
+              </a:tr>
+            </a:tbl>
+          </a:graphicData>
+        </a:graphic>
+      </p:graphicFrame>
+      <p:graphicFrame>
+        <p:nvGraphicFramePr>
+          <p:cNvPr id="25" name="Table 24">
+            <a:extLst>
+              <a:ext uri="{FF2B5EF4-FFF2-40B4-BE49-F238E27FC236}">
+                <a16:creationId xmlns:a16="http://schemas.microsoft.com/office/drawing/2014/main" id="{F15F9853-9510-2CC1-788B-BB10673609E8}"/>
+              </a:ext>
+            </a:extLst>
+          </p:cNvPr>
+          <p:cNvGraphicFramePr>
+            <a:graphicFrameLocks noGrp="1"/>
+          </p:cNvGraphicFramePr>
+          <p:nvPr>
+            <p:extLst>
+              <p:ext uri="{D42A27DB-BD31-4B8C-83A1-F6EECF244321}">
+                <p14:modId xmlns:p14="http://schemas.microsoft.com/office/powerpoint/2010/main" val="2437817308"/>
+              </p:ext>
+            </p:extLst>
+          </p:nvPr>
+        </p:nvGraphicFramePr>
+        <p:xfrm>
+          <a:off x="7076252" y="1021686"/>
+          <a:ext cx="3705161" cy="2528952"/>
+        </p:xfrm>
+        <a:graphic>
+          <a:graphicData uri="http://schemas.openxmlformats.org/drawingml/2006/table">
+            <a:tbl>
+              <a:tblPr firstRow="1" bandRow="1">
+                <a:tableStyleId>{5C22544A-7EE6-4342-B048-85BDC9FD1C3A}</a:tableStyleId>
+              </a:tblPr>
+              <a:tblGrid>
+                <a:gridCol w="536660">
+                  <a:extLst>
+                    <a:ext uri="{9D8B030D-6E8A-4147-A177-3AD203B41FA5}">
+                      <a16:colId xmlns:a16="http://schemas.microsoft.com/office/drawing/2014/main" val="3179690266"/>
+                    </a:ext>
+                  </a:extLst>
+                </a:gridCol>
+                <a:gridCol w="1233376">
+                  <a:extLst>
+                    <a:ext uri="{9D8B030D-6E8A-4147-A177-3AD203B41FA5}">
+                      <a16:colId xmlns:a16="http://schemas.microsoft.com/office/drawing/2014/main" val="489006370"/>
+                    </a:ext>
+                  </a:extLst>
+                </a:gridCol>
+                <a:gridCol w="967563">
+                  <a:extLst>
+                    <a:ext uri="{9D8B030D-6E8A-4147-A177-3AD203B41FA5}">
+                      <a16:colId xmlns:a16="http://schemas.microsoft.com/office/drawing/2014/main" val="2755141592"/>
+                    </a:ext>
+                  </a:extLst>
+                </a:gridCol>
+                <a:gridCol w="967562">
+                  <a:extLst>
+                    <a:ext uri="{9D8B030D-6E8A-4147-A177-3AD203B41FA5}">
+                      <a16:colId xmlns:a16="http://schemas.microsoft.com/office/drawing/2014/main" val="836587133"/>
+                    </a:ext>
+                  </a:extLst>
+                </a:gridCol>
+              </a:tblGrid>
+              <a:tr h="357252">
+                <a:tc>
+                  <a:txBody>
+                    <a:bodyPr/>
+                    <a:lstStyle/>
+                    <a:p>
+                      <a:pPr algn="ctr" rtl="0" fontAlgn="t"/>
+                      <a:r>
+                        <a:rPr lang="en-GB" sz="1000" u="none" strike="noStrike" dirty="0">
+                          <a:effectLst/>
+                        </a:rPr>
+                        <a:t>Rank</a:t>
+                      </a:r>
+                      <a:endParaRPr lang="en-GB" sz="1000" b="1" i="0" u="none" strike="noStrike" dirty="0">
+                        <a:solidFill>
+                          <a:srgbClr val="FFFFFF"/>
+                        </a:solidFill>
+                        <a:effectLst/>
+                        <a:latin typeface="Heiti SC Medium" pitchFamily="2" charset="-128"/>
+                        <a:ea typeface="Heiti SC Medium" pitchFamily="2" charset="-128"/>
+                      </a:endParaRPr>
+                    </a:p>
+                  </a:txBody>
+                  <a:tcPr marL="9525" marR="9525" marT="9525" marB="0"/>
+                </a:tc>
+                <a:tc>
+                  <a:txBody>
+                    <a:bodyPr/>
+                    <a:lstStyle/>
+                    <a:p>
+                      <a:pPr algn="ctr" rtl="0" fontAlgn="t"/>
+                      <a:r>
+                        <a:rPr lang="en-GB" sz="1000" u="none" strike="noStrike" dirty="0">
+                          <a:effectLst/>
+                        </a:rPr>
+                        <a:t>Top 10 Customers</a:t>
+                      </a:r>
+                      <a:endParaRPr lang="en-GB" sz="1000" b="1" i="0" u="none" strike="noStrike" dirty="0">
+                        <a:solidFill>
+                          <a:srgbClr val="FFFFFF"/>
+                        </a:solidFill>
+                        <a:effectLst/>
+                        <a:latin typeface="Heiti SC Medium" pitchFamily="2" charset="-128"/>
+                        <a:ea typeface="Heiti SC Medium" pitchFamily="2" charset="-128"/>
+                      </a:endParaRPr>
+                    </a:p>
+                  </a:txBody>
+                  <a:tcPr marL="9525" marR="9525" marT="9525" marB="0"/>
+                </a:tc>
+                <a:tc>
+                  <a:txBody>
+                    <a:bodyPr/>
+                    <a:lstStyle/>
+                    <a:p>
+                      <a:pPr algn="l" rtl="0" fontAlgn="t"/>
+                      <a:r>
+                        <a:rPr lang="en-GB" sz="1000" u="none" strike="noStrike" dirty="0">
+                          <a:effectLst/>
+                        </a:rPr>
+                        <a:t>Country</a:t>
+                      </a:r>
+                      <a:endParaRPr lang="en-GB" sz="1000" b="1" i="0" u="none" strike="noStrike" dirty="0">
+                        <a:solidFill>
+                          <a:srgbClr val="FFFFFF"/>
+                        </a:solidFill>
+                        <a:effectLst/>
+                        <a:latin typeface="Heiti SC Medium" pitchFamily="2" charset="-128"/>
+                        <a:ea typeface="Heiti SC Medium" pitchFamily="2" charset="-128"/>
+                      </a:endParaRPr>
+                    </a:p>
+                  </a:txBody>
+                  <a:tcPr marL="9525" marR="9525" marT="9525" marB="0"/>
+                </a:tc>
+                <a:tc>
+                  <a:txBody>
+                    <a:bodyPr/>
+                    <a:lstStyle/>
+                    <a:p>
+                      <a:pPr algn="ctr" rtl="0" fontAlgn="t"/>
+                      <a:r>
+                        <a:rPr lang="en-GB" sz="1000" u="none" strike="noStrike">
+                          <a:effectLst/>
+                        </a:rPr>
+                        <a:t>Total Revenue</a:t>
+                      </a:r>
+                      <a:endParaRPr lang="en-GB" sz="1000" b="1" i="0" u="none" strike="noStrike">
+                        <a:solidFill>
+                          <a:srgbClr val="FFFFFF"/>
+                        </a:solidFill>
+                        <a:effectLst/>
+                        <a:latin typeface="Heiti SC Medium" pitchFamily="2" charset="-128"/>
+                        <a:ea typeface="Heiti SC Medium" pitchFamily="2" charset="-128"/>
+                      </a:endParaRPr>
+                    </a:p>
+                  </a:txBody>
+                  <a:tcPr marL="9525" marR="9525" marT="9525" marB="0"/>
+                </a:tc>
+                <a:extLst>
+                  <a:ext uri="{0D108BD9-81ED-4DB2-BD59-A6C34878D82A}">
+                    <a16:rowId xmlns:a16="http://schemas.microsoft.com/office/drawing/2014/main" val="2233729453"/>
+                  </a:ext>
+                </a:extLst>
+              </a:tr>
+              <a:tr h="228600">
+                <a:tc>
+                  <a:txBody>
+                    <a:bodyPr/>
+                    <a:lstStyle/>
+                    <a:p>
+                      <a:pPr algn="ctr" rtl="0" fontAlgn="ctr"/>
+                      <a:r>
+                        <a:rPr lang="en-DE" sz="1000" u="none" strike="noStrike">
+                          <a:effectLst/>
+                        </a:rPr>
+                        <a:t>1</a:t>
+                      </a:r>
+                      <a:endParaRPr lang="en-DE" sz="1000" b="0" i="0" u="none" strike="noStrike">
+                        <a:solidFill>
+                          <a:srgbClr val="000000"/>
+                        </a:solidFill>
+                        <a:effectLst/>
+                        <a:latin typeface="Heiti SC Medium" pitchFamily="2" charset="-128"/>
+                        <a:ea typeface="Heiti SC Medium" pitchFamily="2" charset="-128"/>
+                      </a:endParaRPr>
+                    </a:p>
+                  </a:txBody>
+                  <a:tcPr marL="9525" marR="9525" marT="9525" marB="0" anchor="ctr"/>
+                </a:tc>
+                <a:tc>
+                  <a:txBody>
+                    <a:bodyPr/>
+                    <a:lstStyle/>
+                    <a:p>
+                      <a:pPr algn="ctr" rtl="0" fontAlgn="t"/>
+                      <a:r>
+                        <a:rPr lang="en-DE" sz="1000" u="none" strike="noStrike">
+                          <a:effectLst/>
+                        </a:rPr>
+                        <a:t>526</a:t>
+                      </a:r>
+                      <a:endParaRPr lang="en-DE" sz="1000" b="0" i="0" u="none" strike="noStrike">
+                        <a:solidFill>
+                          <a:srgbClr val="000000"/>
+                        </a:solidFill>
+                        <a:effectLst/>
+                        <a:latin typeface="Heiti SC Medium" pitchFamily="2" charset="-128"/>
+                        <a:ea typeface="Heiti SC Medium" pitchFamily="2" charset="-128"/>
+                      </a:endParaRPr>
+                    </a:p>
+                  </a:txBody>
+                  <a:tcPr marL="9525" marR="9525" marT="9525" marB="0"/>
+                </a:tc>
+                <a:tc>
+                  <a:txBody>
+                    <a:bodyPr/>
+                    <a:lstStyle/>
+                    <a:p>
+                      <a:pPr algn="l" rtl="0" fontAlgn="t"/>
+                      <a:r>
+                        <a:rPr lang="en-GB" sz="1000" u="none" strike="noStrike" dirty="0">
+                          <a:effectLst/>
+                        </a:rPr>
+                        <a:t>United States</a:t>
+                      </a:r>
+                      <a:endParaRPr lang="en-GB" sz="1000" b="0" i="0" u="none" strike="noStrike" dirty="0">
+                        <a:solidFill>
+                          <a:srgbClr val="000000"/>
+                        </a:solidFill>
+                        <a:effectLst/>
+                        <a:latin typeface="Heiti SC Medium" pitchFamily="2" charset="-128"/>
+                        <a:ea typeface="Heiti SC Medium" pitchFamily="2" charset="-128"/>
+                      </a:endParaRPr>
+                    </a:p>
+                  </a:txBody>
+                  <a:tcPr marL="9525" marR="9525" marT="9525" marB="0"/>
+                </a:tc>
+                <a:tc>
+                  <a:txBody>
+                    <a:bodyPr/>
+                    <a:lstStyle/>
+                    <a:p>
+                      <a:pPr algn="ctr" rtl="0" fontAlgn="t"/>
+                      <a:r>
+                        <a:rPr lang="en-DE" sz="1000" u="none" strike="noStrike">
+                          <a:effectLst/>
+                        </a:rPr>
+                        <a:t>221,55</a:t>
+                      </a:r>
+                      <a:endParaRPr lang="en-DE" sz="1000" b="0" i="0" u="none" strike="noStrike">
+                        <a:solidFill>
+                          <a:srgbClr val="000000"/>
+                        </a:solidFill>
+                        <a:effectLst/>
+                        <a:latin typeface="Heiti SC Medium" pitchFamily="2" charset="-128"/>
+                        <a:ea typeface="Heiti SC Medium" pitchFamily="2" charset="-128"/>
+                      </a:endParaRPr>
+                    </a:p>
+                  </a:txBody>
+                  <a:tcPr marL="9525" marR="9525" marT="9525" marB="0"/>
+                </a:tc>
+                <a:extLst>
+                  <a:ext uri="{0D108BD9-81ED-4DB2-BD59-A6C34878D82A}">
+                    <a16:rowId xmlns:a16="http://schemas.microsoft.com/office/drawing/2014/main" val="1005095864"/>
+                  </a:ext>
+                </a:extLst>
+              </a:tr>
+              <a:tr h="215900">
+                <a:tc>
+                  <a:txBody>
+                    <a:bodyPr/>
+                    <a:lstStyle/>
+                    <a:p>
+                      <a:pPr algn="ctr" rtl="0" fontAlgn="ctr"/>
+                      <a:r>
+                        <a:rPr lang="en-DE" sz="1000" u="none" strike="noStrike">
+                          <a:effectLst/>
+                        </a:rPr>
+                        <a:t>2</a:t>
+                      </a:r>
+                      <a:endParaRPr lang="en-DE" sz="1000" b="0" i="0" u="none" strike="noStrike">
+                        <a:solidFill>
+                          <a:srgbClr val="000000"/>
+                        </a:solidFill>
+                        <a:effectLst/>
+                        <a:latin typeface="Heiti SC Medium" pitchFamily="2" charset="-128"/>
+                        <a:ea typeface="Heiti SC Medium" pitchFamily="2" charset="-128"/>
+                      </a:endParaRPr>
+                    </a:p>
+                  </a:txBody>
+                  <a:tcPr marL="9525" marR="9525" marT="9525" marB="0" anchor="ctr"/>
+                </a:tc>
+                <a:tc>
+                  <a:txBody>
+                    <a:bodyPr/>
+                    <a:lstStyle/>
+                    <a:p>
+                      <a:pPr algn="ctr" rtl="0" fontAlgn="t"/>
+                      <a:r>
+                        <a:rPr lang="en-DE" sz="1000" u="none" strike="noStrike">
+                          <a:effectLst/>
+                        </a:rPr>
+                        <a:t>148</a:t>
+                      </a:r>
+                      <a:endParaRPr lang="en-DE" sz="1000" b="0" i="0" u="none" strike="noStrike">
+                        <a:solidFill>
+                          <a:srgbClr val="000000"/>
+                        </a:solidFill>
+                        <a:effectLst/>
+                        <a:latin typeface="Heiti SC Medium" pitchFamily="2" charset="-128"/>
+                        <a:ea typeface="Heiti SC Medium" pitchFamily="2" charset="-128"/>
+                      </a:endParaRPr>
+                    </a:p>
+                  </a:txBody>
+                  <a:tcPr marL="9525" marR="9525" marT="9525" marB="0"/>
+                </a:tc>
+                <a:tc>
+                  <a:txBody>
+                    <a:bodyPr/>
+                    <a:lstStyle/>
+                    <a:p>
+                      <a:pPr algn="l" rtl="0" fontAlgn="t"/>
+                      <a:r>
+                        <a:rPr lang="en-GB" sz="1000" u="none" strike="noStrike">
+                          <a:effectLst/>
+                        </a:rPr>
+                        <a:t>Réunion</a:t>
+                      </a:r>
+                      <a:endParaRPr lang="en-GB" sz="1000" b="0" i="0" u="none" strike="noStrike">
+                        <a:solidFill>
+                          <a:srgbClr val="000000"/>
+                        </a:solidFill>
+                        <a:effectLst/>
+                        <a:latin typeface="Heiti SC Medium" pitchFamily="2" charset="-128"/>
+                        <a:ea typeface="Heiti SC Medium" pitchFamily="2" charset="-128"/>
+                      </a:endParaRPr>
+                    </a:p>
+                  </a:txBody>
+                  <a:tcPr marL="9525" marR="9525" marT="9525" marB="0"/>
+                </a:tc>
+                <a:tc>
+                  <a:txBody>
+                    <a:bodyPr/>
+                    <a:lstStyle/>
+                    <a:p>
+                      <a:pPr algn="ctr" rtl="0" fontAlgn="t"/>
+                      <a:r>
+                        <a:rPr lang="en-DE" sz="1000" u="none" strike="noStrike">
+                          <a:effectLst/>
+                        </a:rPr>
+                        <a:t>216,54</a:t>
+                      </a:r>
+                      <a:endParaRPr lang="en-DE" sz="1000" b="0" i="0" u="none" strike="noStrike">
+                        <a:solidFill>
+                          <a:srgbClr val="000000"/>
+                        </a:solidFill>
+                        <a:effectLst/>
+                        <a:latin typeface="Heiti SC Medium" pitchFamily="2" charset="-128"/>
+                        <a:ea typeface="Heiti SC Medium" pitchFamily="2" charset="-128"/>
+                      </a:endParaRPr>
+                    </a:p>
+                  </a:txBody>
+                  <a:tcPr marL="9525" marR="9525" marT="9525" marB="0"/>
+                </a:tc>
+                <a:extLst>
+                  <a:ext uri="{0D108BD9-81ED-4DB2-BD59-A6C34878D82A}">
+                    <a16:rowId xmlns:a16="http://schemas.microsoft.com/office/drawing/2014/main" val="1879427710"/>
+                  </a:ext>
+                </a:extLst>
+              </a:tr>
+              <a:tr h="215900">
+                <a:tc>
+                  <a:txBody>
+                    <a:bodyPr/>
+                    <a:lstStyle/>
+                    <a:p>
+                      <a:pPr algn="ctr" rtl="0" fontAlgn="ctr"/>
+                      <a:r>
+                        <a:rPr lang="en-DE" sz="1000" u="none" strike="noStrike">
+                          <a:effectLst/>
+                        </a:rPr>
+                        <a:t>3</a:t>
+                      </a:r>
+                      <a:endParaRPr lang="en-DE" sz="1000" b="0" i="0" u="none" strike="noStrike">
+                        <a:solidFill>
+                          <a:srgbClr val="000000"/>
+                        </a:solidFill>
+                        <a:effectLst/>
+                        <a:latin typeface="Heiti SC Medium" pitchFamily="2" charset="-128"/>
+                        <a:ea typeface="Heiti SC Medium" pitchFamily="2" charset="-128"/>
+                      </a:endParaRPr>
+                    </a:p>
+                  </a:txBody>
+                  <a:tcPr marL="9525" marR="9525" marT="9525" marB="0" anchor="ctr"/>
+                </a:tc>
+                <a:tc>
+                  <a:txBody>
+                    <a:bodyPr/>
+                    <a:lstStyle/>
+                    <a:p>
+                      <a:pPr algn="ctr" rtl="0" fontAlgn="t"/>
+                      <a:r>
+                        <a:rPr lang="en-DE" sz="1000" u="none" strike="noStrike">
+                          <a:effectLst/>
+                        </a:rPr>
+                        <a:t>144</a:t>
+                      </a:r>
+                      <a:endParaRPr lang="en-DE" sz="1000" b="0" i="0" u="none" strike="noStrike">
+                        <a:solidFill>
+                          <a:srgbClr val="000000"/>
+                        </a:solidFill>
+                        <a:effectLst/>
+                        <a:latin typeface="Heiti SC Medium" pitchFamily="2" charset="-128"/>
+                        <a:ea typeface="Heiti SC Medium" pitchFamily="2" charset="-128"/>
+                      </a:endParaRPr>
+                    </a:p>
+                  </a:txBody>
+                  <a:tcPr marL="9525" marR="9525" marT="9525" marB="0"/>
+                </a:tc>
+                <a:tc>
+                  <a:txBody>
+                    <a:bodyPr/>
+                    <a:lstStyle/>
+                    <a:p>
+                      <a:pPr algn="l" rtl="0" fontAlgn="t"/>
+                      <a:r>
+                        <a:rPr lang="en-GB" sz="1000" u="none" strike="noStrike">
+                          <a:effectLst/>
+                        </a:rPr>
+                        <a:t>Belarus</a:t>
+                      </a:r>
+                      <a:endParaRPr lang="en-GB" sz="1000" b="0" i="0" u="none" strike="noStrike">
+                        <a:solidFill>
+                          <a:srgbClr val="000000"/>
+                        </a:solidFill>
+                        <a:effectLst/>
+                        <a:latin typeface="Heiti SC Medium" pitchFamily="2" charset="-128"/>
+                        <a:ea typeface="Heiti SC Medium" pitchFamily="2" charset="-128"/>
+                      </a:endParaRPr>
+                    </a:p>
+                  </a:txBody>
+                  <a:tcPr marL="9525" marR="9525" marT="9525" marB="0"/>
+                </a:tc>
+                <a:tc>
+                  <a:txBody>
+                    <a:bodyPr/>
+                    <a:lstStyle/>
+                    <a:p>
+                      <a:pPr algn="ctr" rtl="0" fontAlgn="t"/>
+                      <a:r>
+                        <a:rPr lang="en-DE" sz="1000" u="none" strike="noStrike">
+                          <a:effectLst/>
+                        </a:rPr>
+                        <a:t>195,58</a:t>
+                      </a:r>
+                      <a:endParaRPr lang="en-DE" sz="1000" b="0" i="0" u="none" strike="noStrike">
+                        <a:solidFill>
+                          <a:srgbClr val="000000"/>
+                        </a:solidFill>
+                        <a:effectLst/>
+                        <a:latin typeface="Heiti SC Medium" pitchFamily="2" charset="-128"/>
+                        <a:ea typeface="Heiti SC Medium" pitchFamily="2" charset="-128"/>
+                      </a:endParaRPr>
+                    </a:p>
+                  </a:txBody>
+                  <a:tcPr marL="9525" marR="9525" marT="9525" marB="0"/>
+                </a:tc>
+                <a:extLst>
+                  <a:ext uri="{0D108BD9-81ED-4DB2-BD59-A6C34878D82A}">
+                    <a16:rowId xmlns:a16="http://schemas.microsoft.com/office/drawing/2014/main" val="930692994"/>
+                  </a:ext>
+                </a:extLst>
+              </a:tr>
+              <a:tr h="215900">
+                <a:tc>
+                  <a:txBody>
+                    <a:bodyPr/>
+                    <a:lstStyle/>
+                    <a:p>
+                      <a:pPr algn="ctr" rtl="0" fontAlgn="ctr"/>
+                      <a:r>
+                        <a:rPr lang="en-DE" sz="1000" u="none" strike="noStrike">
+                          <a:effectLst/>
+                        </a:rPr>
+                        <a:t>4</a:t>
+                      </a:r>
+                      <a:endParaRPr lang="en-DE" sz="1000" b="0" i="0" u="none" strike="noStrike">
+                        <a:solidFill>
+                          <a:srgbClr val="000000"/>
+                        </a:solidFill>
+                        <a:effectLst/>
+                        <a:latin typeface="Heiti SC Medium" pitchFamily="2" charset="-128"/>
+                        <a:ea typeface="Heiti SC Medium" pitchFamily="2" charset="-128"/>
+                      </a:endParaRPr>
+                    </a:p>
+                  </a:txBody>
+                  <a:tcPr marL="9525" marR="9525" marT="9525" marB="0" anchor="ctr"/>
+                </a:tc>
+                <a:tc>
+                  <a:txBody>
+                    <a:bodyPr/>
+                    <a:lstStyle/>
+                    <a:p>
+                      <a:pPr algn="ctr" rtl="0" fontAlgn="t"/>
+                      <a:r>
+                        <a:rPr lang="en-DE" sz="1000" u="none" strike="noStrike" dirty="0">
+                          <a:effectLst/>
+                        </a:rPr>
+                        <a:t>137</a:t>
+                      </a:r>
+                      <a:endParaRPr lang="en-DE" sz="1000" b="0" i="0" u="none" strike="noStrike" dirty="0">
+                        <a:solidFill>
+                          <a:srgbClr val="000000"/>
+                        </a:solidFill>
+                        <a:effectLst/>
+                        <a:latin typeface="Heiti SC Medium" pitchFamily="2" charset="-128"/>
+                        <a:ea typeface="Heiti SC Medium" pitchFamily="2" charset="-128"/>
+                      </a:endParaRPr>
+                    </a:p>
+                  </a:txBody>
+                  <a:tcPr marL="9525" marR="9525" marT="9525" marB="0"/>
+                </a:tc>
+                <a:tc>
+                  <a:txBody>
+                    <a:bodyPr/>
+                    <a:lstStyle/>
+                    <a:p>
+                      <a:pPr algn="l" rtl="0" fontAlgn="t"/>
+                      <a:r>
+                        <a:rPr lang="en-GB" sz="1000" u="none" strike="noStrike">
+                          <a:effectLst/>
+                        </a:rPr>
+                        <a:t>Netherlands</a:t>
+                      </a:r>
+                      <a:endParaRPr lang="en-GB" sz="1000" b="0" i="0" u="none" strike="noStrike">
+                        <a:solidFill>
+                          <a:srgbClr val="000000"/>
+                        </a:solidFill>
+                        <a:effectLst/>
+                        <a:latin typeface="Heiti SC Medium" pitchFamily="2" charset="-128"/>
+                        <a:ea typeface="Heiti SC Medium" pitchFamily="2" charset="-128"/>
+                      </a:endParaRPr>
+                    </a:p>
+                  </a:txBody>
+                  <a:tcPr marL="9525" marR="9525" marT="9525" marB="0"/>
+                </a:tc>
+                <a:tc>
+                  <a:txBody>
+                    <a:bodyPr/>
+                    <a:lstStyle/>
+                    <a:p>
+                      <a:pPr algn="ctr" rtl="0" fontAlgn="t"/>
+                      <a:r>
+                        <a:rPr lang="en-DE" sz="1000" u="none" strike="noStrike">
+                          <a:effectLst/>
+                        </a:rPr>
+                        <a:t>194,61</a:t>
+                      </a:r>
+                      <a:endParaRPr lang="en-DE" sz="1000" b="0" i="0" u="none" strike="noStrike">
+                        <a:solidFill>
+                          <a:srgbClr val="000000"/>
+                        </a:solidFill>
+                        <a:effectLst/>
+                        <a:latin typeface="Heiti SC Medium" pitchFamily="2" charset="-128"/>
+                        <a:ea typeface="Heiti SC Medium" pitchFamily="2" charset="-128"/>
+                      </a:endParaRPr>
+                    </a:p>
+                  </a:txBody>
+                  <a:tcPr marL="9525" marR="9525" marT="9525" marB="0"/>
+                </a:tc>
+                <a:extLst>
+                  <a:ext uri="{0D108BD9-81ED-4DB2-BD59-A6C34878D82A}">
+                    <a16:rowId xmlns:a16="http://schemas.microsoft.com/office/drawing/2014/main" val="2220940438"/>
+                  </a:ext>
+                </a:extLst>
+              </a:tr>
+              <a:tr h="215900">
+                <a:tc>
+                  <a:txBody>
+                    <a:bodyPr/>
+                    <a:lstStyle/>
+                    <a:p>
+                      <a:pPr algn="ctr" rtl="0" fontAlgn="ctr"/>
+                      <a:r>
+                        <a:rPr lang="en-DE" sz="1000" u="none" strike="noStrike">
+                          <a:effectLst/>
+                        </a:rPr>
+                        <a:t>5</a:t>
+                      </a:r>
+                      <a:endParaRPr lang="en-DE" sz="1000" b="0" i="0" u="none" strike="noStrike">
+                        <a:solidFill>
+                          <a:srgbClr val="000000"/>
+                        </a:solidFill>
+                        <a:effectLst/>
+                        <a:latin typeface="Heiti SC Medium" pitchFamily="2" charset="-128"/>
+                        <a:ea typeface="Heiti SC Medium" pitchFamily="2" charset="-128"/>
+                      </a:endParaRPr>
+                    </a:p>
+                  </a:txBody>
+                  <a:tcPr marL="9525" marR="9525" marT="9525" marB="0" anchor="ctr"/>
+                </a:tc>
+                <a:tc>
+                  <a:txBody>
+                    <a:bodyPr/>
+                    <a:lstStyle/>
+                    <a:p>
+                      <a:pPr algn="ctr" rtl="0" fontAlgn="t"/>
+                      <a:r>
+                        <a:rPr lang="en-DE" sz="1000" u="none" strike="noStrike">
+                          <a:effectLst/>
+                        </a:rPr>
+                        <a:t>178</a:t>
+                      </a:r>
+                      <a:endParaRPr lang="en-DE" sz="1000" b="0" i="0" u="none" strike="noStrike">
+                        <a:solidFill>
+                          <a:srgbClr val="000000"/>
+                        </a:solidFill>
+                        <a:effectLst/>
+                        <a:latin typeface="Heiti SC Medium" pitchFamily="2" charset="-128"/>
+                        <a:ea typeface="Heiti SC Medium" pitchFamily="2" charset="-128"/>
+                      </a:endParaRPr>
+                    </a:p>
+                  </a:txBody>
+                  <a:tcPr marL="9525" marR="9525" marT="9525" marB="0"/>
+                </a:tc>
+                <a:tc>
+                  <a:txBody>
+                    <a:bodyPr/>
+                    <a:lstStyle/>
+                    <a:p>
+                      <a:pPr algn="l" rtl="0" fontAlgn="t"/>
+                      <a:r>
+                        <a:rPr lang="en-GB" sz="1000" u="none" strike="noStrike">
+                          <a:effectLst/>
+                        </a:rPr>
+                        <a:t>Brazil</a:t>
+                      </a:r>
+                      <a:endParaRPr lang="en-GB" sz="1000" b="0" i="0" u="none" strike="noStrike">
+                        <a:solidFill>
+                          <a:srgbClr val="000000"/>
+                        </a:solidFill>
+                        <a:effectLst/>
+                        <a:latin typeface="Heiti SC Medium" pitchFamily="2" charset="-128"/>
+                        <a:ea typeface="Heiti SC Medium" pitchFamily="2" charset="-128"/>
+                      </a:endParaRPr>
+                    </a:p>
+                  </a:txBody>
+                  <a:tcPr marL="9525" marR="9525" marT="9525" marB="0"/>
+                </a:tc>
+                <a:tc>
+                  <a:txBody>
+                    <a:bodyPr/>
+                    <a:lstStyle/>
+                    <a:p>
+                      <a:pPr algn="ctr" rtl="0" fontAlgn="t"/>
+                      <a:r>
+                        <a:rPr lang="en-DE" sz="1000" u="none" strike="noStrike">
+                          <a:effectLst/>
+                        </a:rPr>
+                        <a:t>189,62</a:t>
+                      </a:r>
+                      <a:endParaRPr lang="en-DE" sz="1000" b="0" i="0" u="none" strike="noStrike">
+                        <a:solidFill>
+                          <a:srgbClr val="000000"/>
+                        </a:solidFill>
+                        <a:effectLst/>
+                        <a:latin typeface="Heiti SC Medium" pitchFamily="2" charset="-128"/>
+                        <a:ea typeface="Heiti SC Medium" pitchFamily="2" charset="-128"/>
+                      </a:endParaRPr>
+                    </a:p>
+                  </a:txBody>
+                  <a:tcPr marL="9525" marR="9525" marT="9525" marB="0"/>
+                </a:tc>
+                <a:extLst>
+                  <a:ext uri="{0D108BD9-81ED-4DB2-BD59-A6C34878D82A}">
+                    <a16:rowId xmlns:a16="http://schemas.microsoft.com/office/drawing/2014/main" val="1530940055"/>
+                  </a:ext>
+                </a:extLst>
+              </a:tr>
+              <a:tr h="215900">
+                <a:tc>
+                  <a:txBody>
+                    <a:bodyPr/>
+                    <a:lstStyle/>
+                    <a:p>
+                      <a:pPr algn="ctr" rtl="0" fontAlgn="ctr"/>
+                      <a:r>
+                        <a:rPr lang="en-DE" sz="1000" u="none" strike="noStrike">
+                          <a:effectLst/>
+                        </a:rPr>
+                        <a:t>6</a:t>
+                      </a:r>
+                      <a:endParaRPr lang="en-DE" sz="1000" b="0" i="0" u="none" strike="noStrike">
+                        <a:solidFill>
+                          <a:srgbClr val="000000"/>
+                        </a:solidFill>
+                        <a:effectLst/>
+                        <a:latin typeface="Heiti SC Medium" pitchFamily="2" charset="-128"/>
+                        <a:ea typeface="Heiti SC Medium" pitchFamily="2" charset="-128"/>
+                      </a:endParaRPr>
+                    </a:p>
+                  </a:txBody>
+                  <a:tcPr marL="9525" marR="9525" marT="9525" marB="0" anchor="ctr"/>
+                </a:tc>
+                <a:tc>
+                  <a:txBody>
+                    <a:bodyPr/>
+                    <a:lstStyle/>
+                    <a:p>
+                      <a:pPr algn="ctr" rtl="0" fontAlgn="t"/>
+                      <a:r>
+                        <a:rPr lang="en-DE" sz="1000" u="none" strike="noStrike">
+                          <a:effectLst/>
+                        </a:rPr>
+                        <a:t>459</a:t>
+                      </a:r>
+                      <a:endParaRPr lang="en-DE" sz="1000" b="0" i="0" u="none" strike="noStrike">
+                        <a:solidFill>
+                          <a:srgbClr val="000000"/>
+                        </a:solidFill>
+                        <a:effectLst/>
+                        <a:latin typeface="Heiti SC Medium" pitchFamily="2" charset="-128"/>
+                        <a:ea typeface="Heiti SC Medium" pitchFamily="2" charset="-128"/>
+                      </a:endParaRPr>
+                    </a:p>
+                  </a:txBody>
+                  <a:tcPr marL="9525" marR="9525" marT="9525" marB="0"/>
+                </a:tc>
+                <a:tc>
+                  <a:txBody>
+                    <a:bodyPr/>
+                    <a:lstStyle/>
+                    <a:p>
+                      <a:pPr algn="l" rtl="0" fontAlgn="t"/>
+                      <a:r>
+                        <a:rPr lang="en-GB" sz="1000" u="none" strike="noStrike">
+                          <a:effectLst/>
+                        </a:rPr>
+                        <a:t>Iran</a:t>
+                      </a:r>
+                      <a:endParaRPr lang="en-GB" sz="1000" b="0" i="0" u="none" strike="noStrike">
+                        <a:solidFill>
+                          <a:srgbClr val="000000"/>
+                        </a:solidFill>
+                        <a:effectLst/>
+                        <a:latin typeface="Heiti SC Medium" pitchFamily="2" charset="-128"/>
+                        <a:ea typeface="Heiti SC Medium" pitchFamily="2" charset="-128"/>
+                      </a:endParaRPr>
+                    </a:p>
+                  </a:txBody>
+                  <a:tcPr marL="9525" marR="9525" marT="9525" marB="0"/>
+                </a:tc>
+                <a:tc>
+                  <a:txBody>
+                    <a:bodyPr/>
+                    <a:lstStyle/>
+                    <a:p>
+                      <a:pPr algn="ctr" rtl="0" fontAlgn="t"/>
+                      <a:r>
+                        <a:rPr lang="en-DE" sz="1000" u="none" strike="noStrike">
+                          <a:effectLst/>
+                        </a:rPr>
+                        <a:t>186,62</a:t>
+                      </a:r>
+                      <a:endParaRPr lang="en-DE" sz="1000" b="0" i="0" u="none" strike="noStrike">
+                        <a:solidFill>
+                          <a:srgbClr val="000000"/>
+                        </a:solidFill>
+                        <a:effectLst/>
+                        <a:latin typeface="Heiti SC Medium" pitchFamily="2" charset="-128"/>
+                        <a:ea typeface="Heiti SC Medium" pitchFamily="2" charset="-128"/>
+                      </a:endParaRPr>
+                    </a:p>
+                  </a:txBody>
+                  <a:tcPr marL="9525" marR="9525" marT="9525" marB="0"/>
+                </a:tc>
+                <a:extLst>
+                  <a:ext uri="{0D108BD9-81ED-4DB2-BD59-A6C34878D82A}">
+                    <a16:rowId xmlns:a16="http://schemas.microsoft.com/office/drawing/2014/main" val="1674747317"/>
+                  </a:ext>
+                </a:extLst>
+              </a:tr>
+              <a:tr h="215900">
+                <a:tc>
+                  <a:txBody>
+                    <a:bodyPr/>
+                    <a:lstStyle/>
+                    <a:p>
+                      <a:pPr algn="ctr" rtl="0" fontAlgn="ctr"/>
+                      <a:r>
+                        <a:rPr lang="en-DE" sz="1000" u="none" strike="noStrike">
+                          <a:effectLst/>
+                        </a:rPr>
+                        <a:t>7</a:t>
+                      </a:r>
+                      <a:endParaRPr lang="en-DE" sz="1000" b="0" i="0" u="none" strike="noStrike">
+                        <a:solidFill>
+                          <a:srgbClr val="000000"/>
+                        </a:solidFill>
+                        <a:effectLst/>
+                        <a:latin typeface="Heiti SC Medium" pitchFamily="2" charset="-128"/>
+                        <a:ea typeface="Heiti SC Medium" pitchFamily="2" charset="-128"/>
+                      </a:endParaRPr>
+                    </a:p>
+                  </a:txBody>
+                  <a:tcPr marL="9525" marR="9525" marT="9525" marB="0" anchor="ctr"/>
+                </a:tc>
+                <a:tc>
+                  <a:txBody>
+                    <a:bodyPr/>
+                    <a:lstStyle/>
+                    <a:p>
+                      <a:pPr algn="ctr" rtl="0" fontAlgn="t"/>
+                      <a:r>
+                        <a:rPr lang="en-DE" sz="1000" u="none" strike="noStrike">
+                          <a:effectLst/>
+                        </a:rPr>
+                        <a:t>469</a:t>
+                      </a:r>
+                      <a:endParaRPr lang="en-DE" sz="1000" b="0" i="0" u="none" strike="noStrike">
+                        <a:solidFill>
+                          <a:srgbClr val="000000"/>
+                        </a:solidFill>
+                        <a:effectLst/>
+                        <a:latin typeface="Heiti SC Medium" pitchFamily="2" charset="-128"/>
+                        <a:ea typeface="Heiti SC Medium" pitchFamily="2" charset="-128"/>
+                      </a:endParaRPr>
+                    </a:p>
+                  </a:txBody>
+                  <a:tcPr marL="9525" marR="9525" marT="9525" marB="0"/>
+                </a:tc>
+                <a:tc>
+                  <a:txBody>
+                    <a:bodyPr/>
+                    <a:lstStyle/>
+                    <a:p>
+                      <a:pPr algn="l" rtl="0" fontAlgn="t"/>
+                      <a:r>
+                        <a:rPr lang="en-GB" sz="1000" u="none" strike="noStrike">
+                          <a:effectLst/>
+                        </a:rPr>
+                        <a:t>Spain</a:t>
+                      </a:r>
+                      <a:endParaRPr lang="en-GB" sz="1000" b="0" i="0" u="none" strike="noStrike">
+                        <a:solidFill>
+                          <a:srgbClr val="000000"/>
+                        </a:solidFill>
+                        <a:effectLst/>
+                        <a:latin typeface="Heiti SC Medium" pitchFamily="2" charset="-128"/>
+                        <a:ea typeface="Heiti SC Medium" pitchFamily="2" charset="-128"/>
+                      </a:endParaRPr>
+                    </a:p>
+                  </a:txBody>
+                  <a:tcPr marL="9525" marR="9525" marT="9525" marB="0"/>
+                </a:tc>
+                <a:tc>
+                  <a:txBody>
+                    <a:bodyPr/>
+                    <a:lstStyle/>
+                    <a:p>
+                      <a:pPr algn="ctr" rtl="0" fontAlgn="t"/>
+                      <a:r>
+                        <a:rPr lang="en-DE" sz="1000" u="none" strike="noStrike">
+                          <a:effectLst/>
+                        </a:rPr>
+                        <a:t>177,6</a:t>
+                      </a:r>
+                      <a:endParaRPr lang="en-DE" sz="1000" b="0" i="0" u="none" strike="noStrike">
+                        <a:solidFill>
+                          <a:srgbClr val="000000"/>
+                        </a:solidFill>
+                        <a:effectLst/>
+                        <a:latin typeface="Heiti SC Medium" pitchFamily="2" charset="-128"/>
+                        <a:ea typeface="Heiti SC Medium" pitchFamily="2" charset="-128"/>
+                      </a:endParaRPr>
+                    </a:p>
+                  </a:txBody>
+                  <a:tcPr marL="9525" marR="9525" marT="9525" marB="0"/>
+                </a:tc>
+                <a:extLst>
+                  <a:ext uri="{0D108BD9-81ED-4DB2-BD59-A6C34878D82A}">
+                    <a16:rowId xmlns:a16="http://schemas.microsoft.com/office/drawing/2014/main" val="1528074661"/>
+                  </a:ext>
+                </a:extLst>
+              </a:tr>
+              <a:tr h="215900">
+                <a:tc>
+                  <a:txBody>
+                    <a:bodyPr/>
+                    <a:lstStyle/>
+                    <a:p>
+                      <a:pPr algn="ctr" rtl="0" fontAlgn="ctr"/>
+                      <a:r>
+                        <a:rPr lang="en-DE" sz="1000" u="none" strike="noStrike">
+                          <a:effectLst/>
+                        </a:rPr>
+                        <a:t>8</a:t>
+                      </a:r>
+                      <a:endParaRPr lang="en-DE" sz="1000" b="0" i="0" u="none" strike="noStrike">
+                        <a:solidFill>
+                          <a:srgbClr val="000000"/>
+                        </a:solidFill>
+                        <a:effectLst/>
+                        <a:latin typeface="Heiti SC Medium" pitchFamily="2" charset="-128"/>
+                        <a:ea typeface="Heiti SC Medium" pitchFamily="2" charset="-128"/>
+                      </a:endParaRPr>
+                    </a:p>
+                  </a:txBody>
+                  <a:tcPr marL="9525" marR="9525" marT="9525" marB="0" anchor="ctr"/>
+                </a:tc>
+                <a:tc>
+                  <a:txBody>
+                    <a:bodyPr/>
+                    <a:lstStyle/>
+                    <a:p>
+                      <a:pPr algn="ctr" rtl="0" fontAlgn="t"/>
+                      <a:r>
+                        <a:rPr lang="en-DE" sz="1000" u="none" strike="noStrike">
+                          <a:effectLst/>
+                        </a:rPr>
+                        <a:t>468</a:t>
+                      </a:r>
+                      <a:endParaRPr lang="en-DE" sz="1000" b="0" i="0" u="none" strike="noStrike">
+                        <a:solidFill>
+                          <a:srgbClr val="000000"/>
+                        </a:solidFill>
+                        <a:effectLst/>
+                        <a:latin typeface="Heiti SC Medium" pitchFamily="2" charset="-128"/>
+                        <a:ea typeface="Heiti SC Medium" pitchFamily="2" charset="-128"/>
+                      </a:endParaRPr>
+                    </a:p>
+                  </a:txBody>
+                  <a:tcPr marL="9525" marR="9525" marT="9525" marB="0"/>
+                </a:tc>
+                <a:tc>
+                  <a:txBody>
+                    <a:bodyPr/>
+                    <a:lstStyle/>
+                    <a:p>
+                      <a:pPr algn="l" rtl="0" fontAlgn="t"/>
+                      <a:r>
+                        <a:rPr lang="en-GB" sz="1000" u="none" strike="noStrike">
+                          <a:effectLst/>
+                        </a:rPr>
+                        <a:t>India</a:t>
+                      </a:r>
+                      <a:endParaRPr lang="en-GB" sz="1000" b="0" i="0" u="none" strike="noStrike">
+                        <a:solidFill>
+                          <a:srgbClr val="000000"/>
+                        </a:solidFill>
+                        <a:effectLst/>
+                        <a:latin typeface="Heiti SC Medium" pitchFamily="2" charset="-128"/>
+                        <a:ea typeface="Heiti SC Medium" pitchFamily="2" charset="-128"/>
+                      </a:endParaRPr>
+                    </a:p>
+                  </a:txBody>
+                  <a:tcPr marL="9525" marR="9525" marT="9525" marB="0"/>
+                </a:tc>
+                <a:tc>
+                  <a:txBody>
+                    <a:bodyPr/>
+                    <a:lstStyle/>
+                    <a:p>
+                      <a:pPr algn="ctr" rtl="0" fontAlgn="t"/>
+                      <a:r>
+                        <a:rPr lang="en-DE" sz="1000" u="none" strike="noStrike">
+                          <a:effectLst/>
+                        </a:rPr>
+                        <a:t>175,61</a:t>
+                      </a:r>
+                      <a:endParaRPr lang="en-DE" sz="1000" b="0" i="0" u="none" strike="noStrike">
+                        <a:solidFill>
+                          <a:srgbClr val="000000"/>
+                        </a:solidFill>
+                        <a:effectLst/>
+                        <a:latin typeface="Heiti SC Medium" pitchFamily="2" charset="-128"/>
+                        <a:ea typeface="Heiti SC Medium" pitchFamily="2" charset="-128"/>
+                      </a:endParaRPr>
+                    </a:p>
+                  </a:txBody>
+                  <a:tcPr marL="9525" marR="9525" marT="9525" marB="0"/>
+                </a:tc>
+                <a:extLst>
+                  <a:ext uri="{0D108BD9-81ED-4DB2-BD59-A6C34878D82A}">
+                    <a16:rowId xmlns:a16="http://schemas.microsoft.com/office/drawing/2014/main" val="2362182280"/>
+                  </a:ext>
+                </a:extLst>
+              </a:tr>
+              <a:tr h="215900">
+                <a:tc>
+                  <a:txBody>
+                    <a:bodyPr/>
+                    <a:lstStyle/>
+                    <a:p>
+                      <a:pPr algn="ctr" rtl="0" fontAlgn="ctr"/>
+                      <a:r>
+                        <a:rPr lang="en-DE" sz="1000" u="none" strike="noStrike">
+                          <a:effectLst/>
+                        </a:rPr>
+                        <a:t>9</a:t>
+                      </a:r>
+                      <a:endParaRPr lang="en-DE" sz="1000" b="0" i="0" u="none" strike="noStrike">
+                        <a:solidFill>
+                          <a:srgbClr val="000000"/>
+                        </a:solidFill>
+                        <a:effectLst/>
+                        <a:latin typeface="Heiti SC Medium" pitchFamily="2" charset="-128"/>
+                        <a:ea typeface="Heiti SC Medium" pitchFamily="2" charset="-128"/>
+                      </a:endParaRPr>
+                    </a:p>
+                  </a:txBody>
+                  <a:tcPr marL="9525" marR="9525" marT="9525" marB="0" anchor="ctr"/>
+                </a:tc>
+                <a:tc>
+                  <a:txBody>
+                    <a:bodyPr/>
+                    <a:lstStyle/>
+                    <a:p>
+                      <a:pPr algn="ctr" rtl="0" fontAlgn="t"/>
+                      <a:r>
+                        <a:rPr lang="en-DE" sz="1000" u="none" strike="noStrike">
+                          <a:effectLst/>
+                        </a:rPr>
+                        <a:t>236</a:t>
+                      </a:r>
+                      <a:endParaRPr lang="en-DE" sz="1000" b="0" i="0" u="none" strike="noStrike">
+                        <a:solidFill>
+                          <a:srgbClr val="000000"/>
+                        </a:solidFill>
+                        <a:effectLst/>
+                        <a:latin typeface="Heiti SC Medium" pitchFamily="2" charset="-128"/>
+                        <a:ea typeface="Heiti SC Medium" pitchFamily="2" charset="-128"/>
+                      </a:endParaRPr>
+                    </a:p>
+                  </a:txBody>
+                  <a:tcPr marL="9525" marR="9525" marT="9525" marB="0"/>
+                </a:tc>
+                <a:tc>
+                  <a:txBody>
+                    <a:bodyPr/>
+                    <a:lstStyle/>
+                    <a:p>
+                      <a:pPr algn="l" rtl="0" fontAlgn="t"/>
+                      <a:r>
+                        <a:rPr lang="en-GB" sz="1000" u="none" strike="noStrike">
+                          <a:effectLst/>
+                        </a:rPr>
+                        <a:t>Philippines</a:t>
+                      </a:r>
+                      <a:endParaRPr lang="en-GB" sz="1000" b="0" i="0" u="none" strike="noStrike">
+                        <a:solidFill>
+                          <a:srgbClr val="000000"/>
+                        </a:solidFill>
+                        <a:effectLst/>
+                        <a:latin typeface="Heiti SC Medium" pitchFamily="2" charset="-128"/>
+                        <a:ea typeface="Heiti SC Medium" pitchFamily="2" charset="-128"/>
+                      </a:endParaRPr>
+                    </a:p>
+                  </a:txBody>
+                  <a:tcPr marL="9525" marR="9525" marT="9525" marB="0"/>
+                </a:tc>
+                <a:tc>
+                  <a:txBody>
+                    <a:bodyPr/>
+                    <a:lstStyle/>
+                    <a:p>
+                      <a:pPr algn="ctr" rtl="0" fontAlgn="t"/>
+                      <a:r>
+                        <a:rPr lang="en-DE" sz="1000" u="none" strike="noStrike">
+                          <a:effectLst/>
+                        </a:rPr>
+                        <a:t>174,59</a:t>
+                      </a:r>
+                      <a:endParaRPr lang="en-DE" sz="1000" b="0" i="0" u="none" strike="noStrike">
+                        <a:solidFill>
+                          <a:srgbClr val="000000"/>
+                        </a:solidFill>
+                        <a:effectLst/>
+                        <a:latin typeface="Heiti SC Medium" pitchFamily="2" charset="-128"/>
+                        <a:ea typeface="Heiti SC Medium" pitchFamily="2" charset="-128"/>
+                      </a:endParaRPr>
+                    </a:p>
+                  </a:txBody>
+                  <a:tcPr marL="9525" marR="9525" marT="9525" marB="0"/>
+                </a:tc>
+                <a:extLst>
+                  <a:ext uri="{0D108BD9-81ED-4DB2-BD59-A6C34878D82A}">
+                    <a16:rowId xmlns:a16="http://schemas.microsoft.com/office/drawing/2014/main" val="267832364"/>
+                  </a:ext>
+                </a:extLst>
+              </a:tr>
+              <a:tr h="215900">
+                <a:tc>
+                  <a:txBody>
+                    <a:bodyPr/>
+                    <a:lstStyle/>
+                    <a:p>
+                      <a:pPr algn="ctr" rtl="0" fontAlgn="ctr"/>
+                      <a:r>
+                        <a:rPr lang="en-DE" sz="1000" u="none" strike="noStrike">
+                          <a:effectLst/>
+                        </a:rPr>
+                        <a:t>10</a:t>
+                      </a:r>
+                      <a:endParaRPr lang="en-DE" sz="1000" b="0" i="0" u="none" strike="noStrike">
+                        <a:solidFill>
+                          <a:srgbClr val="000000"/>
+                        </a:solidFill>
+                        <a:effectLst/>
+                        <a:latin typeface="Heiti SC Medium" pitchFamily="2" charset="-128"/>
+                        <a:ea typeface="Heiti SC Medium" pitchFamily="2" charset="-128"/>
+                      </a:endParaRPr>
+                    </a:p>
+                  </a:txBody>
+                  <a:tcPr marL="9525" marR="9525" marT="9525" marB="0" anchor="ctr"/>
+                </a:tc>
+                <a:tc>
+                  <a:txBody>
+                    <a:bodyPr/>
+                    <a:lstStyle/>
+                    <a:p>
+                      <a:pPr algn="ctr" rtl="0" fontAlgn="t"/>
+                      <a:r>
+                        <a:rPr lang="en-DE" sz="1000" u="none" strike="noStrike" dirty="0">
+                          <a:effectLst/>
+                        </a:rPr>
+                        <a:t>176</a:t>
+                      </a:r>
+                      <a:endParaRPr lang="en-DE" sz="1000" b="0" i="0" u="none" strike="noStrike" dirty="0">
+                        <a:solidFill>
+                          <a:srgbClr val="000000"/>
+                        </a:solidFill>
+                        <a:effectLst/>
+                        <a:latin typeface="Heiti SC Medium" pitchFamily="2" charset="-128"/>
+                        <a:ea typeface="Heiti SC Medium" pitchFamily="2" charset="-128"/>
+                      </a:endParaRPr>
+                    </a:p>
+                  </a:txBody>
+                  <a:tcPr marL="9525" marR="9525" marT="9525" marB="0"/>
+                </a:tc>
+                <a:tc>
+                  <a:txBody>
+                    <a:bodyPr/>
+                    <a:lstStyle/>
+                    <a:p>
+                      <a:pPr algn="l" rtl="0" fontAlgn="t"/>
+                      <a:r>
+                        <a:rPr lang="en-GB" sz="1000" u="none" strike="noStrike" dirty="0">
+                          <a:effectLst/>
+                        </a:rPr>
+                        <a:t>Algeria</a:t>
+                      </a:r>
+                      <a:endParaRPr lang="en-GB" sz="1000" b="0" i="0" u="none" strike="noStrike" dirty="0">
+                        <a:solidFill>
+                          <a:srgbClr val="000000"/>
+                        </a:solidFill>
+                        <a:effectLst/>
+                        <a:latin typeface="Heiti SC Medium" pitchFamily="2" charset="-128"/>
+                        <a:ea typeface="Heiti SC Medium" pitchFamily="2" charset="-128"/>
+                      </a:endParaRPr>
+                    </a:p>
+                  </a:txBody>
+                  <a:tcPr marL="9525" marR="9525" marT="9525" marB="0"/>
+                </a:tc>
+                <a:tc>
+                  <a:txBody>
+                    <a:bodyPr/>
+                    <a:lstStyle/>
+                    <a:p>
+                      <a:pPr algn="ctr" rtl="0" fontAlgn="t"/>
+                      <a:r>
+                        <a:rPr lang="en-DE" sz="1000" u="none" strike="noStrike" dirty="0">
+                          <a:effectLst/>
+                        </a:rPr>
+                        <a:t>173,63</a:t>
+                      </a:r>
+                      <a:endParaRPr lang="en-DE" sz="1000" b="0" i="0" u="none" strike="noStrike" dirty="0">
+                        <a:solidFill>
+                          <a:srgbClr val="000000"/>
+                        </a:solidFill>
+                        <a:effectLst/>
+                        <a:latin typeface="Heiti SC Medium" pitchFamily="2" charset="-128"/>
+                        <a:ea typeface="Heiti SC Medium" pitchFamily="2" charset="-128"/>
+                      </a:endParaRPr>
+                    </a:p>
+                  </a:txBody>
+                  <a:tcPr marL="9525" marR="9525" marT="9525" marB="0"/>
+                </a:tc>
+                <a:extLst>
+                  <a:ext uri="{0D108BD9-81ED-4DB2-BD59-A6C34878D82A}">
+                    <a16:rowId xmlns:a16="http://schemas.microsoft.com/office/drawing/2014/main" val="3977573965"/>
+                  </a:ext>
+                </a:extLst>
+              </a:tr>
+            </a:tbl>
+          </a:graphicData>
+        </a:graphic>
+      </p:graphicFrame>
     </p:spTree>
     <p:extLst>
       <p:ext uri="{BB962C8B-B14F-4D97-AF65-F5344CB8AC3E}">

--- a/deliverables/presentation.pptx
+++ b/deliverables/presentation.pptx
@@ -17118,13 +17118,13 @@
           <p:nvPr>
             <p:extLst>
               <p:ext uri="{D42A27DB-BD31-4B8C-83A1-F6EECF244321}">
-                <p14:modId xmlns:p14="http://schemas.microsoft.com/office/powerpoint/2010/main" val="513395717"/>
+                <p14:modId xmlns:p14="http://schemas.microsoft.com/office/powerpoint/2010/main" val="2202343107"/>
               </p:ext>
             </p:extLst>
           </p:nvPr>
         </p:nvGraphicFramePr>
         <p:xfrm>
-          <a:off x="450000" y="4269343"/>
+          <a:off x="450000" y="4156443"/>
           <a:ext cx="8155456" cy="2117048"/>
         </p:xfrm>
         <a:graphic>
@@ -20331,7 +20331,7 @@
         </p:nvSpPr>
         <p:spPr>
           <a:xfrm>
-            <a:off x="9055456" y="4581467"/>
+            <a:off x="9055456" y="4688207"/>
             <a:ext cx="2686544" cy="1569660"/>
           </a:xfrm>
           <a:prstGeom prst="rect">
@@ -30792,7 +30792,7 @@
           <p:nvPr>
             <p:extLst>
               <p:ext uri="{D42A27DB-BD31-4B8C-83A1-F6EECF244321}">
-                <p14:modId xmlns:p14="http://schemas.microsoft.com/office/powerpoint/2010/main" val="3136099901"/>
+                <p14:modId xmlns:p14="http://schemas.microsoft.com/office/powerpoint/2010/main" val="978588693"/>
               </p:ext>
             </p:extLst>
           </p:nvPr>
@@ -30956,7 +30956,7 @@
                           <a:latin typeface="Heiti SC Medium" pitchFamily="2" charset="-128"/>
                           <a:ea typeface="Heiti SC Medium" pitchFamily="2" charset="-128"/>
                         </a:rPr>
-                        <a:t>26 233</a:t>
+                        <a:t>26 233,24</a:t>
                       </a:r>
                     </a:p>
                   </a:txBody>
@@ -31030,7 +31030,7 @@
                           <a:latin typeface="Heiti SC Medium" pitchFamily="2" charset="-128"/>
                           <a:ea typeface="Heiti SC Medium" pitchFamily="2" charset="-128"/>
                         </a:rPr>
-                        <a:t>12 182</a:t>
+                        <a:t>12 182,34</a:t>
                       </a:r>
                     </a:p>
                   </a:txBody>
@@ -31104,7 +31104,7 @@
                           <a:latin typeface="Heiti SC Medium" pitchFamily="2" charset="-128"/>
                           <a:ea typeface="Heiti SC Medium" pitchFamily="2" charset="-128"/>
                         </a:rPr>
-                        <a:t>11 912</a:t>
+                        <a:t>11 911,99</a:t>
                       </a:r>
                     </a:p>
                   </a:txBody>
@@ -31178,7 +31178,7 @@
                           <a:latin typeface="Heiti SC Medium" pitchFamily="2" charset="-128"/>
                           <a:ea typeface="Heiti SC Medium" pitchFamily="2" charset="-128"/>
                         </a:rPr>
-                        <a:t>8 544</a:t>
+                        <a:t>8 543,66</a:t>
                       </a:r>
                     </a:p>
                   </a:txBody>
@@ -31252,7 +31252,7 @@
                           <a:latin typeface="Heiti SC Medium" pitchFamily="2" charset="-128"/>
                           <a:ea typeface="Heiti SC Medium" pitchFamily="2" charset="-128"/>
                         </a:rPr>
-                        <a:t>8 017</a:t>
+                        <a:t>8 017,16</a:t>
                       </a:r>
                     </a:p>
                   </a:txBody>
